--- a/docs/SIS - Capstone Project Presentation.pptx
+++ b/docs/SIS - Capstone Project Presentation.pptx
@@ -5,21 +5,28 @@
     <p:sldMasterId id="2147483684" r:id="rId1"/>
   </p:sldMasterIdLst>
   <p:notesMasterIdLst>
-    <p:notesMasterId r:id="rId14"/>
+    <p:notesMasterId r:id="rId21"/>
   </p:notesMasterIdLst>
   <p:sldIdLst>
     <p:sldId id="256" r:id="rId2"/>
     <p:sldId id="266" r:id="rId3"/>
     <p:sldId id="267" r:id="rId4"/>
-    <p:sldId id="268" r:id="rId5"/>
-    <p:sldId id="270" r:id="rId6"/>
-    <p:sldId id="269" r:id="rId7"/>
+    <p:sldId id="283" r:id="rId5"/>
+    <p:sldId id="268" r:id="rId6"/>
+    <p:sldId id="270" r:id="rId7"/>
     <p:sldId id="272" r:id="rId8"/>
-    <p:sldId id="275" r:id="rId9"/>
-    <p:sldId id="273" r:id="rId10"/>
-    <p:sldId id="271" r:id="rId11"/>
-    <p:sldId id="274" r:id="rId12"/>
-    <p:sldId id="259" r:id="rId13"/>
+    <p:sldId id="278" r:id="rId9"/>
+    <p:sldId id="275" r:id="rId10"/>
+    <p:sldId id="276" r:id="rId11"/>
+    <p:sldId id="277" r:id="rId12"/>
+    <p:sldId id="279" r:id="rId13"/>
+    <p:sldId id="280" r:id="rId14"/>
+    <p:sldId id="281" r:id="rId15"/>
+    <p:sldId id="282" r:id="rId16"/>
+    <p:sldId id="273" r:id="rId17"/>
+    <p:sldId id="271" r:id="rId18"/>
+    <p:sldId id="274" r:id="rId19"/>
+    <p:sldId id="259" r:id="rId20"/>
   </p:sldIdLst>
   <p:sldSz cx="9144000" cy="6858000" type="screen4x3"/>
   <p:notesSz cx="6858000" cy="9144000"/>
@@ -620,7 +627,91 @@
           <a:p>
             <a:fld id="{2F89D501-DF01-454F-B165-411B7C68907B}" type="slidenum">
               <a:rPr lang="en-US" smtClean="0"/>
-              <a:t>12</a:t>
+              <a:t>4</a:t>
+            </a:fld>
+            <a:endParaRPr lang="en-US"/>
+          </a:p>
+        </p:txBody>
+      </p:sp>
+    </p:spTree>
+    <p:extLst>
+      <p:ext uri="{BB962C8B-B14F-4D97-AF65-F5344CB8AC3E}">
+        <p14:creationId xmlns:p14="http://schemas.microsoft.com/office/powerpoint/2010/main" val="40447750"/>
+      </p:ext>
+    </p:extLst>
+  </p:cSld>
+  <p:clrMapOvr>
+    <a:masterClrMapping/>
+  </p:clrMapOvr>
+</p:notes>
+</file>
+
+<file path=ppt/notesSlides/notesSlide3.xml><?xml version="1.0" encoding="utf-8"?>
+<p:notes xmlns:a="http://schemas.openxmlformats.org/drawingml/2006/main" xmlns:r="http://schemas.openxmlformats.org/officeDocument/2006/relationships" xmlns:p="http://schemas.openxmlformats.org/presentationml/2006/main">
+  <p:cSld>
+    <p:spTree>
+      <p:nvGrpSpPr>
+        <p:cNvPr id="1" name=""/>
+        <p:cNvGrpSpPr/>
+        <p:nvPr/>
+      </p:nvGrpSpPr>
+      <p:grpSpPr>
+        <a:xfrm>
+          <a:off x="0" y="0"/>
+          <a:ext cx="0" cy="0"/>
+          <a:chOff x="0" y="0"/>
+          <a:chExt cx="0" cy="0"/>
+        </a:xfrm>
+      </p:grpSpPr>
+      <p:sp>
+        <p:nvSpPr>
+          <p:cNvPr id="2" name="Slide Image Placeholder 1"/>
+          <p:cNvSpPr>
+            <a:spLocks noGrp="1" noRot="1" noChangeAspect="1"/>
+          </p:cNvSpPr>
+          <p:nvPr>
+            <p:ph type="sldImg"/>
+          </p:nvPr>
+        </p:nvSpPr>
+        <p:spPr/>
+      </p:sp>
+      <p:sp>
+        <p:nvSpPr>
+          <p:cNvPr id="3" name="Notes Placeholder 2"/>
+          <p:cNvSpPr>
+            <a:spLocks noGrp="1"/>
+          </p:cNvSpPr>
+          <p:nvPr>
+            <p:ph type="body" idx="1"/>
+          </p:nvPr>
+        </p:nvSpPr>
+        <p:spPr/>
+        <p:txBody>
+          <a:bodyPr/>
+          <a:lstStyle/>
+          <a:p>
+            <a:endParaRPr lang="en-US" dirty="0"/>
+          </a:p>
+        </p:txBody>
+      </p:sp>
+      <p:sp>
+        <p:nvSpPr>
+          <p:cNvPr id="4" name="Slide Number Placeholder 3"/>
+          <p:cNvSpPr>
+            <a:spLocks noGrp="1"/>
+          </p:cNvSpPr>
+          <p:nvPr>
+            <p:ph type="sldNum" sz="quarter" idx="10"/>
+          </p:nvPr>
+        </p:nvSpPr>
+        <p:spPr/>
+        <p:txBody>
+          <a:bodyPr/>
+          <a:lstStyle/>
+          <a:p>
+            <a:fld id="{2F89D501-DF01-454F-B165-411B7C68907B}" type="slidenum">
+              <a:rPr lang="en-US" smtClean="0"/>
+              <a:t>19</a:t>
             </a:fld>
             <a:endParaRPr lang="en-US"/>
           </a:p>
@@ -4849,6 +4940,1609 @@
         <p:spPr>
           <a:xfrm>
             <a:off x="1435608" y="274638"/>
+            <a:ext cx="7498080" cy="639762"/>
+          </a:xfrm>
+        </p:spPr>
+        <p:txBody>
+          <a:bodyPr>
+            <a:normAutofit fontScale="90000"/>
+          </a:bodyPr>
+          <a:lstStyle/>
+          <a:p>
+            <a:pPr fontAlgn="auto">
+              <a:spcAft>
+                <a:spcPts val="0"/>
+              </a:spcAft>
+              <a:defRPr/>
+            </a:pPr>
+            <a:r>
+              <a:rPr lang="en-US" dirty="0" smtClean="0">
+                <a:solidFill>
+                  <a:schemeClr val="tx2">
+                    <a:satMod val="130000"/>
+                  </a:schemeClr>
+                </a:solidFill>
+              </a:rPr>
+              <a:t>Administrator Modules – </a:t>
+            </a:r>
+            <a:r>
+              <a:rPr lang="en-US" dirty="0" err="1" smtClean="0">
+                <a:solidFill>
+                  <a:schemeClr val="tx2">
+                    <a:satMod val="130000"/>
+                  </a:schemeClr>
+                </a:solidFill>
+              </a:rPr>
+              <a:t>contd</a:t>
+            </a:r>
+            <a:r>
+              <a:rPr lang="en-US" dirty="0" smtClean="0">
+                <a:solidFill>
+                  <a:schemeClr val="tx2">
+                    <a:satMod val="130000"/>
+                  </a:schemeClr>
+                </a:solidFill>
+              </a:rPr>
+              <a:t>…</a:t>
+            </a:r>
+            <a:endParaRPr lang="en-US" dirty="0">
+              <a:solidFill>
+                <a:schemeClr val="tx2">
+                  <a:satMod val="130000"/>
+                </a:schemeClr>
+              </a:solidFill>
+            </a:endParaRPr>
+          </a:p>
+        </p:txBody>
+      </p:sp>
+      <p:sp>
+        <p:nvSpPr>
+          <p:cNvPr id="14338" name="Content Placeholder 2"/>
+          <p:cNvSpPr>
+            <a:spLocks noGrp="1"/>
+          </p:cNvSpPr>
+          <p:nvPr>
+            <p:ph idx="1"/>
+          </p:nvPr>
+        </p:nvSpPr>
+        <p:spPr>
+          <a:xfrm>
+            <a:off x="1435608" y="1143000"/>
+            <a:ext cx="7498080" cy="1295400"/>
+          </a:xfrm>
+        </p:spPr>
+        <p:txBody>
+          <a:bodyPr>
+            <a:normAutofit/>
+          </a:bodyPr>
+          <a:lstStyle/>
+          <a:p>
+            <a:r>
+              <a:rPr lang="en-US" dirty="0" smtClean="0"/>
+              <a:t>Teacher Management</a:t>
+            </a:r>
+            <a:endParaRPr lang="en-US" dirty="0" smtClean="0"/>
+          </a:p>
+          <a:p>
+            <a:pPr lvl="1"/>
+            <a:r>
+              <a:rPr lang="en-US" dirty="0" smtClean="0"/>
+              <a:t>Add and update </a:t>
+            </a:r>
+            <a:r>
+              <a:rPr lang="en-US" dirty="0" smtClean="0"/>
+              <a:t>t</a:t>
+            </a:r>
+            <a:r>
+              <a:rPr lang="en-US" dirty="0" smtClean="0"/>
+              <a:t>eacher information.</a:t>
+            </a:r>
+            <a:endParaRPr lang="en-US" dirty="0" smtClean="0"/>
+          </a:p>
+          <a:p>
+            <a:endParaRPr lang="en-US" sz="3200" dirty="0" smtClean="0"/>
+          </a:p>
+          <a:p>
+            <a:endParaRPr lang="en-US" sz="1200" dirty="0" smtClean="0"/>
+          </a:p>
+        </p:txBody>
+      </p:sp>
+      <p:cxnSp>
+        <p:nvCxnSpPr>
+          <p:cNvPr id="4" name="Straight Connector 3"/>
+          <p:cNvCxnSpPr/>
+          <p:nvPr/>
+        </p:nvCxnSpPr>
+        <p:spPr>
+          <a:xfrm>
+            <a:off x="1295400" y="990600"/>
+            <a:ext cx="7498080" cy="0"/>
+          </a:xfrm>
+          <a:prstGeom prst="line">
+            <a:avLst/>
+          </a:prstGeom>
+          <a:ln w="63500" cmpd="thickThin">
+            <a:solidFill>
+              <a:schemeClr val="accent5">
+                <a:lumMod val="75000"/>
+              </a:schemeClr>
+            </a:solidFill>
+          </a:ln>
+        </p:spPr>
+        <p:style>
+          <a:lnRef idx="1">
+            <a:schemeClr val="accent1"/>
+          </a:lnRef>
+          <a:fillRef idx="0">
+            <a:schemeClr val="accent1"/>
+          </a:fillRef>
+          <a:effectRef idx="0">
+            <a:schemeClr val="accent1"/>
+          </a:effectRef>
+          <a:fontRef idx="minor">
+            <a:schemeClr val="tx1"/>
+          </a:fontRef>
+        </p:style>
+      </p:cxnSp>
+      <p:pic>
+        <p:nvPicPr>
+          <p:cNvPr id="2050" name="Picture 2"/>
+          <p:cNvPicPr>
+            <a:picLocks noChangeAspect="1" noChangeArrowheads="1"/>
+          </p:cNvPicPr>
+          <p:nvPr/>
+        </p:nvPicPr>
+        <p:blipFill>
+          <a:blip r:embed="rId2">
+            <a:extLst>
+              <a:ext uri="{28A0092B-C50C-407E-A947-70E740481C1C}">
+                <a14:useLocalDpi xmlns:a14="http://schemas.microsoft.com/office/drawing/2010/main" val="0"/>
+              </a:ext>
+            </a:extLst>
+          </a:blip>
+          <a:srcRect/>
+          <a:stretch>
+            <a:fillRect/>
+          </a:stretch>
+        </p:blipFill>
+        <p:spPr bwMode="auto">
+          <a:xfrm>
+            <a:off x="1600200" y="2667000"/>
+            <a:ext cx="7193279" cy="3714750"/>
+          </a:xfrm>
+          <a:prstGeom prst="rect">
+            <a:avLst/>
+          </a:prstGeom>
+          <a:noFill/>
+          <a:ln>
+            <a:noFill/>
+          </a:ln>
+          <a:extLst>
+            <a:ext uri="{909E8E84-426E-40DD-AFC4-6F175D3DCCD1}">
+              <a14:hiddenFill xmlns:a14="http://schemas.microsoft.com/office/drawing/2010/main">
+                <a:solidFill>
+                  <a:schemeClr val="accent1"/>
+                </a:solidFill>
+              </a14:hiddenFill>
+            </a:ext>
+            <a:ext uri="{91240B29-F687-4F45-9708-019B960494DF}">
+              <a14:hiddenLine xmlns:a14="http://schemas.microsoft.com/office/drawing/2010/main" w="9525">
+                <a:solidFill>
+                  <a:schemeClr val="tx1"/>
+                </a:solidFill>
+                <a:miter lim="800000"/>
+                <a:headEnd/>
+                <a:tailEnd/>
+              </a14:hiddenLine>
+            </a:ext>
+          </a:extLst>
+        </p:spPr>
+      </p:pic>
+    </p:spTree>
+    <p:extLst>
+      <p:ext uri="{BB962C8B-B14F-4D97-AF65-F5344CB8AC3E}">
+        <p14:creationId xmlns:p14="http://schemas.microsoft.com/office/powerpoint/2010/main" val="3633323531"/>
+      </p:ext>
+    </p:extLst>
+  </p:cSld>
+  <p:clrMapOvr>
+    <a:masterClrMapping/>
+  </p:clrMapOvr>
+  <p:timing>
+    <p:tnLst>
+      <p:par>
+        <p:cTn id="1" dur="indefinite" restart="never" nodeType="tmRoot"/>
+      </p:par>
+    </p:tnLst>
+  </p:timing>
+</p:sld>
+</file>
+
+<file path=ppt/slides/slide11.xml><?xml version="1.0" encoding="utf-8"?>
+<p:sld xmlns:a="http://schemas.openxmlformats.org/drawingml/2006/main" xmlns:r="http://schemas.openxmlformats.org/officeDocument/2006/relationships" xmlns:p="http://schemas.openxmlformats.org/presentationml/2006/main">
+  <p:cSld>
+    <p:spTree>
+      <p:nvGrpSpPr>
+        <p:cNvPr id="1" name=""/>
+        <p:cNvGrpSpPr/>
+        <p:nvPr/>
+      </p:nvGrpSpPr>
+      <p:grpSpPr>
+        <a:xfrm>
+          <a:off x="0" y="0"/>
+          <a:ext cx="0" cy="0"/>
+          <a:chOff x="0" y="0"/>
+          <a:chExt cx="0" cy="0"/>
+        </a:xfrm>
+      </p:grpSpPr>
+      <p:sp>
+        <p:nvSpPr>
+          <p:cNvPr id="2" name="Title 1"/>
+          <p:cNvSpPr>
+            <a:spLocks noGrp="1"/>
+          </p:cNvSpPr>
+          <p:nvPr>
+            <p:ph type="title"/>
+          </p:nvPr>
+        </p:nvSpPr>
+        <p:spPr>
+          <a:xfrm>
+            <a:off x="1435608" y="274638"/>
+            <a:ext cx="7498080" cy="639762"/>
+          </a:xfrm>
+        </p:spPr>
+        <p:txBody>
+          <a:bodyPr>
+            <a:normAutofit fontScale="90000"/>
+          </a:bodyPr>
+          <a:lstStyle/>
+          <a:p>
+            <a:pPr fontAlgn="auto">
+              <a:spcAft>
+                <a:spcPts val="0"/>
+              </a:spcAft>
+              <a:defRPr/>
+            </a:pPr>
+            <a:r>
+              <a:rPr lang="en-US" dirty="0" smtClean="0">
+                <a:solidFill>
+                  <a:schemeClr val="tx2">
+                    <a:satMod val="130000"/>
+                  </a:schemeClr>
+                </a:solidFill>
+              </a:rPr>
+              <a:t>Administrator Modules – </a:t>
+            </a:r>
+            <a:r>
+              <a:rPr lang="en-US" dirty="0" err="1" smtClean="0">
+                <a:solidFill>
+                  <a:schemeClr val="tx2">
+                    <a:satMod val="130000"/>
+                  </a:schemeClr>
+                </a:solidFill>
+              </a:rPr>
+              <a:t>contd</a:t>
+            </a:r>
+            <a:r>
+              <a:rPr lang="en-US" dirty="0" smtClean="0">
+                <a:solidFill>
+                  <a:schemeClr val="tx2">
+                    <a:satMod val="130000"/>
+                  </a:schemeClr>
+                </a:solidFill>
+              </a:rPr>
+              <a:t>…</a:t>
+            </a:r>
+            <a:endParaRPr lang="en-US" dirty="0">
+              <a:solidFill>
+                <a:schemeClr val="tx2">
+                  <a:satMod val="130000"/>
+                </a:schemeClr>
+              </a:solidFill>
+            </a:endParaRPr>
+          </a:p>
+        </p:txBody>
+      </p:sp>
+      <p:sp>
+        <p:nvSpPr>
+          <p:cNvPr id="14338" name="Content Placeholder 2"/>
+          <p:cNvSpPr>
+            <a:spLocks noGrp="1"/>
+          </p:cNvSpPr>
+          <p:nvPr>
+            <p:ph idx="1"/>
+          </p:nvPr>
+        </p:nvSpPr>
+        <p:spPr>
+          <a:xfrm>
+            <a:off x="1435608" y="1143000"/>
+            <a:ext cx="7498080" cy="3048000"/>
+          </a:xfrm>
+        </p:spPr>
+        <p:txBody>
+          <a:bodyPr>
+            <a:normAutofit fontScale="85000" lnSpcReduction="20000"/>
+          </a:bodyPr>
+          <a:lstStyle/>
+          <a:p>
+            <a:r>
+              <a:rPr lang="en-US" dirty="0" smtClean="0"/>
+              <a:t>Admission Management</a:t>
+            </a:r>
+          </a:p>
+          <a:p>
+            <a:pPr lvl="1"/>
+            <a:r>
+              <a:rPr lang="en-US" dirty="0"/>
+              <a:t>Edits submitted online application</a:t>
+            </a:r>
+            <a:r>
+              <a:rPr lang="en-US" dirty="0" smtClean="0"/>
+              <a:t>.</a:t>
+            </a:r>
+          </a:p>
+          <a:p>
+            <a:pPr lvl="1"/>
+            <a:r>
+              <a:rPr lang="en-US" dirty="0" smtClean="0"/>
+              <a:t>Creates new admission workflow.</a:t>
+            </a:r>
+          </a:p>
+          <a:p>
+            <a:pPr lvl="1"/>
+            <a:r>
+              <a:rPr lang="en-US" dirty="0" smtClean="0"/>
+              <a:t>Manages admission workflow process into various stages including:</a:t>
+            </a:r>
+          </a:p>
+          <a:p>
+            <a:pPr lvl="2"/>
+            <a:r>
+              <a:rPr lang="en-US" dirty="0" smtClean="0"/>
+              <a:t>Initial Review</a:t>
+            </a:r>
+          </a:p>
+          <a:p>
+            <a:pPr lvl="2"/>
+            <a:r>
+              <a:rPr lang="en-US" dirty="0" smtClean="0"/>
+              <a:t>Interview Requested</a:t>
+            </a:r>
+          </a:p>
+          <a:p>
+            <a:pPr lvl="2"/>
+            <a:r>
+              <a:rPr lang="en-US" dirty="0" smtClean="0"/>
+              <a:t>Approved</a:t>
+            </a:r>
+          </a:p>
+          <a:p>
+            <a:pPr lvl="2"/>
+            <a:r>
+              <a:rPr lang="en-US" dirty="0" smtClean="0"/>
+              <a:t>Rejected.</a:t>
+            </a:r>
+          </a:p>
+          <a:p>
+            <a:pPr lvl="1"/>
+            <a:endParaRPr lang="en-US" dirty="0" smtClean="0"/>
+          </a:p>
+          <a:p>
+            <a:endParaRPr lang="en-US" sz="3200" dirty="0" smtClean="0"/>
+          </a:p>
+          <a:p>
+            <a:endParaRPr lang="en-US" sz="1200" dirty="0" smtClean="0"/>
+          </a:p>
+        </p:txBody>
+      </p:sp>
+      <p:cxnSp>
+        <p:nvCxnSpPr>
+          <p:cNvPr id="4" name="Straight Connector 3"/>
+          <p:cNvCxnSpPr/>
+          <p:nvPr/>
+        </p:nvCxnSpPr>
+        <p:spPr>
+          <a:xfrm>
+            <a:off x="1295400" y="990600"/>
+            <a:ext cx="7498080" cy="0"/>
+          </a:xfrm>
+          <a:prstGeom prst="line">
+            <a:avLst/>
+          </a:prstGeom>
+          <a:ln w="63500" cmpd="thickThin">
+            <a:solidFill>
+              <a:schemeClr val="accent5">
+                <a:lumMod val="75000"/>
+              </a:schemeClr>
+            </a:solidFill>
+          </a:ln>
+        </p:spPr>
+        <p:style>
+          <a:lnRef idx="1">
+            <a:schemeClr val="accent1"/>
+          </a:lnRef>
+          <a:fillRef idx="0">
+            <a:schemeClr val="accent1"/>
+          </a:fillRef>
+          <a:effectRef idx="0">
+            <a:schemeClr val="accent1"/>
+          </a:effectRef>
+          <a:fontRef idx="minor">
+            <a:schemeClr val="tx1"/>
+          </a:fontRef>
+        </p:style>
+      </p:cxnSp>
+    </p:spTree>
+    <p:extLst>
+      <p:ext uri="{BB962C8B-B14F-4D97-AF65-F5344CB8AC3E}">
+        <p14:creationId xmlns:p14="http://schemas.microsoft.com/office/powerpoint/2010/main" val="3633323531"/>
+      </p:ext>
+    </p:extLst>
+  </p:cSld>
+  <p:clrMapOvr>
+    <a:masterClrMapping/>
+  </p:clrMapOvr>
+  <p:timing>
+    <p:tnLst>
+      <p:par>
+        <p:cTn id="1" dur="indefinite" restart="never" nodeType="tmRoot"/>
+      </p:par>
+    </p:tnLst>
+  </p:timing>
+</p:sld>
+</file>
+
+<file path=ppt/slides/slide12.xml><?xml version="1.0" encoding="utf-8"?>
+<p:sld xmlns:a="http://schemas.openxmlformats.org/drawingml/2006/main" xmlns:r="http://schemas.openxmlformats.org/officeDocument/2006/relationships" xmlns:p="http://schemas.openxmlformats.org/presentationml/2006/main">
+  <p:cSld>
+    <p:spTree>
+      <p:nvGrpSpPr>
+        <p:cNvPr id="1" name=""/>
+        <p:cNvGrpSpPr/>
+        <p:nvPr/>
+      </p:nvGrpSpPr>
+      <p:grpSpPr>
+        <a:xfrm>
+          <a:off x="0" y="0"/>
+          <a:ext cx="0" cy="0"/>
+          <a:chOff x="0" y="0"/>
+          <a:chExt cx="0" cy="0"/>
+        </a:xfrm>
+      </p:grpSpPr>
+      <p:sp>
+        <p:nvSpPr>
+          <p:cNvPr id="2" name="Title 1"/>
+          <p:cNvSpPr>
+            <a:spLocks noGrp="1"/>
+          </p:cNvSpPr>
+          <p:nvPr>
+            <p:ph type="title"/>
+          </p:nvPr>
+        </p:nvSpPr>
+        <p:spPr>
+          <a:xfrm>
+            <a:off x="1435608" y="274638"/>
+            <a:ext cx="7498080" cy="639762"/>
+          </a:xfrm>
+        </p:spPr>
+        <p:txBody>
+          <a:bodyPr>
+            <a:normAutofit fontScale="90000"/>
+          </a:bodyPr>
+          <a:lstStyle/>
+          <a:p>
+            <a:pPr fontAlgn="auto">
+              <a:spcAft>
+                <a:spcPts val="0"/>
+              </a:spcAft>
+              <a:defRPr/>
+            </a:pPr>
+            <a:r>
+              <a:rPr lang="en-US" dirty="0" smtClean="0">
+                <a:solidFill>
+                  <a:schemeClr val="tx2">
+                    <a:satMod val="130000"/>
+                  </a:schemeClr>
+                </a:solidFill>
+              </a:rPr>
+              <a:t>Administrator Modules – </a:t>
+            </a:r>
+            <a:r>
+              <a:rPr lang="en-US" dirty="0" err="1" smtClean="0">
+                <a:solidFill>
+                  <a:schemeClr val="tx2">
+                    <a:satMod val="130000"/>
+                  </a:schemeClr>
+                </a:solidFill>
+              </a:rPr>
+              <a:t>contd</a:t>
+            </a:r>
+            <a:r>
+              <a:rPr lang="en-US" dirty="0" smtClean="0">
+                <a:solidFill>
+                  <a:schemeClr val="tx2">
+                    <a:satMod val="130000"/>
+                  </a:schemeClr>
+                </a:solidFill>
+              </a:rPr>
+              <a:t>…</a:t>
+            </a:r>
+            <a:endParaRPr lang="en-US" dirty="0">
+              <a:solidFill>
+                <a:schemeClr val="tx2">
+                  <a:satMod val="130000"/>
+                </a:schemeClr>
+              </a:solidFill>
+            </a:endParaRPr>
+          </a:p>
+        </p:txBody>
+      </p:sp>
+      <p:sp>
+        <p:nvSpPr>
+          <p:cNvPr id="14338" name="Content Placeholder 2"/>
+          <p:cNvSpPr>
+            <a:spLocks noGrp="1"/>
+          </p:cNvSpPr>
+          <p:nvPr>
+            <p:ph idx="1"/>
+          </p:nvPr>
+        </p:nvSpPr>
+        <p:spPr>
+          <a:xfrm>
+            <a:off x="1435608" y="1143000"/>
+            <a:ext cx="7498080" cy="1905000"/>
+          </a:xfrm>
+        </p:spPr>
+        <p:txBody>
+          <a:bodyPr>
+            <a:normAutofit fontScale="85000" lnSpcReduction="20000"/>
+          </a:bodyPr>
+          <a:lstStyle/>
+          <a:p>
+            <a:r>
+              <a:rPr lang="en-US" dirty="0" smtClean="0"/>
+              <a:t>Student Management</a:t>
+            </a:r>
+            <a:endParaRPr lang="en-US" dirty="0" smtClean="0"/>
+          </a:p>
+          <a:p>
+            <a:pPr lvl="1"/>
+            <a:r>
+              <a:rPr lang="en-US" dirty="0" smtClean="0"/>
+              <a:t>Update </a:t>
+            </a:r>
+            <a:r>
+              <a:rPr lang="en-US" dirty="0" smtClean="0"/>
+              <a:t>student</a:t>
+            </a:r>
+            <a:r>
+              <a:rPr lang="en-US" dirty="0" smtClean="0"/>
+              <a:t> records.</a:t>
+            </a:r>
+          </a:p>
+          <a:p>
+            <a:pPr lvl="1"/>
+            <a:r>
+              <a:rPr lang="en-US" dirty="0"/>
+              <a:t>Enroll students to Grade level</a:t>
+            </a:r>
+          </a:p>
+          <a:p>
+            <a:pPr lvl="1"/>
+            <a:r>
+              <a:rPr lang="en-US" dirty="0"/>
+              <a:t>Enroll students to subjects</a:t>
+            </a:r>
+          </a:p>
+          <a:p>
+            <a:pPr lvl="1"/>
+            <a:r>
+              <a:rPr lang="en-US" dirty="0"/>
+              <a:t>Process year end results.</a:t>
+            </a:r>
+          </a:p>
+          <a:p>
+            <a:pPr marL="402336" lvl="1" indent="0">
+              <a:buNone/>
+            </a:pPr>
+            <a:endParaRPr lang="en-US" dirty="0" smtClean="0"/>
+          </a:p>
+          <a:p>
+            <a:pPr lvl="1"/>
+            <a:endParaRPr lang="en-US" dirty="0" smtClean="0"/>
+          </a:p>
+          <a:p>
+            <a:pPr marL="82296" indent="0">
+              <a:buNone/>
+            </a:pPr>
+            <a:endParaRPr lang="en-US" sz="3200" dirty="0" smtClean="0"/>
+          </a:p>
+          <a:p>
+            <a:endParaRPr lang="en-US" sz="1200" dirty="0" smtClean="0"/>
+          </a:p>
+        </p:txBody>
+      </p:sp>
+      <p:cxnSp>
+        <p:nvCxnSpPr>
+          <p:cNvPr id="4" name="Straight Connector 3"/>
+          <p:cNvCxnSpPr/>
+          <p:nvPr/>
+        </p:nvCxnSpPr>
+        <p:spPr>
+          <a:xfrm>
+            <a:off x="1295400" y="990600"/>
+            <a:ext cx="7498080" cy="0"/>
+          </a:xfrm>
+          <a:prstGeom prst="line">
+            <a:avLst/>
+          </a:prstGeom>
+          <a:ln w="63500" cmpd="thickThin">
+            <a:solidFill>
+              <a:schemeClr val="accent5">
+                <a:lumMod val="75000"/>
+              </a:schemeClr>
+            </a:solidFill>
+          </a:ln>
+        </p:spPr>
+        <p:style>
+          <a:lnRef idx="1">
+            <a:schemeClr val="accent1"/>
+          </a:lnRef>
+          <a:fillRef idx="0">
+            <a:schemeClr val="accent1"/>
+          </a:fillRef>
+          <a:effectRef idx="0">
+            <a:schemeClr val="accent1"/>
+          </a:effectRef>
+          <a:fontRef idx="minor">
+            <a:schemeClr val="tx1"/>
+          </a:fontRef>
+        </p:style>
+      </p:cxnSp>
+      <p:pic>
+        <p:nvPicPr>
+          <p:cNvPr id="3074" name="Picture 2"/>
+          <p:cNvPicPr>
+            <a:picLocks noChangeAspect="1" noChangeArrowheads="1"/>
+          </p:cNvPicPr>
+          <p:nvPr/>
+        </p:nvPicPr>
+        <p:blipFill>
+          <a:blip r:embed="rId2">
+            <a:extLst>
+              <a:ext uri="{28A0092B-C50C-407E-A947-70E740481C1C}">
+                <a14:useLocalDpi xmlns:a14="http://schemas.microsoft.com/office/drawing/2010/main" val="0"/>
+              </a:ext>
+            </a:extLst>
+          </a:blip>
+          <a:srcRect/>
+          <a:stretch>
+            <a:fillRect/>
+          </a:stretch>
+        </p:blipFill>
+        <p:spPr bwMode="auto">
+          <a:xfrm>
+            <a:off x="1615440" y="3505200"/>
+            <a:ext cx="6858000" cy="3124200"/>
+          </a:xfrm>
+          <a:prstGeom prst="rect">
+            <a:avLst/>
+          </a:prstGeom>
+          <a:noFill/>
+          <a:ln>
+            <a:noFill/>
+          </a:ln>
+          <a:extLst>
+            <a:ext uri="{909E8E84-426E-40DD-AFC4-6F175D3DCCD1}">
+              <a14:hiddenFill xmlns:a14="http://schemas.microsoft.com/office/drawing/2010/main">
+                <a:solidFill>
+                  <a:schemeClr val="accent1"/>
+                </a:solidFill>
+              </a14:hiddenFill>
+            </a:ext>
+            <a:ext uri="{91240B29-F687-4F45-9708-019B960494DF}">
+              <a14:hiddenLine xmlns:a14="http://schemas.microsoft.com/office/drawing/2010/main" w="9525">
+                <a:solidFill>
+                  <a:schemeClr val="tx1"/>
+                </a:solidFill>
+                <a:miter lim="800000"/>
+                <a:headEnd/>
+                <a:tailEnd/>
+              </a14:hiddenLine>
+            </a:ext>
+          </a:extLst>
+        </p:spPr>
+      </p:pic>
+    </p:spTree>
+    <p:extLst>
+      <p:ext uri="{BB962C8B-B14F-4D97-AF65-F5344CB8AC3E}">
+        <p14:creationId xmlns:p14="http://schemas.microsoft.com/office/powerpoint/2010/main" val="3384275455"/>
+      </p:ext>
+    </p:extLst>
+  </p:cSld>
+  <p:clrMapOvr>
+    <a:masterClrMapping/>
+  </p:clrMapOvr>
+  <p:timing>
+    <p:tnLst>
+      <p:par>
+        <p:cTn id="1" dur="indefinite" restart="never" nodeType="tmRoot"/>
+      </p:par>
+    </p:tnLst>
+  </p:timing>
+</p:sld>
+</file>
+
+<file path=ppt/slides/slide13.xml><?xml version="1.0" encoding="utf-8"?>
+<p:sld xmlns:a="http://schemas.openxmlformats.org/drawingml/2006/main" xmlns:r="http://schemas.openxmlformats.org/officeDocument/2006/relationships" xmlns:p="http://schemas.openxmlformats.org/presentationml/2006/main">
+  <p:cSld>
+    <p:spTree>
+      <p:nvGrpSpPr>
+        <p:cNvPr id="1" name=""/>
+        <p:cNvGrpSpPr/>
+        <p:nvPr/>
+      </p:nvGrpSpPr>
+      <p:grpSpPr>
+        <a:xfrm>
+          <a:off x="0" y="0"/>
+          <a:ext cx="0" cy="0"/>
+          <a:chOff x="0" y="0"/>
+          <a:chExt cx="0" cy="0"/>
+        </a:xfrm>
+      </p:grpSpPr>
+      <p:sp>
+        <p:nvSpPr>
+          <p:cNvPr id="2" name="Title 1"/>
+          <p:cNvSpPr>
+            <a:spLocks noGrp="1"/>
+          </p:cNvSpPr>
+          <p:nvPr>
+            <p:ph type="title"/>
+          </p:nvPr>
+        </p:nvSpPr>
+        <p:spPr>
+          <a:xfrm>
+            <a:off x="1435608" y="274638"/>
+            <a:ext cx="7498080" cy="639762"/>
+          </a:xfrm>
+        </p:spPr>
+        <p:txBody>
+          <a:bodyPr>
+            <a:normAutofit fontScale="90000"/>
+          </a:bodyPr>
+          <a:lstStyle/>
+          <a:p>
+            <a:pPr fontAlgn="auto">
+              <a:spcAft>
+                <a:spcPts val="0"/>
+              </a:spcAft>
+              <a:defRPr/>
+            </a:pPr>
+            <a:r>
+              <a:rPr lang="en-US" dirty="0" smtClean="0">
+                <a:solidFill>
+                  <a:schemeClr val="tx2">
+                    <a:satMod val="130000"/>
+                  </a:schemeClr>
+                </a:solidFill>
+              </a:rPr>
+              <a:t>Administrator Modules – </a:t>
+            </a:r>
+            <a:r>
+              <a:rPr lang="en-US" dirty="0" err="1" smtClean="0">
+                <a:solidFill>
+                  <a:schemeClr val="tx2">
+                    <a:satMod val="130000"/>
+                  </a:schemeClr>
+                </a:solidFill>
+              </a:rPr>
+              <a:t>contd</a:t>
+            </a:r>
+            <a:r>
+              <a:rPr lang="en-US" dirty="0" smtClean="0">
+                <a:solidFill>
+                  <a:schemeClr val="tx2">
+                    <a:satMod val="130000"/>
+                  </a:schemeClr>
+                </a:solidFill>
+              </a:rPr>
+              <a:t>…</a:t>
+            </a:r>
+            <a:endParaRPr lang="en-US" dirty="0">
+              <a:solidFill>
+                <a:schemeClr val="tx2">
+                  <a:satMod val="130000"/>
+                </a:schemeClr>
+              </a:solidFill>
+            </a:endParaRPr>
+          </a:p>
+        </p:txBody>
+      </p:sp>
+      <p:sp>
+        <p:nvSpPr>
+          <p:cNvPr id="14338" name="Content Placeholder 2"/>
+          <p:cNvSpPr>
+            <a:spLocks noGrp="1"/>
+          </p:cNvSpPr>
+          <p:nvPr>
+            <p:ph idx="1"/>
+          </p:nvPr>
+        </p:nvSpPr>
+        <p:spPr>
+          <a:xfrm>
+            <a:off x="1435608" y="1143000"/>
+            <a:ext cx="7498080" cy="990600"/>
+          </a:xfrm>
+        </p:spPr>
+        <p:txBody>
+          <a:bodyPr>
+            <a:normAutofit/>
+          </a:bodyPr>
+          <a:lstStyle/>
+          <a:p>
+            <a:pPr marL="365760" lvl="1" indent="-283464">
+              <a:spcBef>
+                <a:spcPts val="600"/>
+              </a:spcBef>
+              <a:buSzPct val="80000"/>
+              <a:buFont typeface="Wingdings 2"/>
+              <a:buChar char=""/>
+            </a:pPr>
+            <a:r>
+              <a:rPr lang="en-US" dirty="0"/>
+              <a:t>Student Management - Enroll students to Grade level</a:t>
+            </a:r>
+          </a:p>
+          <a:p>
+            <a:pPr marL="82296" indent="0">
+              <a:buNone/>
+            </a:pPr>
+            <a:endParaRPr lang="en-US" dirty="0" smtClean="0"/>
+          </a:p>
+          <a:p>
+            <a:pPr lvl="1"/>
+            <a:endParaRPr lang="en-US" dirty="0" smtClean="0"/>
+          </a:p>
+          <a:p>
+            <a:endParaRPr lang="en-US" sz="3200" dirty="0" smtClean="0"/>
+          </a:p>
+          <a:p>
+            <a:endParaRPr lang="en-US" sz="1200" dirty="0" smtClean="0"/>
+          </a:p>
+        </p:txBody>
+      </p:sp>
+      <p:cxnSp>
+        <p:nvCxnSpPr>
+          <p:cNvPr id="4" name="Straight Connector 3"/>
+          <p:cNvCxnSpPr/>
+          <p:nvPr/>
+        </p:nvCxnSpPr>
+        <p:spPr>
+          <a:xfrm>
+            <a:off x="1295400" y="990600"/>
+            <a:ext cx="7498080" cy="0"/>
+          </a:xfrm>
+          <a:prstGeom prst="line">
+            <a:avLst/>
+          </a:prstGeom>
+          <a:ln w="63500" cmpd="thickThin">
+            <a:solidFill>
+              <a:schemeClr val="accent5">
+                <a:lumMod val="75000"/>
+              </a:schemeClr>
+            </a:solidFill>
+          </a:ln>
+        </p:spPr>
+        <p:style>
+          <a:lnRef idx="1">
+            <a:schemeClr val="accent1"/>
+          </a:lnRef>
+          <a:fillRef idx="0">
+            <a:schemeClr val="accent1"/>
+          </a:fillRef>
+          <a:effectRef idx="0">
+            <a:schemeClr val="accent1"/>
+          </a:effectRef>
+          <a:fontRef idx="minor">
+            <a:schemeClr val="tx1"/>
+          </a:fontRef>
+        </p:style>
+      </p:cxnSp>
+    </p:spTree>
+    <p:extLst>
+      <p:ext uri="{BB962C8B-B14F-4D97-AF65-F5344CB8AC3E}">
+        <p14:creationId xmlns:p14="http://schemas.microsoft.com/office/powerpoint/2010/main" val="3556758848"/>
+      </p:ext>
+    </p:extLst>
+  </p:cSld>
+  <p:clrMapOvr>
+    <a:masterClrMapping/>
+  </p:clrMapOvr>
+  <p:timing>
+    <p:tnLst>
+      <p:par>
+        <p:cTn id="1" dur="indefinite" restart="never" nodeType="tmRoot"/>
+      </p:par>
+    </p:tnLst>
+  </p:timing>
+</p:sld>
+</file>
+
+<file path=ppt/slides/slide14.xml><?xml version="1.0" encoding="utf-8"?>
+<p:sld xmlns:a="http://schemas.openxmlformats.org/drawingml/2006/main" xmlns:r="http://schemas.openxmlformats.org/officeDocument/2006/relationships" xmlns:p="http://schemas.openxmlformats.org/presentationml/2006/main">
+  <p:cSld>
+    <p:spTree>
+      <p:nvGrpSpPr>
+        <p:cNvPr id="1" name=""/>
+        <p:cNvGrpSpPr/>
+        <p:nvPr/>
+      </p:nvGrpSpPr>
+      <p:grpSpPr>
+        <a:xfrm>
+          <a:off x="0" y="0"/>
+          <a:ext cx="0" cy="0"/>
+          <a:chOff x="0" y="0"/>
+          <a:chExt cx="0" cy="0"/>
+        </a:xfrm>
+      </p:grpSpPr>
+      <p:sp>
+        <p:nvSpPr>
+          <p:cNvPr id="2" name="Title 1"/>
+          <p:cNvSpPr>
+            <a:spLocks noGrp="1"/>
+          </p:cNvSpPr>
+          <p:nvPr>
+            <p:ph type="title"/>
+          </p:nvPr>
+        </p:nvSpPr>
+        <p:spPr>
+          <a:xfrm>
+            <a:off x="1435608" y="274638"/>
+            <a:ext cx="7498080" cy="639762"/>
+          </a:xfrm>
+        </p:spPr>
+        <p:txBody>
+          <a:bodyPr>
+            <a:normAutofit fontScale="90000"/>
+          </a:bodyPr>
+          <a:lstStyle/>
+          <a:p>
+            <a:pPr fontAlgn="auto">
+              <a:spcAft>
+                <a:spcPts val="0"/>
+              </a:spcAft>
+              <a:defRPr/>
+            </a:pPr>
+            <a:r>
+              <a:rPr lang="en-US" dirty="0" smtClean="0">
+                <a:solidFill>
+                  <a:schemeClr val="tx2">
+                    <a:satMod val="130000"/>
+                  </a:schemeClr>
+                </a:solidFill>
+              </a:rPr>
+              <a:t>Administrator Modules – </a:t>
+            </a:r>
+            <a:r>
+              <a:rPr lang="en-US" dirty="0" err="1" smtClean="0">
+                <a:solidFill>
+                  <a:schemeClr val="tx2">
+                    <a:satMod val="130000"/>
+                  </a:schemeClr>
+                </a:solidFill>
+              </a:rPr>
+              <a:t>contd</a:t>
+            </a:r>
+            <a:r>
+              <a:rPr lang="en-US" dirty="0" smtClean="0">
+                <a:solidFill>
+                  <a:schemeClr val="tx2">
+                    <a:satMod val="130000"/>
+                  </a:schemeClr>
+                </a:solidFill>
+              </a:rPr>
+              <a:t>…</a:t>
+            </a:r>
+            <a:endParaRPr lang="en-US" dirty="0">
+              <a:solidFill>
+                <a:schemeClr val="tx2">
+                  <a:satMod val="130000"/>
+                </a:schemeClr>
+              </a:solidFill>
+            </a:endParaRPr>
+          </a:p>
+        </p:txBody>
+      </p:sp>
+      <p:sp>
+        <p:nvSpPr>
+          <p:cNvPr id="14338" name="Content Placeholder 2"/>
+          <p:cNvSpPr>
+            <a:spLocks noGrp="1"/>
+          </p:cNvSpPr>
+          <p:nvPr>
+            <p:ph idx="1"/>
+          </p:nvPr>
+        </p:nvSpPr>
+        <p:spPr>
+          <a:xfrm>
+            <a:off x="1435608" y="1143000"/>
+            <a:ext cx="7498080" cy="990600"/>
+          </a:xfrm>
+        </p:spPr>
+        <p:txBody>
+          <a:bodyPr>
+            <a:normAutofit/>
+          </a:bodyPr>
+          <a:lstStyle/>
+          <a:p>
+            <a:pPr marL="365760" lvl="1" indent="-283464">
+              <a:spcBef>
+                <a:spcPts val="600"/>
+              </a:spcBef>
+              <a:buSzPct val="80000"/>
+              <a:buFont typeface="Wingdings 2"/>
+              <a:buChar char=""/>
+            </a:pPr>
+            <a:r>
+              <a:rPr lang="en-US" dirty="0"/>
+              <a:t>Student Management - Enroll students to subjects</a:t>
+            </a:r>
+            <a:endParaRPr lang="en-US" dirty="0" smtClean="0"/>
+          </a:p>
+          <a:p>
+            <a:pPr lvl="1"/>
+            <a:endParaRPr lang="en-US" dirty="0" smtClean="0"/>
+          </a:p>
+          <a:p>
+            <a:endParaRPr lang="en-US" sz="3200" dirty="0" smtClean="0"/>
+          </a:p>
+          <a:p>
+            <a:endParaRPr lang="en-US" sz="1200" dirty="0" smtClean="0"/>
+          </a:p>
+        </p:txBody>
+      </p:sp>
+      <p:cxnSp>
+        <p:nvCxnSpPr>
+          <p:cNvPr id="4" name="Straight Connector 3"/>
+          <p:cNvCxnSpPr/>
+          <p:nvPr/>
+        </p:nvCxnSpPr>
+        <p:spPr>
+          <a:xfrm>
+            <a:off x="1295400" y="990600"/>
+            <a:ext cx="7498080" cy="0"/>
+          </a:xfrm>
+          <a:prstGeom prst="line">
+            <a:avLst/>
+          </a:prstGeom>
+          <a:ln w="63500" cmpd="thickThin">
+            <a:solidFill>
+              <a:schemeClr val="accent5">
+                <a:lumMod val="75000"/>
+              </a:schemeClr>
+            </a:solidFill>
+          </a:ln>
+        </p:spPr>
+        <p:style>
+          <a:lnRef idx="1">
+            <a:schemeClr val="accent1"/>
+          </a:lnRef>
+          <a:fillRef idx="0">
+            <a:schemeClr val="accent1"/>
+          </a:fillRef>
+          <a:effectRef idx="0">
+            <a:schemeClr val="accent1"/>
+          </a:effectRef>
+          <a:fontRef idx="minor">
+            <a:schemeClr val="tx1"/>
+          </a:fontRef>
+        </p:style>
+      </p:cxnSp>
+    </p:spTree>
+    <p:extLst>
+      <p:ext uri="{BB962C8B-B14F-4D97-AF65-F5344CB8AC3E}">
+        <p14:creationId xmlns:p14="http://schemas.microsoft.com/office/powerpoint/2010/main" val="296780820"/>
+      </p:ext>
+    </p:extLst>
+  </p:cSld>
+  <p:clrMapOvr>
+    <a:masterClrMapping/>
+  </p:clrMapOvr>
+  <p:timing>
+    <p:tnLst>
+      <p:par>
+        <p:cTn id="1" dur="indefinite" restart="never" nodeType="tmRoot"/>
+      </p:par>
+    </p:tnLst>
+  </p:timing>
+</p:sld>
+</file>
+
+<file path=ppt/slides/slide15.xml><?xml version="1.0" encoding="utf-8"?>
+<p:sld xmlns:a="http://schemas.openxmlformats.org/drawingml/2006/main" xmlns:r="http://schemas.openxmlformats.org/officeDocument/2006/relationships" xmlns:p="http://schemas.openxmlformats.org/presentationml/2006/main">
+  <p:cSld>
+    <p:spTree>
+      <p:nvGrpSpPr>
+        <p:cNvPr id="1" name=""/>
+        <p:cNvGrpSpPr/>
+        <p:nvPr/>
+      </p:nvGrpSpPr>
+      <p:grpSpPr>
+        <a:xfrm>
+          <a:off x="0" y="0"/>
+          <a:ext cx="0" cy="0"/>
+          <a:chOff x="0" y="0"/>
+          <a:chExt cx="0" cy="0"/>
+        </a:xfrm>
+      </p:grpSpPr>
+      <p:sp>
+        <p:nvSpPr>
+          <p:cNvPr id="2" name="Title 1"/>
+          <p:cNvSpPr>
+            <a:spLocks noGrp="1"/>
+          </p:cNvSpPr>
+          <p:nvPr>
+            <p:ph type="title"/>
+          </p:nvPr>
+        </p:nvSpPr>
+        <p:spPr>
+          <a:xfrm>
+            <a:off x="1435608" y="274638"/>
+            <a:ext cx="7498080" cy="639762"/>
+          </a:xfrm>
+        </p:spPr>
+        <p:txBody>
+          <a:bodyPr>
+            <a:normAutofit fontScale="90000"/>
+          </a:bodyPr>
+          <a:lstStyle/>
+          <a:p>
+            <a:pPr fontAlgn="auto">
+              <a:spcAft>
+                <a:spcPts val="0"/>
+              </a:spcAft>
+              <a:defRPr/>
+            </a:pPr>
+            <a:r>
+              <a:rPr lang="en-US" dirty="0" smtClean="0">
+                <a:solidFill>
+                  <a:schemeClr val="tx2">
+                    <a:satMod val="130000"/>
+                  </a:schemeClr>
+                </a:solidFill>
+              </a:rPr>
+              <a:t>Administrator Modules – </a:t>
+            </a:r>
+            <a:r>
+              <a:rPr lang="en-US" dirty="0" err="1" smtClean="0">
+                <a:solidFill>
+                  <a:schemeClr val="tx2">
+                    <a:satMod val="130000"/>
+                  </a:schemeClr>
+                </a:solidFill>
+              </a:rPr>
+              <a:t>contd</a:t>
+            </a:r>
+            <a:r>
+              <a:rPr lang="en-US" dirty="0" smtClean="0">
+                <a:solidFill>
+                  <a:schemeClr val="tx2">
+                    <a:satMod val="130000"/>
+                  </a:schemeClr>
+                </a:solidFill>
+              </a:rPr>
+              <a:t>…</a:t>
+            </a:r>
+            <a:endParaRPr lang="en-US" dirty="0">
+              <a:solidFill>
+                <a:schemeClr val="tx2">
+                  <a:satMod val="130000"/>
+                </a:schemeClr>
+              </a:solidFill>
+            </a:endParaRPr>
+          </a:p>
+        </p:txBody>
+      </p:sp>
+      <p:sp>
+        <p:nvSpPr>
+          <p:cNvPr id="14338" name="Content Placeholder 2"/>
+          <p:cNvSpPr>
+            <a:spLocks noGrp="1"/>
+          </p:cNvSpPr>
+          <p:nvPr>
+            <p:ph idx="1"/>
+          </p:nvPr>
+        </p:nvSpPr>
+        <p:spPr>
+          <a:xfrm>
+            <a:off x="1435608" y="1143000"/>
+            <a:ext cx="7498080" cy="1752600"/>
+          </a:xfrm>
+        </p:spPr>
+        <p:txBody>
+          <a:bodyPr>
+            <a:normAutofit fontScale="85000" lnSpcReduction="20000"/>
+          </a:bodyPr>
+          <a:lstStyle/>
+          <a:p>
+            <a:pPr marL="365760" lvl="1" indent="-283464">
+              <a:spcBef>
+                <a:spcPts val="600"/>
+              </a:spcBef>
+              <a:buSzPct val="80000"/>
+              <a:buFont typeface="Wingdings 2"/>
+              <a:buChar char=""/>
+            </a:pPr>
+            <a:r>
+              <a:rPr lang="en-US" dirty="0" smtClean="0"/>
+              <a:t>Report Management</a:t>
+            </a:r>
+          </a:p>
+          <a:p>
+            <a:pPr marL="612648" lvl="2" indent="-283464">
+              <a:spcBef>
+                <a:spcPts val="600"/>
+              </a:spcBef>
+              <a:buSzPct val="80000"/>
+              <a:buFont typeface="Wingdings 2"/>
+              <a:buChar char=""/>
+            </a:pPr>
+            <a:r>
+              <a:rPr lang="en-US" dirty="0" smtClean="0"/>
+              <a:t>Admission/Application Status report</a:t>
+            </a:r>
+          </a:p>
+          <a:p>
+            <a:pPr marL="612648" lvl="2" indent="-283464">
+              <a:spcBef>
+                <a:spcPts val="600"/>
+              </a:spcBef>
+              <a:buSzPct val="80000"/>
+              <a:buFont typeface="Wingdings 2"/>
+              <a:buChar char=""/>
+            </a:pPr>
+            <a:r>
+              <a:rPr lang="en-US" dirty="0" smtClean="0"/>
+              <a:t>Student Grade report</a:t>
+            </a:r>
+          </a:p>
+          <a:p>
+            <a:pPr marL="612648" lvl="2" indent="-283464">
+              <a:spcBef>
+                <a:spcPts val="600"/>
+              </a:spcBef>
+              <a:buSzPct val="80000"/>
+              <a:buFont typeface="Wingdings 2"/>
+              <a:buChar char=""/>
+            </a:pPr>
+            <a:r>
+              <a:rPr lang="en-US" dirty="0" smtClean="0"/>
+              <a:t>Teacher Schedule report</a:t>
+            </a:r>
+          </a:p>
+          <a:p>
+            <a:pPr marL="612648" lvl="2" indent="-283464">
+              <a:spcBef>
+                <a:spcPts val="600"/>
+              </a:spcBef>
+              <a:buSzPct val="80000"/>
+              <a:buFont typeface="Wingdings 2"/>
+              <a:buChar char=""/>
+            </a:pPr>
+            <a:r>
+              <a:rPr lang="en-US" dirty="0" smtClean="0"/>
+              <a:t>State report</a:t>
+            </a:r>
+            <a:endParaRPr lang="en-US" dirty="0" smtClean="0"/>
+          </a:p>
+          <a:p>
+            <a:pPr lvl="1"/>
+            <a:endParaRPr lang="en-US" dirty="0" smtClean="0"/>
+          </a:p>
+          <a:p>
+            <a:endParaRPr lang="en-US" sz="3200" dirty="0" smtClean="0"/>
+          </a:p>
+          <a:p>
+            <a:endParaRPr lang="en-US" sz="1200" dirty="0" smtClean="0"/>
+          </a:p>
+        </p:txBody>
+      </p:sp>
+      <p:cxnSp>
+        <p:nvCxnSpPr>
+          <p:cNvPr id="4" name="Straight Connector 3"/>
+          <p:cNvCxnSpPr/>
+          <p:nvPr/>
+        </p:nvCxnSpPr>
+        <p:spPr>
+          <a:xfrm>
+            <a:off x="1295400" y="990600"/>
+            <a:ext cx="7498080" cy="0"/>
+          </a:xfrm>
+          <a:prstGeom prst="line">
+            <a:avLst/>
+          </a:prstGeom>
+          <a:ln w="63500" cmpd="thickThin">
+            <a:solidFill>
+              <a:schemeClr val="accent5">
+                <a:lumMod val="75000"/>
+              </a:schemeClr>
+            </a:solidFill>
+          </a:ln>
+        </p:spPr>
+        <p:style>
+          <a:lnRef idx="1">
+            <a:schemeClr val="accent1"/>
+          </a:lnRef>
+          <a:fillRef idx="0">
+            <a:schemeClr val="accent1"/>
+          </a:fillRef>
+          <a:effectRef idx="0">
+            <a:schemeClr val="accent1"/>
+          </a:effectRef>
+          <a:fontRef idx="minor">
+            <a:schemeClr val="tx1"/>
+          </a:fontRef>
+        </p:style>
+      </p:cxnSp>
+      <p:pic>
+        <p:nvPicPr>
+          <p:cNvPr id="4098" name="Picture 2"/>
+          <p:cNvPicPr>
+            <a:picLocks noChangeAspect="1" noChangeArrowheads="1"/>
+          </p:cNvPicPr>
+          <p:nvPr/>
+        </p:nvPicPr>
+        <p:blipFill>
+          <a:blip r:embed="rId2">
+            <a:extLst>
+              <a:ext uri="{28A0092B-C50C-407E-A947-70E740481C1C}">
+                <a14:useLocalDpi xmlns:a14="http://schemas.microsoft.com/office/drawing/2010/main" val="0"/>
+              </a:ext>
+            </a:extLst>
+          </a:blip>
+          <a:srcRect/>
+          <a:stretch>
+            <a:fillRect/>
+          </a:stretch>
+        </p:blipFill>
+        <p:spPr bwMode="auto">
+          <a:xfrm>
+            <a:off x="1199805" y="3200400"/>
+            <a:ext cx="7498080" cy="3276600"/>
+          </a:xfrm>
+          <a:prstGeom prst="rect">
+            <a:avLst/>
+          </a:prstGeom>
+          <a:noFill/>
+          <a:ln>
+            <a:noFill/>
+          </a:ln>
+          <a:extLst>
+            <a:ext uri="{909E8E84-426E-40DD-AFC4-6F175D3DCCD1}">
+              <a14:hiddenFill xmlns:a14="http://schemas.microsoft.com/office/drawing/2010/main">
+                <a:solidFill>
+                  <a:schemeClr val="accent1"/>
+                </a:solidFill>
+              </a14:hiddenFill>
+            </a:ext>
+            <a:ext uri="{91240B29-F687-4F45-9708-019B960494DF}">
+              <a14:hiddenLine xmlns:a14="http://schemas.microsoft.com/office/drawing/2010/main" w="9525">
+                <a:solidFill>
+                  <a:schemeClr val="tx1"/>
+                </a:solidFill>
+                <a:miter lim="800000"/>
+                <a:headEnd/>
+                <a:tailEnd/>
+              </a14:hiddenLine>
+            </a:ext>
+          </a:extLst>
+        </p:spPr>
+      </p:pic>
+    </p:spTree>
+    <p:extLst>
+      <p:ext uri="{BB962C8B-B14F-4D97-AF65-F5344CB8AC3E}">
+        <p14:creationId xmlns:p14="http://schemas.microsoft.com/office/powerpoint/2010/main" val="706926319"/>
+      </p:ext>
+    </p:extLst>
+  </p:cSld>
+  <p:clrMapOvr>
+    <a:masterClrMapping/>
+  </p:clrMapOvr>
+  <p:timing>
+    <p:tnLst>
+      <p:par>
+        <p:cTn id="1" dur="indefinite" restart="never" nodeType="tmRoot"/>
+      </p:par>
+    </p:tnLst>
+  </p:timing>
+</p:sld>
+</file>
+
+<file path=ppt/slides/slide16.xml><?xml version="1.0" encoding="utf-8"?>
+<p:sld xmlns:a="http://schemas.openxmlformats.org/drawingml/2006/main" xmlns:r="http://schemas.openxmlformats.org/officeDocument/2006/relationships" xmlns:p="http://schemas.openxmlformats.org/presentationml/2006/main">
+  <p:cSld>
+    <p:spTree>
+      <p:nvGrpSpPr>
+        <p:cNvPr id="1" name=""/>
+        <p:cNvGrpSpPr/>
+        <p:nvPr/>
+      </p:nvGrpSpPr>
+      <p:grpSpPr>
+        <a:xfrm>
+          <a:off x="0" y="0"/>
+          <a:ext cx="0" cy="0"/>
+          <a:chOff x="0" y="0"/>
+          <a:chExt cx="0" cy="0"/>
+        </a:xfrm>
+      </p:grpSpPr>
+      <p:sp>
+        <p:nvSpPr>
+          <p:cNvPr id="2" name="Title 1"/>
+          <p:cNvSpPr>
+            <a:spLocks noGrp="1"/>
+          </p:cNvSpPr>
+          <p:nvPr>
+            <p:ph type="title"/>
+          </p:nvPr>
+        </p:nvSpPr>
+        <p:spPr>
+          <a:xfrm>
+            <a:off x="1435608" y="274638"/>
+            <a:ext cx="7498080" cy="639762"/>
+          </a:xfrm>
+        </p:spPr>
+        <p:txBody>
+          <a:bodyPr>
+            <a:normAutofit fontScale="90000"/>
+          </a:bodyPr>
+          <a:lstStyle/>
+          <a:p>
+            <a:pPr fontAlgn="auto">
+              <a:spcAft>
+                <a:spcPts val="0"/>
+              </a:spcAft>
+              <a:defRPr/>
+            </a:pPr>
+            <a:r>
+              <a:rPr lang="en-US" dirty="0" smtClean="0">
+                <a:solidFill>
+                  <a:schemeClr val="tx2">
+                    <a:satMod val="130000"/>
+                  </a:schemeClr>
+                </a:solidFill>
+              </a:rPr>
+              <a:t>Teacher Modules</a:t>
+            </a:r>
+            <a:endParaRPr lang="en-US" dirty="0">
+              <a:solidFill>
+                <a:schemeClr val="tx2">
+                  <a:satMod val="130000"/>
+                </a:schemeClr>
+              </a:solidFill>
+            </a:endParaRPr>
+          </a:p>
+        </p:txBody>
+      </p:sp>
+      <p:sp>
+        <p:nvSpPr>
+          <p:cNvPr id="14338" name="Content Placeholder 2"/>
+          <p:cNvSpPr>
+            <a:spLocks noGrp="1"/>
+          </p:cNvSpPr>
+          <p:nvPr>
+            <p:ph idx="1"/>
+          </p:nvPr>
+        </p:nvSpPr>
+        <p:spPr>
+          <a:xfrm>
+            <a:off x="1435608" y="1143000"/>
+            <a:ext cx="7498080" cy="5105400"/>
+          </a:xfrm>
+        </p:spPr>
+        <p:txBody>
+          <a:bodyPr/>
+          <a:lstStyle/>
+          <a:p>
+            <a:r>
+              <a:rPr lang="en-US" dirty="0" smtClean="0"/>
+              <a:t>SIS is </a:t>
+            </a:r>
+          </a:p>
+          <a:p>
+            <a:endParaRPr lang="en-US" sz="3200" dirty="0" smtClean="0"/>
+          </a:p>
+          <a:p>
+            <a:endParaRPr lang="en-US" sz="1200" dirty="0" smtClean="0"/>
+          </a:p>
+        </p:txBody>
+      </p:sp>
+      <p:cxnSp>
+        <p:nvCxnSpPr>
+          <p:cNvPr id="4" name="Straight Connector 3"/>
+          <p:cNvCxnSpPr/>
+          <p:nvPr/>
+        </p:nvCxnSpPr>
+        <p:spPr>
+          <a:xfrm>
+            <a:off x="1295400" y="990600"/>
+            <a:ext cx="7498080" cy="0"/>
+          </a:xfrm>
+          <a:prstGeom prst="line">
+            <a:avLst/>
+          </a:prstGeom>
+          <a:ln w="63500" cmpd="thickThin">
+            <a:solidFill>
+              <a:schemeClr val="accent5">
+                <a:lumMod val="75000"/>
+              </a:schemeClr>
+            </a:solidFill>
+          </a:ln>
+        </p:spPr>
+        <p:style>
+          <a:lnRef idx="1">
+            <a:schemeClr val="accent1"/>
+          </a:lnRef>
+          <a:fillRef idx="0">
+            <a:schemeClr val="accent1"/>
+          </a:fillRef>
+          <a:effectRef idx="0">
+            <a:schemeClr val="accent1"/>
+          </a:effectRef>
+          <a:fontRef idx="minor">
+            <a:schemeClr val="tx1"/>
+          </a:fontRef>
+        </p:style>
+      </p:cxnSp>
+    </p:spTree>
+    <p:extLst>
+      <p:ext uri="{BB962C8B-B14F-4D97-AF65-F5344CB8AC3E}">
+        <p14:creationId xmlns:p14="http://schemas.microsoft.com/office/powerpoint/2010/main" val="1160537021"/>
+      </p:ext>
+    </p:extLst>
+  </p:cSld>
+  <p:clrMapOvr>
+    <a:masterClrMapping/>
+  </p:clrMapOvr>
+  <p:timing>
+    <p:tnLst>
+      <p:par>
+        <p:cTn id="1" dur="indefinite" restart="never" nodeType="tmRoot"/>
+      </p:par>
+    </p:tnLst>
+  </p:timing>
+</p:sld>
+</file>
+
+<file path=ppt/slides/slide17.xml><?xml version="1.0" encoding="utf-8"?>
+<p:sld xmlns:a="http://schemas.openxmlformats.org/drawingml/2006/main" xmlns:r="http://schemas.openxmlformats.org/officeDocument/2006/relationships" xmlns:p="http://schemas.openxmlformats.org/presentationml/2006/main">
+  <p:cSld>
+    <p:spTree>
+      <p:nvGrpSpPr>
+        <p:cNvPr id="1" name=""/>
+        <p:cNvGrpSpPr/>
+        <p:nvPr/>
+      </p:nvGrpSpPr>
+      <p:grpSpPr>
+        <a:xfrm>
+          <a:off x="0" y="0"/>
+          <a:ext cx="0" cy="0"/>
+          <a:chOff x="0" y="0"/>
+          <a:chExt cx="0" cy="0"/>
+        </a:xfrm>
+      </p:grpSpPr>
+      <p:sp>
+        <p:nvSpPr>
+          <p:cNvPr id="2" name="Title 1"/>
+          <p:cNvSpPr>
+            <a:spLocks noGrp="1"/>
+          </p:cNvSpPr>
+          <p:nvPr>
+            <p:ph type="title"/>
+          </p:nvPr>
+        </p:nvSpPr>
+        <p:spPr>
+          <a:xfrm>
+            <a:off x="1435608" y="274638"/>
             <a:ext cx="7708392" cy="639762"/>
           </a:xfrm>
         </p:spPr>
@@ -4974,7 +6668,7 @@
 </p:sld>
 </file>
 
-<file path=ppt/slides/slide11.xml><?xml version="1.0" encoding="utf-8"?>
+<file path=ppt/slides/slide18.xml><?xml version="1.0" encoding="utf-8"?>
 <p:sld xmlns:a="http://schemas.openxmlformats.org/drawingml/2006/main" xmlns:r="http://schemas.openxmlformats.org/officeDocument/2006/relationships" xmlns:p="http://schemas.openxmlformats.org/presentationml/2006/main">
   <p:cSld>
     <p:spTree>
@@ -5061,8 +6755,15 @@
           <a:p>
             <a:r>
               <a:rPr lang="en-US" dirty="0" smtClean="0"/>
-              <a:t>SIS is </a:t>
-            </a:r>
+              <a:t>Prospective students</a:t>
+            </a:r>
+          </a:p>
+          <a:p>
+            <a:r>
+              <a:rPr lang="en-US" dirty="0" smtClean="0"/>
+              <a:t>Track application status </a:t>
+            </a:r>
+            <a:endParaRPr lang="en-US" dirty="0" smtClean="0"/>
           </a:p>
           <a:p>
             <a:endParaRPr lang="en-US" sz="3200" dirty="0" smtClean="0"/>
@@ -5129,7 +6830,7 @@
 </p:sld>
 </file>
 
-<file path=ppt/slides/slide12.xml><?xml version="1.0" encoding="utf-8"?>
+<file path=ppt/slides/slide19.xml><?xml version="1.0" encoding="utf-8"?>
 <p:sld xmlns:a="http://schemas.openxmlformats.org/drawingml/2006/main" xmlns:r="http://schemas.openxmlformats.org/officeDocument/2006/relationships" xmlns:p="http://schemas.openxmlformats.org/presentationml/2006/main">
   <p:cSld>
     <p:spTree>
@@ -5335,8 +7036,13 @@
             <a:pPr lvl="1"/>
             <a:r>
               <a:rPr lang="en-US" sz="3200" dirty="0" smtClean="0"/>
-              <a:t>Administrator Modules</a:t>
-            </a:r>
+              <a:t>Administrator </a:t>
+            </a:r>
+            <a:r>
+              <a:rPr lang="en-US" sz="3200" dirty="0" smtClean="0"/>
+              <a:t>Modules</a:t>
+            </a:r>
+            <a:endParaRPr lang="en-US" sz="3200" dirty="0" smtClean="0"/>
           </a:p>
           <a:p>
             <a:pPr lvl="1"/>
@@ -5629,6 +7335,7371 @@
                   </a:schemeClr>
                 </a:solidFill>
               </a:rPr>
+              <a:t>SIS – Use Case Model</a:t>
+            </a:r>
+            <a:endParaRPr lang="en-US" dirty="0">
+              <a:solidFill>
+                <a:schemeClr val="tx2">
+                  <a:satMod val="130000"/>
+                </a:schemeClr>
+              </a:solidFill>
+            </a:endParaRPr>
+          </a:p>
+        </p:txBody>
+      </p:sp>
+      <p:sp>
+        <p:nvSpPr>
+          <p:cNvPr id="14338" name="Content Placeholder 2"/>
+          <p:cNvSpPr>
+            <a:spLocks noGrp="1"/>
+          </p:cNvSpPr>
+          <p:nvPr>
+            <p:ph idx="1"/>
+          </p:nvPr>
+        </p:nvSpPr>
+        <p:spPr>
+          <a:xfrm>
+            <a:off x="1435608" y="1143000"/>
+            <a:ext cx="7498080" cy="5715000"/>
+          </a:xfrm>
+        </p:spPr>
+        <p:txBody>
+          <a:bodyPr/>
+          <a:lstStyle/>
+          <a:p>
+            <a:pPr marL="82296" indent="0">
+              <a:buNone/>
+            </a:pPr>
+            <a:endParaRPr lang="en-US" dirty="0" smtClean="0"/>
+          </a:p>
+          <a:p>
+            <a:endParaRPr lang="en-US" sz="3200" dirty="0" smtClean="0"/>
+          </a:p>
+          <a:p>
+            <a:endParaRPr lang="en-US" sz="1200" dirty="0" smtClean="0"/>
+          </a:p>
+        </p:txBody>
+      </p:sp>
+      <p:cxnSp>
+        <p:nvCxnSpPr>
+          <p:cNvPr id="4" name="Straight Connector 3"/>
+          <p:cNvCxnSpPr/>
+          <p:nvPr/>
+        </p:nvCxnSpPr>
+        <p:spPr>
+          <a:xfrm>
+            <a:off x="1295400" y="990600"/>
+            <a:ext cx="7498080" cy="0"/>
+          </a:xfrm>
+          <a:prstGeom prst="line">
+            <a:avLst/>
+          </a:prstGeom>
+          <a:ln w="63500" cmpd="thickThin">
+            <a:solidFill>
+              <a:schemeClr val="accent5">
+                <a:lumMod val="75000"/>
+              </a:schemeClr>
+            </a:solidFill>
+          </a:ln>
+        </p:spPr>
+        <p:style>
+          <a:lnRef idx="1">
+            <a:schemeClr val="accent1"/>
+          </a:lnRef>
+          <a:fillRef idx="0">
+            <a:schemeClr val="accent1"/>
+          </a:fillRef>
+          <a:effectRef idx="0">
+            <a:schemeClr val="accent1"/>
+          </a:effectRef>
+          <a:fontRef idx="minor">
+            <a:schemeClr val="tx1"/>
+          </a:fontRef>
+        </p:style>
+      </p:cxnSp>
+      <p:sp>
+        <p:nvSpPr>
+          <p:cNvPr id="5" name="Rectangle 128"/>
+          <p:cNvSpPr>
+            <a:spLocks noChangeArrowheads="1"/>
+          </p:cNvSpPr>
+          <p:nvPr/>
+        </p:nvSpPr>
+        <p:spPr bwMode="auto">
+          <a:xfrm>
+            <a:off x="152400" y="152400"/>
+            <a:ext cx="9144000" cy="457200"/>
+          </a:xfrm>
+          <a:prstGeom prst="rect">
+            <a:avLst/>
+          </a:prstGeom>
+          <a:noFill/>
+          <a:ln>
+            <a:noFill/>
+          </a:ln>
+          <a:effectLst/>
+          <a:extLst>
+            <a:ext uri="{909E8E84-426E-40DD-AFC4-6F175D3DCCD1}">
+              <a14:hiddenFill xmlns:a14="http://schemas.microsoft.com/office/drawing/2010/main">
+                <a:solidFill>
+                  <a:schemeClr val="accent1"/>
+                </a:solidFill>
+              </a14:hiddenFill>
+            </a:ext>
+            <a:ext uri="{91240B29-F687-4F45-9708-019B960494DF}">
+              <a14:hiddenLine xmlns:a14="http://schemas.microsoft.com/office/drawing/2010/main" w="9525">
+                <a:solidFill>
+                  <a:schemeClr val="tx1"/>
+                </a:solidFill>
+                <a:miter lim="800000"/>
+                <a:headEnd/>
+                <a:tailEnd/>
+              </a14:hiddenLine>
+            </a:ext>
+            <a:ext uri="{AF507438-7753-43E0-B8FC-AC1667EBCBE1}">
+              <a14:hiddenEffects xmlns:a14="http://schemas.microsoft.com/office/drawing/2010/main">
+                <a:effectLst>
+                  <a:outerShdw dist="35921" dir="2700000" algn="ctr" rotWithShape="0">
+                    <a:schemeClr val="bg2"/>
+                  </a:outerShdw>
+                </a:effectLst>
+              </a14:hiddenEffects>
+            </a:ext>
+          </a:extLst>
+        </p:spPr>
+        <p:txBody>
+          <a:bodyPr vert="horz" wrap="none" lIns="91440" tIns="45720" rIns="91440" bIns="45720" numCol="1" anchor="ctr" anchorCtr="0" compatLnSpc="1">
+            <a:prstTxWarp prst="textNoShape">
+              <a:avLst/>
+            </a:prstTxWarp>
+            <a:spAutoFit/>
+          </a:bodyPr>
+          <a:lstStyle/>
+          <a:p>
+            <a:endParaRPr lang="en-US"/>
+          </a:p>
+        </p:txBody>
+      </p:sp>
+      <p:grpSp>
+        <p:nvGrpSpPr>
+          <p:cNvPr id="6" name="Canvas 50"/>
+          <p:cNvGrpSpPr>
+            <a:grpSpLocks/>
+          </p:cNvGrpSpPr>
+          <p:nvPr/>
+        </p:nvGrpSpPr>
+        <p:grpSpPr bwMode="auto">
+          <a:xfrm>
+            <a:off x="1927860" y="990601"/>
+            <a:ext cx="6172200" cy="5715000"/>
+            <a:chOff x="1455" y="1440"/>
+            <a:chExt cx="9720" cy="13470"/>
+          </a:xfrm>
+        </p:grpSpPr>
+        <p:sp>
+          <p:nvSpPr>
+            <p:cNvPr id="7" name="AutoShape 127"/>
+            <p:cNvSpPr>
+              <a:spLocks noChangeAspect="1" noChangeArrowheads="1"/>
+            </p:cNvSpPr>
+            <p:nvPr/>
+          </p:nvSpPr>
+          <p:spPr bwMode="auto">
+            <a:xfrm>
+              <a:off x="1455" y="1440"/>
+              <a:ext cx="9720" cy="13470"/>
+            </a:xfrm>
+            <a:prstGeom prst="rect">
+              <a:avLst/>
+            </a:prstGeom>
+            <a:noFill/>
+            <a:extLst>
+              <a:ext uri="{909E8E84-426E-40DD-AFC4-6F175D3DCCD1}">
+                <a14:hiddenFill xmlns:a14="http://schemas.microsoft.com/office/drawing/2010/main">
+                  <a:solidFill>
+                    <a:srgbClr val="FFFFFF"/>
+                  </a:solidFill>
+                </a14:hiddenFill>
+              </a:ext>
+            </a:extLst>
+          </p:spPr>
+          <p:txBody>
+            <a:bodyPr vert="horz" wrap="square" lIns="91440" tIns="45720" rIns="91440" bIns="45720" numCol="1" anchor="t" anchorCtr="0" compatLnSpc="1">
+              <a:prstTxWarp prst="textNoShape">
+                <a:avLst/>
+              </a:prstTxWarp>
+            </a:bodyPr>
+            <a:lstStyle/>
+            <a:p>
+              <a:endParaRPr lang="en-US"/>
+            </a:p>
+          </p:txBody>
+        </p:sp>
+        <p:grpSp>
+          <p:nvGrpSpPr>
+            <p:cNvPr id="8" name="Group 4"/>
+            <p:cNvGrpSpPr>
+              <a:grpSpLocks/>
+            </p:cNvGrpSpPr>
+            <p:nvPr/>
+          </p:nvGrpSpPr>
+          <p:grpSpPr bwMode="auto">
+            <a:xfrm>
+              <a:off x="6645" y="13005"/>
+              <a:ext cx="405" cy="959"/>
+              <a:chOff x="2940" y="8221"/>
+              <a:chExt cx="405" cy="959"/>
+            </a:xfrm>
+          </p:grpSpPr>
+          <p:sp>
+            <p:nvSpPr>
+              <p:cNvPr id="14431" name="Oval 5"/>
+              <p:cNvSpPr>
+                <a:spLocks noChangeArrowheads="1"/>
+              </p:cNvSpPr>
+              <p:nvPr/>
+            </p:nvSpPr>
+            <p:spPr bwMode="auto">
+              <a:xfrm>
+                <a:off x="2955" y="8221"/>
+                <a:ext cx="299" cy="284"/>
+              </a:xfrm>
+              <a:prstGeom prst="ellipse">
+                <a:avLst/>
+              </a:prstGeom>
+              <a:solidFill>
+                <a:srgbClr val="92D050"/>
+              </a:solidFill>
+              <a:ln w="9525">
+                <a:solidFill>
+                  <a:srgbClr val="000000"/>
+                </a:solidFill>
+                <a:round/>
+                <a:headEnd/>
+                <a:tailEnd/>
+              </a:ln>
+            </p:spPr>
+            <p:txBody>
+              <a:bodyPr vert="horz" wrap="square" lIns="91440" tIns="45720" rIns="91440" bIns="45720" numCol="1" anchor="t" anchorCtr="0" compatLnSpc="1">
+                <a:prstTxWarp prst="textNoShape">
+                  <a:avLst/>
+                </a:prstTxWarp>
+              </a:bodyPr>
+              <a:lstStyle/>
+              <a:p>
+                <a:endParaRPr lang="en-US"/>
+              </a:p>
+            </p:txBody>
+          </p:sp>
+          <p:sp>
+            <p:nvSpPr>
+              <p:cNvPr id="14432" name="AutoShape 6"/>
+              <p:cNvSpPr>
+                <a:spLocks noChangeShapeType="1"/>
+              </p:cNvSpPr>
+              <p:nvPr/>
+            </p:nvSpPr>
+            <p:spPr bwMode="auto">
+              <a:xfrm>
+                <a:off x="3120" y="8505"/>
+                <a:ext cx="2" cy="420"/>
+              </a:xfrm>
+              <a:prstGeom prst="straightConnector1">
+                <a:avLst/>
+              </a:prstGeom>
+              <a:noFill/>
+              <a:ln w="9525">
+                <a:solidFill>
+                  <a:srgbClr val="000000"/>
+                </a:solidFill>
+                <a:round/>
+                <a:headEnd/>
+                <a:tailEnd/>
+              </a:ln>
+              <a:extLst>
+                <a:ext uri="{909E8E84-426E-40DD-AFC4-6F175D3DCCD1}">
+                  <a14:hiddenFill xmlns:a14="http://schemas.microsoft.com/office/drawing/2010/main">
+                    <a:noFill/>
+                  </a14:hiddenFill>
+                </a:ext>
+              </a:extLst>
+            </p:spPr>
+            <p:txBody>
+              <a:bodyPr vert="horz" wrap="square" lIns="91440" tIns="45720" rIns="91440" bIns="45720" numCol="1" anchor="t" anchorCtr="0" compatLnSpc="1">
+                <a:prstTxWarp prst="textNoShape">
+                  <a:avLst/>
+                </a:prstTxWarp>
+              </a:bodyPr>
+              <a:lstStyle/>
+              <a:p>
+                <a:endParaRPr lang="en-US"/>
+              </a:p>
+            </p:txBody>
+          </p:sp>
+          <p:sp>
+            <p:nvSpPr>
+              <p:cNvPr id="14433" name="AutoShape 7"/>
+              <p:cNvSpPr>
+                <a:spLocks noChangeShapeType="1"/>
+              </p:cNvSpPr>
+              <p:nvPr/>
+            </p:nvSpPr>
+            <p:spPr bwMode="auto">
+              <a:xfrm flipH="1">
+                <a:off x="3030" y="8925"/>
+                <a:ext cx="92" cy="255"/>
+              </a:xfrm>
+              <a:prstGeom prst="straightConnector1">
+                <a:avLst/>
+              </a:prstGeom>
+              <a:noFill/>
+              <a:ln w="9525">
+                <a:solidFill>
+                  <a:srgbClr val="000000"/>
+                </a:solidFill>
+                <a:round/>
+                <a:headEnd/>
+                <a:tailEnd/>
+              </a:ln>
+              <a:extLst>
+                <a:ext uri="{909E8E84-426E-40DD-AFC4-6F175D3DCCD1}">
+                  <a14:hiddenFill xmlns:a14="http://schemas.microsoft.com/office/drawing/2010/main">
+                    <a:noFill/>
+                  </a14:hiddenFill>
+                </a:ext>
+              </a:extLst>
+            </p:spPr>
+            <p:txBody>
+              <a:bodyPr vert="horz" wrap="square" lIns="91440" tIns="45720" rIns="91440" bIns="45720" numCol="1" anchor="t" anchorCtr="0" compatLnSpc="1">
+                <a:prstTxWarp prst="textNoShape">
+                  <a:avLst/>
+                </a:prstTxWarp>
+              </a:bodyPr>
+              <a:lstStyle/>
+              <a:p>
+                <a:endParaRPr lang="en-US"/>
+              </a:p>
+            </p:txBody>
+          </p:sp>
+          <p:sp>
+            <p:nvSpPr>
+              <p:cNvPr id="14434" name="AutoShape 8"/>
+              <p:cNvSpPr>
+                <a:spLocks noChangeShapeType="1"/>
+              </p:cNvSpPr>
+              <p:nvPr/>
+            </p:nvSpPr>
+            <p:spPr bwMode="auto">
+              <a:xfrm>
+                <a:off x="3120" y="8925"/>
+                <a:ext cx="134" cy="255"/>
+              </a:xfrm>
+              <a:prstGeom prst="straightConnector1">
+                <a:avLst/>
+              </a:prstGeom>
+              <a:noFill/>
+              <a:ln w="9525">
+                <a:solidFill>
+                  <a:srgbClr val="000000"/>
+                </a:solidFill>
+                <a:round/>
+                <a:headEnd/>
+                <a:tailEnd/>
+              </a:ln>
+              <a:extLst>
+                <a:ext uri="{909E8E84-426E-40DD-AFC4-6F175D3DCCD1}">
+                  <a14:hiddenFill xmlns:a14="http://schemas.microsoft.com/office/drawing/2010/main">
+                    <a:noFill/>
+                  </a14:hiddenFill>
+                </a:ext>
+              </a:extLst>
+            </p:spPr>
+            <p:txBody>
+              <a:bodyPr vert="horz" wrap="square" lIns="91440" tIns="45720" rIns="91440" bIns="45720" numCol="1" anchor="t" anchorCtr="0" compatLnSpc="1">
+                <a:prstTxWarp prst="textNoShape">
+                  <a:avLst/>
+                </a:prstTxWarp>
+              </a:bodyPr>
+              <a:lstStyle/>
+              <a:p>
+                <a:endParaRPr lang="en-US"/>
+              </a:p>
+            </p:txBody>
+          </p:sp>
+          <p:sp>
+            <p:nvSpPr>
+              <p:cNvPr id="14435" name="AutoShape 9"/>
+              <p:cNvSpPr>
+                <a:spLocks noChangeShapeType="1"/>
+              </p:cNvSpPr>
+              <p:nvPr/>
+            </p:nvSpPr>
+            <p:spPr bwMode="auto">
+              <a:xfrm>
+                <a:off x="2940" y="8670"/>
+                <a:ext cx="405" cy="1"/>
+              </a:xfrm>
+              <a:prstGeom prst="straightConnector1">
+                <a:avLst/>
+              </a:prstGeom>
+              <a:noFill/>
+              <a:ln w="9525">
+                <a:solidFill>
+                  <a:srgbClr val="000000"/>
+                </a:solidFill>
+                <a:round/>
+                <a:headEnd/>
+                <a:tailEnd/>
+              </a:ln>
+              <a:extLst>
+                <a:ext uri="{909E8E84-426E-40DD-AFC4-6F175D3DCCD1}">
+                  <a14:hiddenFill xmlns:a14="http://schemas.microsoft.com/office/drawing/2010/main">
+                    <a:noFill/>
+                  </a14:hiddenFill>
+                </a:ext>
+              </a:extLst>
+            </p:spPr>
+            <p:txBody>
+              <a:bodyPr vert="horz" wrap="square" lIns="91440" tIns="45720" rIns="91440" bIns="45720" numCol="1" anchor="t" anchorCtr="0" compatLnSpc="1">
+                <a:prstTxWarp prst="textNoShape">
+                  <a:avLst/>
+                </a:prstTxWarp>
+              </a:bodyPr>
+              <a:lstStyle/>
+              <a:p>
+                <a:endParaRPr lang="en-US"/>
+              </a:p>
+            </p:txBody>
+          </p:sp>
+        </p:grpSp>
+        <p:grpSp>
+          <p:nvGrpSpPr>
+            <p:cNvPr id="9" name="Group 10"/>
+            <p:cNvGrpSpPr>
+              <a:grpSpLocks/>
+            </p:cNvGrpSpPr>
+            <p:nvPr/>
+          </p:nvGrpSpPr>
+          <p:grpSpPr bwMode="auto">
+            <a:xfrm>
+              <a:off x="5402" y="5364"/>
+              <a:ext cx="405" cy="959"/>
+              <a:chOff x="2940" y="8221"/>
+              <a:chExt cx="405" cy="959"/>
+            </a:xfrm>
+          </p:grpSpPr>
+          <p:sp>
+            <p:nvSpPr>
+              <p:cNvPr id="14426" name="Oval 11"/>
+              <p:cNvSpPr>
+                <a:spLocks noChangeArrowheads="1"/>
+              </p:cNvSpPr>
+              <p:nvPr/>
+            </p:nvSpPr>
+            <p:spPr bwMode="auto">
+              <a:xfrm>
+                <a:off x="2955" y="8221"/>
+                <a:ext cx="299" cy="284"/>
+              </a:xfrm>
+              <a:prstGeom prst="ellipse">
+                <a:avLst/>
+              </a:prstGeom>
+              <a:solidFill>
+                <a:srgbClr val="C00000"/>
+              </a:solidFill>
+              <a:ln w="9525">
+                <a:solidFill>
+                  <a:srgbClr val="000000"/>
+                </a:solidFill>
+                <a:round/>
+                <a:headEnd/>
+                <a:tailEnd/>
+              </a:ln>
+            </p:spPr>
+            <p:txBody>
+              <a:bodyPr vert="horz" wrap="square" lIns="91440" tIns="45720" rIns="91440" bIns="45720" numCol="1" anchor="t" anchorCtr="0" compatLnSpc="1">
+                <a:prstTxWarp prst="textNoShape">
+                  <a:avLst/>
+                </a:prstTxWarp>
+              </a:bodyPr>
+              <a:lstStyle/>
+              <a:p>
+                <a:endParaRPr lang="en-US"/>
+              </a:p>
+            </p:txBody>
+          </p:sp>
+          <p:sp>
+            <p:nvSpPr>
+              <p:cNvPr id="14427" name="AutoShape 12"/>
+              <p:cNvSpPr>
+                <a:spLocks noChangeShapeType="1"/>
+              </p:cNvSpPr>
+              <p:nvPr/>
+            </p:nvSpPr>
+            <p:spPr bwMode="auto">
+              <a:xfrm>
+                <a:off x="3120" y="8505"/>
+                <a:ext cx="2" cy="420"/>
+              </a:xfrm>
+              <a:prstGeom prst="straightConnector1">
+                <a:avLst/>
+              </a:prstGeom>
+              <a:noFill/>
+              <a:ln w="9525">
+                <a:solidFill>
+                  <a:srgbClr val="000000"/>
+                </a:solidFill>
+                <a:round/>
+                <a:headEnd/>
+                <a:tailEnd/>
+              </a:ln>
+              <a:extLst>
+                <a:ext uri="{909E8E84-426E-40DD-AFC4-6F175D3DCCD1}">
+                  <a14:hiddenFill xmlns:a14="http://schemas.microsoft.com/office/drawing/2010/main">
+                    <a:noFill/>
+                  </a14:hiddenFill>
+                </a:ext>
+              </a:extLst>
+            </p:spPr>
+            <p:txBody>
+              <a:bodyPr vert="horz" wrap="square" lIns="91440" tIns="45720" rIns="91440" bIns="45720" numCol="1" anchor="t" anchorCtr="0" compatLnSpc="1">
+                <a:prstTxWarp prst="textNoShape">
+                  <a:avLst/>
+                </a:prstTxWarp>
+              </a:bodyPr>
+              <a:lstStyle/>
+              <a:p>
+                <a:endParaRPr lang="en-US"/>
+              </a:p>
+            </p:txBody>
+          </p:sp>
+          <p:sp>
+            <p:nvSpPr>
+              <p:cNvPr id="14428" name="AutoShape 13"/>
+              <p:cNvSpPr>
+                <a:spLocks noChangeShapeType="1"/>
+              </p:cNvSpPr>
+              <p:nvPr/>
+            </p:nvSpPr>
+            <p:spPr bwMode="auto">
+              <a:xfrm flipH="1">
+                <a:off x="3030" y="8925"/>
+                <a:ext cx="92" cy="255"/>
+              </a:xfrm>
+              <a:prstGeom prst="straightConnector1">
+                <a:avLst/>
+              </a:prstGeom>
+              <a:noFill/>
+              <a:ln w="9525">
+                <a:solidFill>
+                  <a:srgbClr val="000000"/>
+                </a:solidFill>
+                <a:round/>
+                <a:headEnd/>
+                <a:tailEnd/>
+              </a:ln>
+              <a:extLst>
+                <a:ext uri="{909E8E84-426E-40DD-AFC4-6F175D3DCCD1}">
+                  <a14:hiddenFill xmlns:a14="http://schemas.microsoft.com/office/drawing/2010/main">
+                    <a:noFill/>
+                  </a14:hiddenFill>
+                </a:ext>
+              </a:extLst>
+            </p:spPr>
+            <p:txBody>
+              <a:bodyPr vert="horz" wrap="square" lIns="91440" tIns="45720" rIns="91440" bIns="45720" numCol="1" anchor="t" anchorCtr="0" compatLnSpc="1">
+                <a:prstTxWarp prst="textNoShape">
+                  <a:avLst/>
+                </a:prstTxWarp>
+              </a:bodyPr>
+              <a:lstStyle/>
+              <a:p>
+                <a:endParaRPr lang="en-US"/>
+              </a:p>
+            </p:txBody>
+          </p:sp>
+          <p:sp>
+            <p:nvSpPr>
+              <p:cNvPr id="14429" name="AutoShape 14"/>
+              <p:cNvSpPr>
+                <a:spLocks noChangeShapeType="1"/>
+              </p:cNvSpPr>
+              <p:nvPr/>
+            </p:nvSpPr>
+            <p:spPr bwMode="auto">
+              <a:xfrm>
+                <a:off x="3120" y="8925"/>
+                <a:ext cx="134" cy="255"/>
+              </a:xfrm>
+              <a:prstGeom prst="straightConnector1">
+                <a:avLst/>
+              </a:prstGeom>
+              <a:noFill/>
+              <a:ln w="9525">
+                <a:solidFill>
+                  <a:srgbClr val="000000"/>
+                </a:solidFill>
+                <a:round/>
+                <a:headEnd/>
+                <a:tailEnd/>
+              </a:ln>
+              <a:extLst>
+                <a:ext uri="{909E8E84-426E-40DD-AFC4-6F175D3DCCD1}">
+                  <a14:hiddenFill xmlns:a14="http://schemas.microsoft.com/office/drawing/2010/main">
+                    <a:noFill/>
+                  </a14:hiddenFill>
+                </a:ext>
+              </a:extLst>
+            </p:spPr>
+            <p:txBody>
+              <a:bodyPr vert="horz" wrap="square" lIns="91440" tIns="45720" rIns="91440" bIns="45720" numCol="1" anchor="t" anchorCtr="0" compatLnSpc="1">
+                <a:prstTxWarp prst="textNoShape">
+                  <a:avLst/>
+                </a:prstTxWarp>
+              </a:bodyPr>
+              <a:lstStyle/>
+              <a:p>
+                <a:endParaRPr lang="en-US"/>
+              </a:p>
+            </p:txBody>
+          </p:sp>
+          <p:sp>
+            <p:nvSpPr>
+              <p:cNvPr id="14430" name="AutoShape 15"/>
+              <p:cNvSpPr>
+                <a:spLocks noChangeShapeType="1"/>
+              </p:cNvSpPr>
+              <p:nvPr/>
+            </p:nvSpPr>
+            <p:spPr bwMode="auto">
+              <a:xfrm>
+                <a:off x="2940" y="8670"/>
+                <a:ext cx="405" cy="1"/>
+              </a:xfrm>
+              <a:prstGeom prst="straightConnector1">
+                <a:avLst/>
+              </a:prstGeom>
+              <a:noFill/>
+              <a:ln w="9525">
+                <a:solidFill>
+                  <a:srgbClr val="000000"/>
+                </a:solidFill>
+                <a:round/>
+                <a:headEnd/>
+                <a:tailEnd/>
+              </a:ln>
+              <a:extLst>
+                <a:ext uri="{909E8E84-426E-40DD-AFC4-6F175D3DCCD1}">
+                  <a14:hiddenFill xmlns:a14="http://schemas.microsoft.com/office/drawing/2010/main">
+                    <a:noFill/>
+                  </a14:hiddenFill>
+                </a:ext>
+              </a:extLst>
+            </p:spPr>
+            <p:txBody>
+              <a:bodyPr vert="horz" wrap="square" lIns="91440" tIns="45720" rIns="91440" bIns="45720" numCol="1" anchor="t" anchorCtr="0" compatLnSpc="1">
+                <a:prstTxWarp prst="textNoShape">
+                  <a:avLst/>
+                </a:prstTxWarp>
+              </a:bodyPr>
+              <a:lstStyle/>
+              <a:p>
+                <a:endParaRPr lang="en-US"/>
+              </a:p>
+            </p:txBody>
+          </p:sp>
+        </p:grpSp>
+        <p:grpSp>
+          <p:nvGrpSpPr>
+            <p:cNvPr id="10" name="Group 16"/>
+            <p:cNvGrpSpPr>
+              <a:grpSpLocks/>
+            </p:cNvGrpSpPr>
+            <p:nvPr/>
+          </p:nvGrpSpPr>
+          <p:grpSpPr bwMode="auto">
+            <a:xfrm>
+              <a:off x="6736" y="6900"/>
+              <a:ext cx="405" cy="959"/>
+              <a:chOff x="2940" y="8221"/>
+              <a:chExt cx="405" cy="959"/>
+            </a:xfrm>
+          </p:grpSpPr>
+          <p:sp>
+            <p:nvSpPr>
+              <p:cNvPr id="14421" name="Oval 17"/>
+              <p:cNvSpPr>
+                <a:spLocks noChangeArrowheads="1"/>
+              </p:cNvSpPr>
+              <p:nvPr/>
+            </p:nvSpPr>
+            <p:spPr bwMode="auto">
+              <a:xfrm>
+                <a:off x="2955" y="8221"/>
+                <a:ext cx="299" cy="284"/>
+              </a:xfrm>
+              <a:prstGeom prst="ellipse">
+                <a:avLst/>
+              </a:prstGeom>
+              <a:solidFill>
+                <a:srgbClr val="548DD4"/>
+              </a:solidFill>
+              <a:ln w="9525">
+                <a:solidFill>
+                  <a:srgbClr val="000000"/>
+                </a:solidFill>
+                <a:round/>
+                <a:headEnd/>
+                <a:tailEnd/>
+              </a:ln>
+            </p:spPr>
+            <p:txBody>
+              <a:bodyPr vert="horz" wrap="square" lIns="91440" tIns="45720" rIns="91440" bIns="45720" numCol="1" anchor="t" anchorCtr="0" compatLnSpc="1">
+                <a:prstTxWarp prst="textNoShape">
+                  <a:avLst/>
+                </a:prstTxWarp>
+              </a:bodyPr>
+              <a:lstStyle/>
+              <a:p>
+                <a:endParaRPr lang="en-US"/>
+              </a:p>
+            </p:txBody>
+          </p:sp>
+          <p:sp>
+            <p:nvSpPr>
+              <p:cNvPr id="14422" name="AutoShape 18"/>
+              <p:cNvSpPr>
+                <a:spLocks noChangeShapeType="1"/>
+              </p:cNvSpPr>
+              <p:nvPr/>
+            </p:nvSpPr>
+            <p:spPr bwMode="auto">
+              <a:xfrm>
+                <a:off x="3120" y="8505"/>
+                <a:ext cx="2" cy="420"/>
+              </a:xfrm>
+              <a:prstGeom prst="straightConnector1">
+                <a:avLst/>
+              </a:prstGeom>
+              <a:noFill/>
+              <a:ln w="9525">
+                <a:solidFill>
+                  <a:srgbClr val="000000"/>
+                </a:solidFill>
+                <a:round/>
+                <a:headEnd/>
+                <a:tailEnd/>
+              </a:ln>
+              <a:extLst>
+                <a:ext uri="{909E8E84-426E-40DD-AFC4-6F175D3DCCD1}">
+                  <a14:hiddenFill xmlns:a14="http://schemas.microsoft.com/office/drawing/2010/main">
+                    <a:noFill/>
+                  </a14:hiddenFill>
+                </a:ext>
+              </a:extLst>
+            </p:spPr>
+            <p:txBody>
+              <a:bodyPr vert="horz" wrap="square" lIns="91440" tIns="45720" rIns="91440" bIns="45720" numCol="1" anchor="t" anchorCtr="0" compatLnSpc="1">
+                <a:prstTxWarp prst="textNoShape">
+                  <a:avLst/>
+                </a:prstTxWarp>
+              </a:bodyPr>
+              <a:lstStyle/>
+              <a:p>
+                <a:endParaRPr lang="en-US"/>
+              </a:p>
+            </p:txBody>
+          </p:sp>
+          <p:sp>
+            <p:nvSpPr>
+              <p:cNvPr id="14423" name="AutoShape 19"/>
+              <p:cNvSpPr>
+                <a:spLocks noChangeShapeType="1"/>
+              </p:cNvSpPr>
+              <p:nvPr/>
+            </p:nvSpPr>
+            <p:spPr bwMode="auto">
+              <a:xfrm flipH="1">
+                <a:off x="3030" y="8925"/>
+                <a:ext cx="92" cy="255"/>
+              </a:xfrm>
+              <a:prstGeom prst="straightConnector1">
+                <a:avLst/>
+              </a:prstGeom>
+              <a:noFill/>
+              <a:ln w="9525">
+                <a:solidFill>
+                  <a:srgbClr val="000000"/>
+                </a:solidFill>
+                <a:round/>
+                <a:headEnd/>
+                <a:tailEnd/>
+              </a:ln>
+              <a:extLst>
+                <a:ext uri="{909E8E84-426E-40DD-AFC4-6F175D3DCCD1}">
+                  <a14:hiddenFill xmlns:a14="http://schemas.microsoft.com/office/drawing/2010/main">
+                    <a:noFill/>
+                  </a14:hiddenFill>
+                </a:ext>
+              </a:extLst>
+            </p:spPr>
+            <p:txBody>
+              <a:bodyPr vert="horz" wrap="square" lIns="91440" tIns="45720" rIns="91440" bIns="45720" numCol="1" anchor="t" anchorCtr="0" compatLnSpc="1">
+                <a:prstTxWarp prst="textNoShape">
+                  <a:avLst/>
+                </a:prstTxWarp>
+              </a:bodyPr>
+              <a:lstStyle/>
+              <a:p>
+                <a:endParaRPr lang="en-US"/>
+              </a:p>
+            </p:txBody>
+          </p:sp>
+          <p:sp>
+            <p:nvSpPr>
+              <p:cNvPr id="14424" name="AutoShape 20"/>
+              <p:cNvSpPr>
+                <a:spLocks noChangeShapeType="1"/>
+              </p:cNvSpPr>
+              <p:nvPr/>
+            </p:nvSpPr>
+            <p:spPr bwMode="auto">
+              <a:xfrm>
+                <a:off x="3120" y="8925"/>
+                <a:ext cx="134" cy="255"/>
+              </a:xfrm>
+              <a:prstGeom prst="straightConnector1">
+                <a:avLst/>
+              </a:prstGeom>
+              <a:noFill/>
+              <a:ln w="9525">
+                <a:solidFill>
+                  <a:srgbClr val="000000"/>
+                </a:solidFill>
+                <a:round/>
+                <a:headEnd/>
+                <a:tailEnd/>
+              </a:ln>
+              <a:extLst>
+                <a:ext uri="{909E8E84-426E-40DD-AFC4-6F175D3DCCD1}">
+                  <a14:hiddenFill xmlns:a14="http://schemas.microsoft.com/office/drawing/2010/main">
+                    <a:noFill/>
+                  </a14:hiddenFill>
+                </a:ext>
+              </a:extLst>
+            </p:spPr>
+            <p:txBody>
+              <a:bodyPr vert="horz" wrap="square" lIns="91440" tIns="45720" rIns="91440" bIns="45720" numCol="1" anchor="t" anchorCtr="0" compatLnSpc="1">
+                <a:prstTxWarp prst="textNoShape">
+                  <a:avLst/>
+                </a:prstTxWarp>
+              </a:bodyPr>
+              <a:lstStyle/>
+              <a:p>
+                <a:endParaRPr lang="en-US"/>
+              </a:p>
+            </p:txBody>
+          </p:sp>
+          <p:sp>
+            <p:nvSpPr>
+              <p:cNvPr id="14425" name="AutoShape 21"/>
+              <p:cNvSpPr>
+                <a:spLocks noChangeShapeType="1"/>
+              </p:cNvSpPr>
+              <p:nvPr/>
+            </p:nvSpPr>
+            <p:spPr bwMode="auto">
+              <a:xfrm>
+                <a:off x="2940" y="8670"/>
+                <a:ext cx="405" cy="1"/>
+              </a:xfrm>
+              <a:prstGeom prst="straightConnector1">
+                <a:avLst/>
+              </a:prstGeom>
+              <a:noFill/>
+              <a:ln w="9525">
+                <a:solidFill>
+                  <a:srgbClr val="000000"/>
+                </a:solidFill>
+                <a:round/>
+                <a:headEnd/>
+                <a:tailEnd/>
+              </a:ln>
+              <a:extLst>
+                <a:ext uri="{909E8E84-426E-40DD-AFC4-6F175D3DCCD1}">
+                  <a14:hiddenFill xmlns:a14="http://schemas.microsoft.com/office/drawing/2010/main">
+                    <a:noFill/>
+                  </a14:hiddenFill>
+                </a:ext>
+              </a:extLst>
+            </p:spPr>
+            <p:txBody>
+              <a:bodyPr vert="horz" wrap="square" lIns="91440" tIns="45720" rIns="91440" bIns="45720" numCol="1" anchor="t" anchorCtr="0" compatLnSpc="1">
+                <a:prstTxWarp prst="textNoShape">
+                  <a:avLst/>
+                </a:prstTxWarp>
+              </a:bodyPr>
+              <a:lstStyle/>
+              <a:p>
+                <a:endParaRPr lang="en-US"/>
+              </a:p>
+            </p:txBody>
+          </p:sp>
+        </p:grpSp>
+        <p:sp>
+          <p:nvSpPr>
+            <p:cNvPr id="11" name="Oval 22"/>
+            <p:cNvSpPr>
+              <a:spLocks noChangeArrowheads="1"/>
+            </p:cNvSpPr>
+            <p:nvPr/>
+          </p:nvSpPr>
+          <p:spPr bwMode="auto">
+            <a:xfrm>
+              <a:off x="1455" y="1492"/>
+              <a:ext cx="2655" cy="848"/>
+            </a:xfrm>
+            <a:prstGeom prst="ellipse">
+              <a:avLst/>
+            </a:prstGeom>
+            <a:solidFill>
+              <a:srgbClr val="EAF1DD"/>
+            </a:solidFill>
+            <a:ln w="9525">
+              <a:solidFill>
+                <a:srgbClr val="000000"/>
+              </a:solidFill>
+              <a:round/>
+              <a:headEnd/>
+              <a:tailEnd/>
+            </a:ln>
+          </p:spPr>
+          <p:txBody>
+            <a:bodyPr vert="horz" wrap="square" lIns="91440" tIns="45720" rIns="91440" bIns="45720" numCol="1" anchor="t" anchorCtr="0" compatLnSpc="1">
+              <a:prstTxWarp prst="textNoShape">
+                <a:avLst/>
+              </a:prstTxWarp>
+            </a:bodyPr>
+            <a:lstStyle/>
+            <a:p>
+              <a:pPr marL="0" marR="0" lvl="0" indent="0" algn="ctr" defTabSz="914400" rtl="0" eaLnBrk="1" fontAlgn="base" latinLnBrk="0" hangingPunct="1">
+                <a:lnSpc>
+                  <a:spcPct val="100000"/>
+                </a:lnSpc>
+                <a:spcBef>
+                  <a:spcPct val="0"/>
+                </a:spcBef>
+                <a:spcAft>
+                  <a:spcPct val="0"/>
+                </a:spcAft>
+                <a:buClrTx/>
+                <a:buSzTx/>
+                <a:buFontTx/>
+                <a:buNone/>
+                <a:tabLst/>
+              </a:pPr>
+              <a:r>
+                <a:rPr kumimoji="0" lang="en-US" sz="800" b="1" i="0" u="none" strike="noStrike" cap="none" normalizeH="0" baseline="0" smtClean="0">
+                  <a:ln>
+                    <a:noFill/>
+                  </a:ln>
+                  <a:solidFill>
+                    <a:schemeClr val="tx1"/>
+                  </a:solidFill>
+                  <a:effectLst/>
+                  <a:latin typeface="Arial" pitchFamily="34" charset="0"/>
+                  <a:ea typeface="Times New Roman" pitchFamily="18" charset="0"/>
+                  <a:cs typeface="Times New Roman" pitchFamily="18" charset="0"/>
+                </a:rPr>
+                <a:t>Update prospective student’s page</a:t>
+              </a:r>
+              <a:endParaRPr kumimoji="0" lang="en-US" sz="1800" b="0" i="0" u="none" strike="noStrike" cap="none" normalizeH="0" baseline="0" smtClean="0">
+                <a:ln>
+                  <a:noFill/>
+                </a:ln>
+                <a:solidFill>
+                  <a:schemeClr val="tx1"/>
+                </a:solidFill>
+                <a:effectLst/>
+                <a:latin typeface="Arial" pitchFamily="34" charset="0"/>
+                <a:cs typeface="Arial" pitchFamily="34" charset="0"/>
+              </a:endParaRPr>
+            </a:p>
+          </p:txBody>
+        </p:sp>
+        <p:sp>
+          <p:nvSpPr>
+            <p:cNvPr id="12" name="Oval 23"/>
+            <p:cNvSpPr>
+              <a:spLocks noChangeArrowheads="1"/>
+            </p:cNvSpPr>
+            <p:nvPr/>
+          </p:nvSpPr>
+          <p:spPr bwMode="auto">
+            <a:xfrm>
+              <a:off x="1455" y="2410"/>
+              <a:ext cx="2880" cy="540"/>
+            </a:xfrm>
+            <a:prstGeom prst="ellipse">
+              <a:avLst/>
+            </a:prstGeom>
+            <a:solidFill>
+              <a:srgbClr val="EAF1DD"/>
+            </a:solidFill>
+            <a:ln w="9525">
+              <a:solidFill>
+                <a:srgbClr val="000000"/>
+              </a:solidFill>
+              <a:round/>
+              <a:headEnd/>
+              <a:tailEnd/>
+            </a:ln>
+          </p:spPr>
+          <p:txBody>
+            <a:bodyPr vert="horz" wrap="square" lIns="91440" tIns="45720" rIns="91440" bIns="45720" numCol="1" anchor="t" anchorCtr="0" compatLnSpc="1">
+              <a:prstTxWarp prst="textNoShape">
+                <a:avLst/>
+              </a:prstTxWarp>
+            </a:bodyPr>
+            <a:lstStyle/>
+            <a:p>
+              <a:pPr marL="0" marR="0" lvl="0" indent="0" algn="ctr" defTabSz="914400" rtl="0" eaLnBrk="1" fontAlgn="base" latinLnBrk="0" hangingPunct="1">
+                <a:lnSpc>
+                  <a:spcPct val="100000"/>
+                </a:lnSpc>
+                <a:spcBef>
+                  <a:spcPct val="0"/>
+                </a:spcBef>
+                <a:spcAft>
+                  <a:spcPct val="0"/>
+                </a:spcAft>
+                <a:buClrTx/>
+                <a:buSzTx/>
+                <a:buFontTx/>
+                <a:buNone/>
+                <a:tabLst/>
+              </a:pPr>
+              <a:r>
+                <a:rPr kumimoji="0" lang="en-US" sz="800" b="1" i="0" u="none" strike="noStrike" cap="none" normalizeH="0" baseline="0" smtClean="0">
+                  <a:ln>
+                    <a:noFill/>
+                  </a:ln>
+                  <a:solidFill>
+                    <a:schemeClr val="tx1"/>
+                  </a:solidFill>
+                  <a:effectLst/>
+                  <a:latin typeface="Arial" pitchFamily="34" charset="0"/>
+                  <a:ea typeface="Times New Roman" pitchFamily="18" charset="0"/>
+                  <a:cs typeface="Times New Roman" pitchFamily="18" charset="0"/>
+                </a:rPr>
+                <a:t>View all new applications</a:t>
+              </a:r>
+              <a:endParaRPr kumimoji="0" lang="en-US" sz="1800" b="0" i="0" u="none" strike="noStrike" cap="none" normalizeH="0" baseline="0" smtClean="0">
+                <a:ln>
+                  <a:noFill/>
+                </a:ln>
+                <a:solidFill>
+                  <a:schemeClr val="tx1"/>
+                </a:solidFill>
+                <a:effectLst/>
+                <a:latin typeface="Arial" pitchFamily="34" charset="0"/>
+                <a:cs typeface="Arial" pitchFamily="34" charset="0"/>
+              </a:endParaRPr>
+            </a:p>
+          </p:txBody>
+        </p:sp>
+        <p:sp>
+          <p:nvSpPr>
+            <p:cNvPr id="13" name="Oval 24"/>
+            <p:cNvSpPr>
+              <a:spLocks noChangeArrowheads="1"/>
+            </p:cNvSpPr>
+            <p:nvPr/>
+          </p:nvSpPr>
+          <p:spPr bwMode="auto">
+            <a:xfrm>
+              <a:off x="1455" y="4357"/>
+              <a:ext cx="2805" cy="550"/>
+            </a:xfrm>
+            <a:prstGeom prst="ellipse">
+              <a:avLst/>
+            </a:prstGeom>
+            <a:solidFill>
+              <a:srgbClr val="EAF1DD"/>
+            </a:solidFill>
+            <a:ln w="9525">
+              <a:solidFill>
+                <a:srgbClr val="000000"/>
+              </a:solidFill>
+              <a:round/>
+              <a:headEnd/>
+              <a:tailEnd/>
+            </a:ln>
+          </p:spPr>
+          <p:txBody>
+            <a:bodyPr vert="horz" wrap="square" lIns="91440" tIns="45720" rIns="91440" bIns="45720" numCol="1" anchor="t" anchorCtr="0" compatLnSpc="1">
+              <a:prstTxWarp prst="textNoShape">
+                <a:avLst/>
+              </a:prstTxWarp>
+            </a:bodyPr>
+            <a:lstStyle/>
+            <a:p>
+              <a:pPr marL="0" marR="0" lvl="0" indent="0" algn="ctr" defTabSz="914400" rtl="0" eaLnBrk="1" fontAlgn="base" latinLnBrk="0" hangingPunct="1">
+                <a:lnSpc>
+                  <a:spcPct val="100000"/>
+                </a:lnSpc>
+                <a:spcBef>
+                  <a:spcPct val="0"/>
+                </a:spcBef>
+                <a:spcAft>
+                  <a:spcPct val="0"/>
+                </a:spcAft>
+                <a:buClrTx/>
+                <a:buSzTx/>
+                <a:buFontTx/>
+                <a:buNone/>
+                <a:tabLst/>
+              </a:pPr>
+              <a:r>
+                <a:rPr kumimoji="0" lang="en-US" sz="800" b="1" i="0" u="none" strike="noStrike" cap="none" normalizeH="0" baseline="0" smtClean="0">
+                  <a:ln>
+                    <a:noFill/>
+                  </a:ln>
+                  <a:solidFill>
+                    <a:schemeClr val="tx1"/>
+                  </a:solidFill>
+                  <a:effectLst/>
+                  <a:latin typeface="Arial" pitchFamily="34" charset="0"/>
+                  <a:ea typeface="Times New Roman" pitchFamily="18" charset="0"/>
+                  <a:cs typeface="Times New Roman" pitchFamily="18" charset="0"/>
+                </a:rPr>
+                <a:t>Enroll new students</a:t>
+              </a:r>
+              <a:endParaRPr kumimoji="0" lang="en-US" sz="1800" b="0" i="0" u="none" strike="noStrike" cap="none" normalizeH="0" baseline="0" smtClean="0">
+                <a:ln>
+                  <a:noFill/>
+                </a:ln>
+                <a:solidFill>
+                  <a:schemeClr val="tx1"/>
+                </a:solidFill>
+                <a:effectLst/>
+                <a:latin typeface="Arial" pitchFamily="34" charset="0"/>
+                <a:cs typeface="Arial" pitchFamily="34" charset="0"/>
+              </a:endParaRPr>
+            </a:p>
+          </p:txBody>
+        </p:sp>
+        <p:sp>
+          <p:nvSpPr>
+            <p:cNvPr id="14" name="Oval 25"/>
+            <p:cNvSpPr>
+              <a:spLocks noChangeArrowheads="1"/>
+            </p:cNvSpPr>
+            <p:nvPr/>
+          </p:nvSpPr>
+          <p:spPr bwMode="auto">
+            <a:xfrm>
+              <a:off x="1455" y="5006"/>
+              <a:ext cx="2805" cy="500"/>
+            </a:xfrm>
+            <a:prstGeom prst="ellipse">
+              <a:avLst/>
+            </a:prstGeom>
+            <a:solidFill>
+              <a:srgbClr val="EAF1DD"/>
+            </a:solidFill>
+            <a:ln w="9525">
+              <a:solidFill>
+                <a:srgbClr val="000000"/>
+              </a:solidFill>
+              <a:round/>
+              <a:headEnd/>
+              <a:tailEnd/>
+            </a:ln>
+          </p:spPr>
+          <p:txBody>
+            <a:bodyPr vert="horz" wrap="square" lIns="91440" tIns="45720" rIns="91440" bIns="45720" numCol="1" anchor="t" anchorCtr="0" compatLnSpc="1">
+              <a:prstTxWarp prst="textNoShape">
+                <a:avLst/>
+              </a:prstTxWarp>
+            </a:bodyPr>
+            <a:lstStyle/>
+            <a:p>
+              <a:pPr marL="0" marR="0" lvl="0" indent="0" algn="ctr" defTabSz="914400" rtl="0" eaLnBrk="1" fontAlgn="base" latinLnBrk="0" hangingPunct="1">
+                <a:lnSpc>
+                  <a:spcPct val="100000"/>
+                </a:lnSpc>
+                <a:spcBef>
+                  <a:spcPct val="0"/>
+                </a:spcBef>
+                <a:spcAft>
+                  <a:spcPct val="0"/>
+                </a:spcAft>
+                <a:buClrTx/>
+                <a:buSzTx/>
+                <a:buFontTx/>
+                <a:buNone/>
+                <a:tabLst/>
+              </a:pPr>
+              <a:r>
+                <a:rPr kumimoji="0" lang="en-US" sz="800" b="1" i="0" u="none" strike="noStrike" cap="none" normalizeH="0" baseline="0" smtClean="0">
+                  <a:ln>
+                    <a:noFill/>
+                  </a:ln>
+                  <a:solidFill>
+                    <a:schemeClr val="tx1"/>
+                  </a:solidFill>
+                  <a:effectLst/>
+                  <a:latin typeface="Arial" pitchFamily="34" charset="0"/>
+                  <a:ea typeface="Times New Roman" pitchFamily="18" charset="0"/>
+                  <a:cs typeface="Times New Roman" pitchFamily="18" charset="0"/>
+                </a:rPr>
+                <a:t>Create class and schedules</a:t>
+              </a:r>
+              <a:endParaRPr kumimoji="0" lang="en-US" sz="1200" b="0" i="0" u="none" strike="noStrike" cap="none" normalizeH="0" baseline="0" smtClean="0">
+                <a:ln>
+                  <a:noFill/>
+                </a:ln>
+                <a:solidFill>
+                  <a:schemeClr val="tx1"/>
+                </a:solidFill>
+                <a:effectLst/>
+                <a:latin typeface="Arial" pitchFamily="34" charset="0"/>
+                <a:ea typeface="Times New Roman" pitchFamily="18" charset="0"/>
+                <a:cs typeface="Arial" pitchFamily="34" charset="0"/>
+              </a:endParaRPr>
+            </a:p>
+            <a:p>
+              <a:pPr marL="0" marR="0" lvl="0" indent="0" algn="l" defTabSz="914400" rtl="0" eaLnBrk="0" fontAlgn="base" latinLnBrk="0" hangingPunct="0">
+                <a:lnSpc>
+                  <a:spcPct val="100000"/>
+                </a:lnSpc>
+                <a:spcBef>
+                  <a:spcPct val="0"/>
+                </a:spcBef>
+                <a:spcAft>
+                  <a:spcPct val="0"/>
+                </a:spcAft>
+                <a:buClrTx/>
+                <a:buSzTx/>
+                <a:buFontTx/>
+                <a:buNone/>
+                <a:tabLst/>
+              </a:pPr>
+              <a:endParaRPr kumimoji="0" lang="en-US" sz="1800" b="0" i="0" u="none" strike="noStrike" cap="none" normalizeH="0" baseline="0" smtClean="0">
+                <a:ln>
+                  <a:noFill/>
+                </a:ln>
+                <a:solidFill>
+                  <a:schemeClr val="tx1"/>
+                </a:solidFill>
+                <a:effectLst/>
+                <a:latin typeface="Arial" pitchFamily="34" charset="0"/>
+                <a:cs typeface="Arial" pitchFamily="34" charset="0"/>
+              </a:endParaRPr>
+            </a:p>
+          </p:txBody>
+        </p:sp>
+        <p:sp>
+          <p:nvSpPr>
+            <p:cNvPr id="15" name="Oval 26"/>
+            <p:cNvSpPr>
+              <a:spLocks noChangeArrowheads="1"/>
+            </p:cNvSpPr>
+            <p:nvPr/>
+          </p:nvSpPr>
+          <p:spPr bwMode="auto">
+            <a:xfrm>
+              <a:off x="1455" y="9183"/>
+              <a:ext cx="2757" cy="404"/>
+            </a:xfrm>
+            <a:prstGeom prst="ellipse">
+              <a:avLst/>
+            </a:prstGeom>
+            <a:solidFill>
+              <a:srgbClr val="EAF1DD"/>
+            </a:solidFill>
+            <a:ln w="9525">
+              <a:solidFill>
+                <a:srgbClr val="000000"/>
+              </a:solidFill>
+              <a:round/>
+              <a:headEnd/>
+              <a:tailEnd/>
+            </a:ln>
+          </p:spPr>
+          <p:txBody>
+            <a:bodyPr vert="horz" wrap="square" lIns="91440" tIns="45720" rIns="91440" bIns="45720" numCol="1" anchor="t" anchorCtr="0" compatLnSpc="1">
+              <a:prstTxWarp prst="textNoShape">
+                <a:avLst/>
+              </a:prstTxWarp>
+            </a:bodyPr>
+            <a:lstStyle/>
+            <a:p>
+              <a:pPr marL="0" marR="0" lvl="0" indent="0" algn="ctr" defTabSz="914400" rtl="0" eaLnBrk="1" fontAlgn="base" latinLnBrk="0" hangingPunct="1">
+                <a:lnSpc>
+                  <a:spcPct val="100000"/>
+                </a:lnSpc>
+                <a:spcBef>
+                  <a:spcPct val="0"/>
+                </a:spcBef>
+                <a:spcAft>
+                  <a:spcPct val="0"/>
+                </a:spcAft>
+                <a:buClrTx/>
+                <a:buSzTx/>
+                <a:buFontTx/>
+                <a:buNone/>
+                <a:tabLst/>
+              </a:pPr>
+              <a:r>
+                <a:rPr kumimoji="0" lang="en-US" sz="800" b="1" i="0" u="none" strike="noStrike" cap="none" normalizeH="0" baseline="0" smtClean="0">
+                  <a:ln>
+                    <a:noFill/>
+                  </a:ln>
+                  <a:solidFill>
+                    <a:schemeClr val="tx1"/>
+                  </a:solidFill>
+                  <a:effectLst/>
+                  <a:latin typeface="Arial" pitchFamily="34" charset="0"/>
+                  <a:ea typeface="Times New Roman" pitchFamily="18" charset="0"/>
+                  <a:cs typeface="Times New Roman" pitchFamily="18" charset="0"/>
+                </a:rPr>
+                <a:t>View Ad-hoc reports</a:t>
+              </a:r>
+              <a:endParaRPr kumimoji="0" lang="en-US" sz="1800" b="0" i="0" u="none" strike="noStrike" cap="none" normalizeH="0" baseline="0" smtClean="0">
+                <a:ln>
+                  <a:noFill/>
+                </a:ln>
+                <a:solidFill>
+                  <a:schemeClr val="tx1"/>
+                </a:solidFill>
+                <a:effectLst/>
+                <a:latin typeface="Arial" pitchFamily="34" charset="0"/>
+                <a:cs typeface="Arial" pitchFamily="34" charset="0"/>
+              </a:endParaRPr>
+            </a:p>
+          </p:txBody>
+        </p:sp>
+        <p:sp>
+          <p:nvSpPr>
+            <p:cNvPr id="16" name="Oval 27"/>
+            <p:cNvSpPr>
+              <a:spLocks noChangeArrowheads="1"/>
+            </p:cNvSpPr>
+            <p:nvPr/>
+          </p:nvSpPr>
+          <p:spPr bwMode="auto">
+            <a:xfrm>
+              <a:off x="1965" y="10322"/>
+              <a:ext cx="2175" cy="421"/>
+            </a:xfrm>
+            <a:prstGeom prst="ellipse">
+              <a:avLst/>
+            </a:prstGeom>
+            <a:solidFill>
+              <a:srgbClr val="EAF1DD"/>
+            </a:solidFill>
+            <a:ln w="9525">
+              <a:solidFill>
+                <a:srgbClr val="000000"/>
+              </a:solidFill>
+              <a:round/>
+              <a:headEnd/>
+              <a:tailEnd/>
+            </a:ln>
+          </p:spPr>
+          <p:txBody>
+            <a:bodyPr vert="horz" wrap="square" lIns="91440" tIns="45720" rIns="91440" bIns="45720" numCol="1" anchor="t" anchorCtr="0" compatLnSpc="1">
+              <a:prstTxWarp prst="textNoShape">
+                <a:avLst/>
+              </a:prstTxWarp>
+            </a:bodyPr>
+            <a:lstStyle/>
+            <a:p>
+              <a:pPr marL="0" marR="0" lvl="0" indent="0" algn="ctr" defTabSz="914400" rtl="0" eaLnBrk="1" fontAlgn="base" latinLnBrk="0" hangingPunct="1">
+                <a:lnSpc>
+                  <a:spcPct val="100000"/>
+                </a:lnSpc>
+                <a:spcBef>
+                  <a:spcPct val="0"/>
+                </a:spcBef>
+                <a:spcAft>
+                  <a:spcPct val="0"/>
+                </a:spcAft>
+                <a:buClrTx/>
+                <a:buSzTx/>
+                <a:buFontTx/>
+                <a:buNone/>
+                <a:tabLst/>
+              </a:pPr>
+              <a:r>
+                <a:rPr kumimoji="0" lang="en-US" sz="800" b="1" i="0" u="none" strike="noStrike" cap="none" normalizeH="0" baseline="0" smtClean="0">
+                  <a:ln>
+                    <a:noFill/>
+                  </a:ln>
+                  <a:solidFill>
+                    <a:schemeClr val="tx1"/>
+                  </a:solidFill>
+                  <a:effectLst/>
+                  <a:latin typeface="Arial" pitchFamily="34" charset="0"/>
+                  <a:ea typeface="Times New Roman" pitchFamily="18" charset="0"/>
+                  <a:cs typeface="Times New Roman" pitchFamily="18" charset="0"/>
+                </a:rPr>
+                <a:t>Log Out</a:t>
+              </a:r>
+              <a:endParaRPr kumimoji="0" lang="en-US" sz="1800" b="0" i="0" u="none" strike="noStrike" cap="none" normalizeH="0" baseline="0" smtClean="0">
+                <a:ln>
+                  <a:noFill/>
+                </a:ln>
+                <a:solidFill>
+                  <a:schemeClr val="tx1"/>
+                </a:solidFill>
+                <a:effectLst/>
+                <a:latin typeface="Arial" pitchFamily="34" charset="0"/>
+                <a:cs typeface="Arial" pitchFamily="34" charset="0"/>
+              </a:endParaRPr>
+            </a:p>
+          </p:txBody>
+        </p:sp>
+        <p:sp>
+          <p:nvSpPr>
+            <p:cNvPr id="17" name="Oval 28"/>
+            <p:cNvSpPr>
+              <a:spLocks noChangeArrowheads="1"/>
+            </p:cNvSpPr>
+            <p:nvPr/>
+          </p:nvSpPr>
+          <p:spPr bwMode="auto">
+            <a:xfrm>
+              <a:off x="1502" y="7634"/>
+              <a:ext cx="2758" cy="465"/>
+            </a:xfrm>
+            <a:prstGeom prst="ellipse">
+              <a:avLst/>
+            </a:prstGeom>
+            <a:solidFill>
+              <a:srgbClr val="EAF1DD"/>
+            </a:solidFill>
+            <a:ln w="9525">
+              <a:solidFill>
+                <a:srgbClr val="000000"/>
+              </a:solidFill>
+              <a:round/>
+              <a:headEnd/>
+              <a:tailEnd/>
+            </a:ln>
+          </p:spPr>
+          <p:txBody>
+            <a:bodyPr vert="horz" wrap="square" lIns="91440" tIns="45720" rIns="91440" bIns="45720" numCol="1" anchor="t" anchorCtr="0" compatLnSpc="1">
+              <a:prstTxWarp prst="textNoShape">
+                <a:avLst/>
+              </a:prstTxWarp>
+            </a:bodyPr>
+            <a:lstStyle/>
+            <a:p>
+              <a:pPr marL="0" marR="0" lvl="0" indent="0" algn="ctr" defTabSz="914400" rtl="0" eaLnBrk="1" fontAlgn="base" latinLnBrk="0" hangingPunct="1">
+                <a:lnSpc>
+                  <a:spcPct val="100000"/>
+                </a:lnSpc>
+                <a:spcBef>
+                  <a:spcPct val="0"/>
+                </a:spcBef>
+                <a:spcAft>
+                  <a:spcPct val="0"/>
+                </a:spcAft>
+                <a:buClrTx/>
+                <a:buSzTx/>
+                <a:buFontTx/>
+                <a:buNone/>
+                <a:tabLst/>
+              </a:pPr>
+              <a:r>
+                <a:rPr kumimoji="0" lang="en-US" sz="800" b="1" i="0" u="none" strike="noStrike" cap="none" normalizeH="0" baseline="0" smtClean="0">
+                  <a:ln>
+                    <a:noFill/>
+                  </a:ln>
+                  <a:solidFill>
+                    <a:schemeClr val="tx1"/>
+                  </a:solidFill>
+                  <a:effectLst/>
+                  <a:latin typeface="Arial" pitchFamily="34" charset="0"/>
+                  <a:ea typeface="Times New Roman" pitchFamily="18" charset="0"/>
+                  <a:cs typeface="Times New Roman" pitchFamily="18" charset="0"/>
+                </a:rPr>
+                <a:t>View student records</a:t>
+              </a:r>
+              <a:endParaRPr kumimoji="0" lang="en-US" sz="1800" b="0" i="0" u="none" strike="noStrike" cap="none" normalizeH="0" baseline="0" smtClean="0">
+                <a:ln>
+                  <a:noFill/>
+                </a:ln>
+                <a:solidFill>
+                  <a:schemeClr val="tx1"/>
+                </a:solidFill>
+                <a:effectLst/>
+                <a:latin typeface="Arial" pitchFamily="34" charset="0"/>
+                <a:cs typeface="Arial" pitchFamily="34" charset="0"/>
+              </a:endParaRPr>
+            </a:p>
+          </p:txBody>
+        </p:sp>
+        <p:sp>
+          <p:nvSpPr>
+            <p:cNvPr id="18" name="Oval 29"/>
+            <p:cNvSpPr>
+              <a:spLocks noChangeArrowheads="1"/>
+            </p:cNvSpPr>
+            <p:nvPr/>
+          </p:nvSpPr>
+          <p:spPr bwMode="auto">
+            <a:xfrm>
+              <a:off x="1455" y="8706"/>
+              <a:ext cx="2805" cy="386"/>
+            </a:xfrm>
+            <a:prstGeom prst="ellipse">
+              <a:avLst/>
+            </a:prstGeom>
+            <a:solidFill>
+              <a:srgbClr val="EAF1DD"/>
+            </a:solidFill>
+            <a:ln w="9525">
+              <a:solidFill>
+                <a:srgbClr val="000000"/>
+              </a:solidFill>
+              <a:round/>
+              <a:headEnd/>
+              <a:tailEnd/>
+            </a:ln>
+          </p:spPr>
+          <p:txBody>
+            <a:bodyPr vert="horz" wrap="square" lIns="91440" tIns="45720" rIns="91440" bIns="45720" numCol="1" anchor="t" anchorCtr="0" compatLnSpc="1">
+              <a:prstTxWarp prst="textNoShape">
+                <a:avLst/>
+              </a:prstTxWarp>
+            </a:bodyPr>
+            <a:lstStyle/>
+            <a:p>
+              <a:pPr marL="0" marR="0" lvl="0" indent="0" algn="ctr" defTabSz="914400" rtl="0" eaLnBrk="1" fontAlgn="base" latinLnBrk="0" hangingPunct="1">
+                <a:lnSpc>
+                  <a:spcPct val="100000"/>
+                </a:lnSpc>
+                <a:spcBef>
+                  <a:spcPct val="0"/>
+                </a:spcBef>
+                <a:spcAft>
+                  <a:spcPct val="0"/>
+                </a:spcAft>
+                <a:buClrTx/>
+                <a:buSzTx/>
+                <a:buFontTx/>
+                <a:buNone/>
+                <a:tabLst/>
+              </a:pPr>
+              <a:r>
+                <a:rPr kumimoji="0" lang="en-US" sz="800" b="1" i="0" u="none" strike="noStrike" cap="none" normalizeH="0" baseline="0" smtClean="0">
+                  <a:ln>
+                    <a:noFill/>
+                  </a:ln>
+                  <a:solidFill>
+                    <a:schemeClr val="tx1"/>
+                  </a:solidFill>
+                  <a:effectLst/>
+                  <a:latin typeface="Arial" pitchFamily="34" charset="0"/>
+                  <a:ea typeface="Times New Roman" pitchFamily="18" charset="0"/>
+                  <a:cs typeface="Times New Roman" pitchFamily="18" charset="0"/>
+                </a:rPr>
+                <a:t>Handle State reports</a:t>
+              </a:r>
+              <a:endParaRPr kumimoji="0" lang="en-US" sz="1800" b="0" i="0" u="none" strike="noStrike" cap="none" normalizeH="0" baseline="0" smtClean="0">
+                <a:ln>
+                  <a:noFill/>
+                </a:ln>
+                <a:solidFill>
+                  <a:schemeClr val="tx1"/>
+                </a:solidFill>
+                <a:effectLst/>
+                <a:latin typeface="Arial" pitchFamily="34" charset="0"/>
+                <a:cs typeface="Arial" pitchFamily="34" charset="0"/>
+              </a:endParaRPr>
+            </a:p>
+          </p:txBody>
+        </p:sp>
+        <p:sp>
+          <p:nvSpPr>
+            <p:cNvPr id="19" name="Oval 30"/>
+            <p:cNvSpPr>
+              <a:spLocks noChangeArrowheads="1"/>
+            </p:cNvSpPr>
+            <p:nvPr/>
+          </p:nvSpPr>
+          <p:spPr bwMode="auto">
+            <a:xfrm>
+              <a:off x="8233" y="1486"/>
+              <a:ext cx="2934" cy="383"/>
+            </a:xfrm>
+            <a:prstGeom prst="ellipse">
+              <a:avLst/>
+            </a:prstGeom>
+            <a:solidFill>
+              <a:srgbClr val="EAF1DD"/>
+            </a:solidFill>
+            <a:ln w="9525">
+              <a:solidFill>
+                <a:srgbClr val="000000"/>
+              </a:solidFill>
+              <a:round/>
+              <a:headEnd/>
+              <a:tailEnd/>
+            </a:ln>
+          </p:spPr>
+          <p:txBody>
+            <a:bodyPr vert="horz" wrap="square" lIns="91440" tIns="45720" rIns="91440" bIns="45720" numCol="1" anchor="t" anchorCtr="0" compatLnSpc="1">
+              <a:prstTxWarp prst="textNoShape">
+                <a:avLst/>
+              </a:prstTxWarp>
+            </a:bodyPr>
+            <a:lstStyle/>
+            <a:p>
+              <a:pPr marL="0" marR="0" lvl="0" indent="0" algn="ctr" defTabSz="914400" rtl="0" eaLnBrk="1" fontAlgn="base" latinLnBrk="0" hangingPunct="1">
+                <a:lnSpc>
+                  <a:spcPct val="100000"/>
+                </a:lnSpc>
+                <a:spcBef>
+                  <a:spcPct val="0"/>
+                </a:spcBef>
+                <a:spcAft>
+                  <a:spcPct val="0"/>
+                </a:spcAft>
+                <a:buClrTx/>
+                <a:buSzTx/>
+                <a:buFontTx/>
+                <a:buNone/>
+                <a:tabLst/>
+              </a:pPr>
+              <a:r>
+                <a:rPr kumimoji="0" lang="en-US" sz="800" b="1" i="0" u="none" strike="noStrike" cap="none" normalizeH="0" baseline="0" smtClean="0">
+                  <a:ln>
+                    <a:noFill/>
+                  </a:ln>
+                  <a:solidFill>
+                    <a:schemeClr val="tx1"/>
+                  </a:solidFill>
+                  <a:effectLst/>
+                  <a:latin typeface="Arial" pitchFamily="34" charset="0"/>
+                  <a:ea typeface="Times New Roman" pitchFamily="18" charset="0"/>
+                  <a:cs typeface="Times New Roman" pitchFamily="18" charset="0"/>
+                </a:rPr>
+                <a:t>View attendance</a:t>
+              </a:r>
+              <a:endParaRPr kumimoji="0" lang="en-US" sz="1800" b="0" i="0" u="none" strike="noStrike" cap="none" normalizeH="0" baseline="0" smtClean="0">
+                <a:ln>
+                  <a:noFill/>
+                </a:ln>
+                <a:solidFill>
+                  <a:schemeClr val="tx1"/>
+                </a:solidFill>
+                <a:effectLst/>
+                <a:latin typeface="Arial" pitchFamily="34" charset="0"/>
+                <a:cs typeface="Arial" pitchFamily="34" charset="0"/>
+              </a:endParaRPr>
+            </a:p>
+          </p:txBody>
+        </p:sp>
+        <p:sp>
+          <p:nvSpPr>
+            <p:cNvPr id="20" name="Oval 31"/>
+            <p:cNvSpPr>
+              <a:spLocks noChangeArrowheads="1"/>
+            </p:cNvSpPr>
+            <p:nvPr/>
+          </p:nvSpPr>
+          <p:spPr bwMode="auto">
+            <a:xfrm>
+              <a:off x="8359" y="2353"/>
+              <a:ext cx="2775" cy="384"/>
+            </a:xfrm>
+            <a:prstGeom prst="ellipse">
+              <a:avLst/>
+            </a:prstGeom>
+            <a:solidFill>
+              <a:srgbClr val="EAF1DD"/>
+            </a:solidFill>
+            <a:ln w="9525">
+              <a:solidFill>
+                <a:srgbClr val="000000"/>
+              </a:solidFill>
+              <a:round/>
+              <a:headEnd/>
+              <a:tailEnd/>
+            </a:ln>
+          </p:spPr>
+          <p:txBody>
+            <a:bodyPr vert="horz" wrap="square" lIns="91440" tIns="45720" rIns="91440" bIns="45720" numCol="1" anchor="t" anchorCtr="0" compatLnSpc="1">
+              <a:prstTxWarp prst="textNoShape">
+                <a:avLst/>
+              </a:prstTxWarp>
+            </a:bodyPr>
+            <a:lstStyle/>
+            <a:p>
+              <a:pPr marL="0" marR="0" lvl="0" indent="0" algn="ctr" defTabSz="914400" rtl="0" eaLnBrk="1" fontAlgn="base" latinLnBrk="0" hangingPunct="1">
+                <a:lnSpc>
+                  <a:spcPct val="100000"/>
+                </a:lnSpc>
+                <a:spcBef>
+                  <a:spcPct val="0"/>
+                </a:spcBef>
+                <a:spcAft>
+                  <a:spcPct val="0"/>
+                </a:spcAft>
+                <a:buClrTx/>
+                <a:buSzTx/>
+                <a:buFontTx/>
+                <a:buNone/>
+                <a:tabLst/>
+              </a:pPr>
+              <a:r>
+                <a:rPr kumimoji="0" lang="en-US" sz="800" b="1" i="0" u="none" strike="noStrike" cap="none" normalizeH="0" baseline="0" smtClean="0">
+                  <a:ln>
+                    <a:noFill/>
+                  </a:ln>
+                  <a:solidFill>
+                    <a:schemeClr val="tx1"/>
+                  </a:solidFill>
+                  <a:effectLst/>
+                  <a:latin typeface="Arial" pitchFamily="34" charset="0"/>
+                  <a:ea typeface="Times New Roman" pitchFamily="18" charset="0"/>
+                  <a:cs typeface="Times New Roman" pitchFamily="18" charset="0"/>
+                </a:rPr>
+                <a:t>View progress</a:t>
+              </a:r>
+              <a:endParaRPr kumimoji="0" lang="en-US" sz="1800" b="0" i="0" u="none" strike="noStrike" cap="none" normalizeH="0" baseline="0" smtClean="0">
+                <a:ln>
+                  <a:noFill/>
+                </a:ln>
+                <a:solidFill>
+                  <a:schemeClr val="tx1"/>
+                </a:solidFill>
+                <a:effectLst/>
+                <a:latin typeface="Arial" pitchFamily="34" charset="0"/>
+                <a:cs typeface="Arial" pitchFamily="34" charset="0"/>
+              </a:endParaRPr>
+            </a:p>
+          </p:txBody>
+        </p:sp>
+        <p:sp>
+          <p:nvSpPr>
+            <p:cNvPr id="21" name="Oval 33"/>
+            <p:cNvSpPr>
+              <a:spLocks noChangeArrowheads="1"/>
+            </p:cNvSpPr>
+            <p:nvPr/>
+          </p:nvSpPr>
+          <p:spPr bwMode="auto">
+            <a:xfrm>
+              <a:off x="8388" y="4186"/>
+              <a:ext cx="2703" cy="697"/>
+            </a:xfrm>
+            <a:prstGeom prst="ellipse">
+              <a:avLst/>
+            </a:prstGeom>
+            <a:solidFill>
+              <a:srgbClr val="EAF1DD"/>
+            </a:solidFill>
+            <a:ln w="9525">
+              <a:solidFill>
+                <a:srgbClr val="000000"/>
+              </a:solidFill>
+              <a:round/>
+              <a:headEnd/>
+              <a:tailEnd/>
+            </a:ln>
+          </p:spPr>
+          <p:txBody>
+            <a:bodyPr vert="horz" wrap="square" lIns="91440" tIns="45720" rIns="91440" bIns="45720" numCol="1" anchor="t" anchorCtr="0" compatLnSpc="1">
+              <a:prstTxWarp prst="textNoShape">
+                <a:avLst/>
+              </a:prstTxWarp>
+            </a:bodyPr>
+            <a:lstStyle/>
+            <a:p>
+              <a:pPr marL="0" marR="0" lvl="0" indent="0" algn="ctr" defTabSz="914400" rtl="0" eaLnBrk="1" fontAlgn="base" latinLnBrk="0" hangingPunct="1">
+                <a:lnSpc>
+                  <a:spcPct val="100000"/>
+                </a:lnSpc>
+                <a:spcBef>
+                  <a:spcPct val="0"/>
+                </a:spcBef>
+                <a:spcAft>
+                  <a:spcPct val="0"/>
+                </a:spcAft>
+                <a:buClrTx/>
+                <a:buSzTx/>
+                <a:buFontTx/>
+                <a:buNone/>
+                <a:tabLst/>
+              </a:pPr>
+              <a:r>
+                <a:rPr kumimoji="0" lang="en-US" sz="800" b="1" i="0" u="none" strike="noStrike" cap="none" normalizeH="0" baseline="0" smtClean="0">
+                  <a:ln>
+                    <a:noFill/>
+                  </a:ln>
+                  <a:solidFill>
+                    <a:schemeClr val="tx1"/>
+                  </a:solidFill>
+                  <a:effectLst/>
+                  <a:latin typeface="Arial" pitchFamily="34" charset="0"/>
+                  <a:ea typeface="Times New Roman" pitchFamily="18" charset="0"/>
+                  <a:cs typeface="Times New Roman" pitchFamily="18" charset="0"/>
+                </a:rPr>
+                <a:t>Set objectives to IEP student</a:t>
+              </a:r>
+              <a:endParaRPr kumimoji="0" lang="en-US" sz="1800" b="0" i="0" u="none" strike="noStrike" cap="none" normalizeH="0" baseline="0" smtClean="0">
+                <a:ln>
+                  <a:noFill/>
+                </a:ln>
+                <a:solidFill>
+                  <a:schemeClr val="tx1"/>
+                </a:solidFill>
+                <a:effectLst/>
+                <a:latin typeface="Arial" pitchFamily="34" charset="0"/>
+                <a:cs typeface="Arial" pitchFamily="34" charset="0"/>
+              </a:endParaRPr>
+            </a:p>
+          </p:txBody>
+        </p:sp>
+        <p:sp>
+          <p:nvSpPr>
+            <p:cNvPr id="22" name="Text Box 50"/>
+            <p:cNvSpPr txBox="1">
+              <a:spLocks noChangeArrowheads="1"/>
+            </p:cNvSpPr>
+            <p:nvPr/>
+          </p:nvSpPr>
+          <p:spPr bwMode="auto">
+            <a:xfrm>
+              <a:off x="5580" y="4978"/>
+              <a:ext cx="1622" cy="747"/>
+            </a:xfrm>
+            <a:prstGeom prst="rect">
+              <a:avLst/>
+            </a:prstGeom>
+            <a:noFill/>
+            <a:ln>
+              <a:noFill/>
+            </a:ln>
+            <a:extLst>
+              <a:ext uri="{909E8E84-426E-40DD-AFC4-6F175D3DCCD1}">
+                <a14:hiddenFill xmlns:a14="http://schemas.microsoft.com/office/drawing/2010/main">
+                  <a:solidFill>
+                    <a:srgbClr val="FFFFFF"/>
+                  </a:solidFill>
+                </a14:hiddenFill>
+              </a:ext>
+              <a:ext uri="{91240B29-F687-4F45-9708-019B960494DF}">
+                <a14:hiddenLine xmlns:a14="http://schemas.microsoft.com/office/drawing/2010/main" w="9525">
+                  <a:solidFill>
+                    <a:srgbClr val="000000"/>
+                  </a:solidFill>
+                  <a:miter lim="800000"/>
+                  <a:headEnd/>
+                  <a:tailEnd/>
+                </a14:hiddenLine>
+              </a:ext>
+            </a:extLst>
+          </p:spPr>
+          <p:txBody>
+            <a:bodyPr vert="horz" wrap="square" lIns="91440" tIns="45720" rIns="91440" bIns="45720" numCol="1" anchor="t" anchorCtr="0" compatLnSpc="1">
+              <a:prstTxWarp prst="textNoShape">
+                <a:avLst/>
+              </a:prstTxWarp>
+            </a:bodyPr>
+            <a:lstStyle/>
+            <a:p>
+              <a:pPr marL="0" marR="0" lvl="0" indent="0" algn="ctr" defTabSz="914400" rtl="0" eaLnBrk="1" fontAlgn="base" latinLnBrk="0" hangingPunct="1">
+                <a:lnSpc>
+                  <a:spcPct val="100000"/>
+                </a:lnSpc>
+                <a:spcBef>
+                  <a:spcPct val="0"/>
+                </a:spcBef>
+                <a:spcAft>
+                  <a:spcPct val="0"/>
+                </a:spcAft>
+                <a:buClrTx/>
+                <a:buSzTx/>
+                <a:buFontTx/>
+                <a:buNone/>
+                <a:tabLst/>
+              </a:pPr>
+              <a:r>
+                <a:rPr kumimoji="0" lang="en-US" sz="1200" b="0" i="0" u="none" strike="noStrike" cap="none" normalizeH="0" baseline="0" smtClean="0">
+                  <a:ln>
+                    <a:noFill/>
+                  </a:ln>
+                  <a:solidFill>
+                    <a:schemeClr val="tx1"/>
+                  </a:solidFill>
+                  <a:effectLst/>
+                  <a:latin typeface="Arial" pitchFamily="34" charset="0"/>
+                  <a:ea typeface="Times New Roman" pitchFamily="18" charset="0"/>
+                  <a:cs typeface="Times New Roman" pitchFamily="18" charset="0"/>
+                </a:rPr>
+                <a:t>Administrative User</a:t>
+              </a:r>
+              <a:endParaRPr kumimoji="0" lang="en-US" sz="1800" b="0" i="0" u="none" strike="noStrike" cap="none" normalizeH="0" baseline="0" smtClean="0">
+                <a:ln>
+                  <a:noFill/>
+                </a:ln>
+                <a:solidFill>
+                  <a:schemeClr val="tx1"/>
+                </a:solidFill>
+                <a:effectLst/>
+                <a:latin typeface="Arial" pitchFamily="34" charset="0"/>
+                <a:cs typeface="Arial" pitchFamily="34" charset="0"/>
+              </a:endParaRPr>
+            </a:p>
+          </p:txBody>
+        </p:sp>
+        <p:sp>
+          <p:nvSpPr>
+            <p:cNvPr id="23" name="Text Box 51"/>
+            <p:cNvSpPr txBox="1">
+              <a:spLocks noChangeArrowheads="1"/>
+            </p:cNvSpPr>
+            <p:nvPr/>
+          </p:nvSpPr>
+          <p:spPr bwMode="auto">
+            <a:xfrm>
+              <a:off x="5982" y="14040"/>
+              <a:ext cx="1675" cy="395"/>
+            </a:xfrm>
+            <a:prstGeom prst="rect">
+              <a:avLst/>
+            </a:prstGeom>
+            <a:noFill/>
+            <a:ln>
+              <a:noFill/>
+            </a:ln>
+            <a:extLst>
+              <a:ext uri="{909E8E84-426E-40DD-AFC4-6F175D3DCCD1}">
+                <a14:hiddenFill xmlns:a14="http://schemas.microsoft.com/office/drawing/2010/main">
+                  <a:solidFill>
+                    <a:srgbClr val="FFFFFF"/>
+                  </a:solidFill>
+                </a14:hiddenFill>
+              </a:ext>
+              <a:ext uri="{91240B29-F687-4F45-9708-019B960494DF}">
+                <a14:hiddenLine xmlns:a14="http://schemas.microsoft.com/office/drawing/2010/main" w="9525">
+                  <a:solidFill>
+                    <a:srgbClr val="000000"/>
+                  </a:solidFill>
+                  <a:miter lim="800000"/>
+                  <a:headEnd/>
+                  <a:tailEnd/>
+                </a14:hiddenLine>
+              </a:ext>
+            </a:extLst>
+          </p:spPr>
+          <p:txBody>
+            <a:bodyPr vert="horz" wrap="square" lIns="91440" tIns="45720" rIns="91440" bIns="45720" numCol="1" anchor="t" anchorCtr="0" compatLnSpc="1">
+              <a:prstTxWarp prst="textNoShape">
+                <a:avLst/>
+              </a:prstTxWarp>
+            </a:bodyPr>
+            <a:lstStyle/>
+            <a:p>
+              <a:pPr marL="0" marR="0" lvl="0" indent="0" algn="r" defTabSz="914400" rtl="0" eaLnBrk="1" fontAlgn="base" latinLnBrk="0" hangingPunct="1">
+                <a:lnSpc>
+                  <a:spcPct val="100000"/>
+                </a:lnSpc>
+                <a:spcBef>
+                  <a:spcPct val="0"/>
+                </a:spcBef>
+                <a:spcAft>
+                  <a:spcPct val="0"/>
+                </a:spcAft>
+                <a:buClrTx/>
+                <a:buSzTx/>
+                <a:buFontTx/>
+                <a:buNone/>
+                <a:tabLst/>
+              </a:pPr>
+              <a:r>
+                <a:rPr kumimoji="0" lang="en-US" sz="1200" b="0" i="0" u="none" strike="noStrike" cap="none" normalizeH="0" baseline="0" smtClean="0">
+                  <a:ln>
+                    <a:noFill/>
+                  </a:ln>
+                  <a:solidFill>
+                    <a:schemeClr val="tx1"/>
+                  </a:solidFill>
+                  <a:effectLst/>
+                  <a:latin typeface="Arial" pitchFamily="34" charset="0"/>
+                  <a:ea typeface="Times New Roman" pitchFamily="18" charset="0"/>
+                  <a:cs typeface="Times New Roman" pitchFamily="18" charset="0"/>
+                </a:rPr>
+                <a:t>Parent/Student</a:t>
+              </a:r>
+              <a:endParaRPr kumimoji="0" lang="en-US" sz="1800" b="0" i="0" u="none" strike="noStrike" cap="none" normalizeH="0" baseline="0" smtClean="0">
+                <a:ln>
+                  <a:noFill/>
+                </a:ln>
+                <a:solidFill>
+                  <a:schemeClr val="tx1"/>
+                </a:solidFill>
+                <a:effectLst/>
+                <a:latin typeface="Arial" pitchFamily="34" charset="0"/>
+                <a:cs typeface="Arial" pitchFamily="34" charset="0"/>
+              </a:endParaRPr>
+            </a:p>
+          </p:txBody>
+        </p:sp>
+        <p:sp>
+          <p:nvSpPr>
+            <p:cNvPr id="24" name="Text Box 52"/>
+            <p:cNvSpPr txBox="1">
+              <a:spLocks noChangeArrowheads="1"/>
+            </p:cNvSpPr>
+            <p:nvPr/>
+          </p:nvSpPr>
+          <p:spPr bwMode="auto">
+            <a:xfrm>
+              <a:off x="6435" y="7921"/>
+              <a:ext cx="1132" cy="437"/>
+            </a:xfrm>
+            <a:prstGeom prst="rect">
+              <a:avLst/>
+            </a:prstGeom>
+            <a:noFill/>
+            <a:ln>
+              <a:noFill/>
+            </a:ln>
+            <a:extLst>
+              <a:ext uri="{909E8E84-426E-40DD-AFC4-6F175D3DCCD1}">
+                <a14:hiddenFill xmlns:a14="http://schemas.microsoft.com/office/drawing/2010/main">
+                  <a:solidFill>
+                    <a:srgbClr val="FFFFFF"/>
+                  </a:solidFill>
+                </a14:hiddenFill>
+              </a:ext>
+              <a:ext uri="{91240B29-F687-4F45-9708-019B960494DF}">
+                <a14:hiddenLine xmlns:a14="http://schemas.microsoft.com/office/drawing/2010/main" w="9525">
+                  <a:solidFill>
+                    <a:srgbClr val="000000"/>
+                  </a:solidFill>
+                  <a:miter lim="800000"/>
+                  <a:headEnd/>
+                  <a:tailEnd/>
+                </a14:hiddenLine>
+              </a:ext>
+            </a:extLst>
+          </p:spPr>
+          <p:txBody>
+            <a:bodyPr vert="horz" wrap="square" lIns="91440" tIns="45720" rIns="91440" bIns="45720" numCol="1" anchor="t" anchorCtr="0" compatLnSpc="1">
+              <a:prstTxWarp prst="textNoShape">
+                <a:avLst/>
+              </a:prstTxWarp>
+            </a:bodyPr>
+            <a:lstStyle/>
+            <a:p>
+              <a:pPr marL="0" marR="0" lvl="0" indent="0" algn="r" defTabSz="914400" rtl="0" eaLnBrk="1" fontAlgn="base" latinLnBrk="0" hangingPunct="1">
+                <a:lnSpc>
+                  <a:spcPct val="100000"/>
+                </a:lnSpc>
+                <a:spcBef>
+                  <a:spcPct val="0"/>
+                </a:spcBef>
+                <a:spcAft>
+                  <a:spcPct val="0"/>
+                </a:spcAft>
+                <a:buClrTx/>
+                <a:buSzTx/>
+                <a:buFontTx/>
+                <a:buNone/>
+                <a:tabLst/>
+              </a:pPr>
+              <a:r>
+                <a:rPr kumimoji="0" lang="en-US" sz="1200" b="0" i="0" u="none" strike="noStrike" cap="none" normalizeH="0" baseline="0" smtClean="0">
+                  <a:ln>
+                    <a:noFill/>
+                  </a:ln>
+                  <a:solidFill>
+                    <a:schemeClr val="tx1"/>
+                  </a:solidFill>
+                  <a:effectLst/>
+                  <a:latin typeface="Arial" pitchFamily="34" charset="0"/>
+                  <a:ea typeface="Times New Roman" pitchFamily="18" charset="0"/>
+                  <a:cs typeface="Times New Roman" pitchFamily="18" charset="0"/>
+                </a:rPr>
+                <a:t>Teacher</a:t>
+              </a:r>
+              <a:endParaRPr kumimoji="0" lang="en-US" sz="1800" b="0" i="0" u="none" strike="noStrike" cap="none" normalizeH="0" baseline="0" smtClean="0">
+                <a:ln>
+                  <a:noFill/>
+                </a:ln>
+                <a:solidFill>
+                  <a:schemeClr val="tx1"/>
+                </a:solidFill>
+                <a:effectLst/>
+                <a:latin typeface="Arial" pitchFamily="34" charset="0"/>
+                <a:cs typeface="Arial" pitchFamily="34" charset="0"/>
+              </a:endParaRPr>
+            </a:p>
+          </p:txBody>
+        </p:sp>
+        <p:sp>
+          <p:nvSpPr>
+            <p:cNvPr id="25" name="Oval 52"/>
+            <p:cNvSpPr>
+              <a:spLocks noChangeArrowheads="1"/>
+            </p:cNvSpPr>
+            <p:nvPr/>
+          </p:nvSpPr>
+          <p:spPr bwMode="auto">
+            <a:xfrm>
+              <a:off x="8303" y="13001"/>
+              <a:ext cx="2788" cy="484"/>
+            </a:xfrm>
+            <a:prstGeom prst="ellipse">
+              <a:avLst/>
+            </a:prstGeom>
+            <a:solidFill>
+              <a:srgbClr val="EAF1DD"/>
+            </a:solidFill>
+            <a:ln w="9525">
+              <a:solidFill>
+                <a:srgbClr val="000000"/>
+              </a:solidFill>
+              <a:round/>
+              <a:headEnd/>
+              <a:tailEnd/>
+            </a:ln>
+          </p:spPr>
+          <p:txBody>
+            <a:bodyPr vert="horz" wrap="square" lIns="91440" tIns="45720" rIns="91440" bIns="45720" numCol="1" anchor="t" anchorCtr="0" compatLnSpc="1">
+              <a:prstTxWarp prst="textNoShape">
+                <a:avLst/>
+              </a:prstTxWarp>
+            </a:bodyPr>
+            <a:lstStyle/>
+            <a:p>
+              <a:pPr marL="0" marR="0" lvl="0" indent="0" algn="ctr" defTabSz="914400" rtl="0" eaLnBrk="1" fontAlgn="base" latinLnBrk="0" hangingPunct="1">
+                <a:lnSpc>
+                  <a:spcPct val="100000"/>
+                </a:lnSpc>
+                <a:spcBef>
+                  <a:spcPct val="0"/>
+                </a:spcBef>
+                <a:spcAft>
+                  <a:spcPct val="0"/>
+                </a:spcAft>
+                <a:buClrTx/>
+                <a:buSzTx/>
+                <a:buFontTx/>
+                <a:buNone/>
+                <a:tabLst/>
+              </a:pPr>
+              <a:r>
+                <a:rPr kumimoji="0" lang="en-US" sz="800" b="1" i="0" u="none" strike="noStrike" cap="none" normalizeH="0" baseline="0" smtClean="0">
+                  <a:ln>
+                    <a:noFill/>
+                  </a:ln>
+                  <a:solidFill>
+                    <a:schemeClr val="tx1"/>
+                  </a:solidFill>
+                  <a:effectLst/>
+                  <a:latin typeface="Calibri" pitchFamily="34" charset="0"/>
+                  <a:ea typeface="Times New Roman" pitchFamily="18" charset="0"/>
+                  <a:cs typeface="Arial" pitchFamily="34" charset="0"/>
+                </a:rPr>
+                <a:t>View attendance</a:t>
+              </a:r>
+              <a:endParaRPr kumimoji="0" lang="en-US" sz="1800" b="0" i="0" u="none" strike="noStrike" cap="none" normalizeH="0" baseline="0" smtClean="0">
+                <a:ln>
+                  <a:noFill/>
+                </a:ln>
+                <a:solidFill>
+                  <a:schemeClr val="tx1"/>
+                </a:solidFill>
+                <a:effectLst/>
+                <a:latin typeface="Arial" pitchFamily="34" charset="0"/>
+                <a:cs typeface="Arial" pitchFamily="34" charset="0"/>
+              </a:endParaRPr>
+            </a:p>
+          </p:txBody>
+        </p:sp>
+        <p:sp>
+          <p:nvSpPr>
+            <p:cNvPr id="26" name="Oval 56"/>
+            <p:cNvSpPr>
+              <a:spLocks noChangeArrowheads="1"/>
+            </p:cNvSpPr>
+            <p:nvPr/>
+          </p:nvSpPr>
+          <p:spPr bwMode="auto">
+            <a:xfrm>
+              <a:off x="1483" y="13112"/>
+              <a:ext cx="2296" cy="692"/>
+            </a:xfrm>
+            <a:prstGeom prst="ellipse">
+              <a:avLst/>
+            </a:prstGeom>
+            <a:solidFill>
+              <a:srgbClr val="EAF1DD"/>
+            </a:solidFill>
+            <a:ln w="9525">
+              <a:solidFill>
+                <a:srgbClr val="000000"/>
+              </a:solidFill>
+              <a:round/>
+              <a:headEnd/>
+              <a:tailEnd/>
+            </a:ln>
+          </p:spPr>
+          <p:txBody>
+            <a:bodyPr vert="horz" wrap="square" lIns="91440" tIns="45720" rIns="91440" bIns="45720" numCol="1" anchor="t" anchorCtr="0" compatLnSpc="1">
+              <a:prstTxWarp prst="textNoShape">
+                <a:avLst/>
+              </a:prstTxWarp>
+            </a:bodyPr>
+            <a:lstStyle/>
+            <a:p>
+              <a:pPr marL="0" marR="0" lvl="0" indent="0" algn="ctr" defTabSz="914400" rtl="0" eaLnBrk="1" fontAlgn="base" latinLnBrk="0" hangingPunct="1">
+                <a:lnSpc>
+                  <a:spcPct val="100000"/>
+                </a:lnSpc>
+                <a:spcBef>
+                  <a:spcPct val="0"/>
+                </a:spcBef>
+                <a:spcAft>
+                  <a:spcPct val="0"/>
+                </a:spcAft>
+                <a:buClrTx/>
+                <a:buSzTx/>
+                <a:buFontTx/>
+                <a:buNone/>
+                <a:tabLst/>
+              </a:pPr>
+              <a:r>
+                <a:rPr kumimoji="0" lang="en-US" sz="800" b="1" i="0" u="none" strike="noStrike" cap="none" normalizeH="0" baseline="0" smtClean="0">
+                  <a:ln>
+                    <a:noFill/>
+                  </a:ln>
+                  <a:solidFill>
+                    <a:schemeClr val="tx1"/>
+                  </a:solidFill>
+                  <a:effectLst/>
+                  <a:latin typeface="Calibri" pitchFamily="34" charset="0"/>
+                  <a:ea typeface="Times New Roman" pitchFamily="18" charset="0"/>
+                  <a:cs typeface="Arial" pitchFamily="34" charset="0"/>
+                </a:rPr>
+                <a:t>Submit online applications</a:t>
+              </a:r>
+              <a:endParaRPr kumimoji="0" lang="en-US" sz="1800" b="0" i="0" u="none" strike="noStrike" cap="none" normalizeH="0" baseline="0" smtClean="0">
+                <a:ln>
+                  <a:noFill/>
+                </a:ln>
+                <a:solidFill>
+                  <a:schemeClr val="tx1"/>
+                </a:solidFill>
+                <a:effectLst/>
+                <a:latin typeface="Arial" pitchFamily="34" charset="0"/>
+                <a:cs typeface="Arial" pitchFamily="34" charset="0"/>
+              </a:endParaRPr>
+            </a:p>
+          </p:txBody>
+        </p:sp>
+        <p:sp>
+          <p:nvSpPr>
+            <p:cNvPr id="27" name="Oval 57"/>
+            <p:cNvSpPr>
+              <a:spLocks noChangeArrowheads="1"/>
+            </p:cNvSpPr>
+            <p:nvPr/>
+          </p:nvSpPr>
+          <p:spPr bwMode="auto">
+            <a:xfrm>
+              <a:off x="1455" y="13901"/>
+              <a:ext cx="2296" cy="712"/>
+            </a:xfrm>
+            <a:prstGeom prst="ellipse">
+              <a:avLst/>
+            </a:prstGeom>
+            <a:solidFill>
+              <a:srgbClr val="EAF1DD"/>
+            </a:solidFill>
+            <a:ln w="9525">
+              <a:solidFill>
+                <a:srgbClr val="000000"/>
+              </a:solidFill>
+              <a:round/>
+              <a:headEnd/>
+              <a:tailEnd/>
+            </a:ln>
+          </p:spPr>
+          <p:txBody>
+            <a:bodyPr vert="horz" wrap="square" lIns="91440" tIns="45720" rIns="91440" bIns="45720" numCol="1" anchor="t" anchorCtr="0" compatLnSpc="1">
+              <a:prstTxWarp prst="textNoShape">
+                <a:avLst/>
+              </a:prstTxWarp>
+            </a:bodyPr>
+            <a:lstStyle/>
+            <a:p>
+              <a:pPr marL="0" marR="0" lvl="0" indent="0" algn="ctr" defTabSz="914400" rtl="0" eaLnBrk="1" fontAlgn="base" latinLnBrk="0" hangingPunct="1">
+                <a:lnSpc>
+                  <a:spcPct val="100000"/>
+                </a:lnSpc>
+                <a:spcBef>
+                  <a:spcPct val="0"/>
+                </a:spcBef>
+                <a:spcAft>
+                  <a:spcPct val="0"/>
+                </a:spcAft>
+                <a:buClrTx/>
+                <a:buSzTx/>
+                <a:buFontTx/>
+                <a:buNone/>
+                <a:tabLst/>
+              </a:pPr>
+              <a:r>
+                <a:rPr kumimoji="0" lang="en-US" sz="800" b="1" i="0" u="none" strike="noStrike" cap="none" normalizeH="0" baseline="0" smtClean="0">
+                  <a:ln>
+                    <a:noFill/>
+                  </a:ln>
+                  <a:solidFill>
+                    <a:schemeClr val="tx1"/>
+                  </a:solidFill>
+                  <a:effectLst/>
+                  <a:latin typeface="Calibri" pitchFamily="34" charset="0"/>
+                  <a:ea typeface="Times New Roman" pitchFamily="18" charset="0"/>
+                  <a:cs typeface="Arial" pitchFamily="34" charset="0"/>
+                </a:rPr>
+                <a:t>Track applications status</a:t>
+              </a:r>
+              <a:endParaRPr kumimoji="0" lang="en-US" sz="1800" b="0" i="0" u="none" strike="noStrike" cap="none" normalizeH="0" baseline="0" smtClean="0">
+                <a:ln>
+                  <a:noFill/>
+                </a:ln>
+                <a:solidFill>
+                  <a:schemeClr val="tx1"/>
+                </a:solidFill>
+                <a:effectLst/>
+                <a:latin typeface="Arial" pitchFamily="34" charset="0"/>
+                <a:cs typeface="Arial" pitchFamily="34" charset="0"/>
+              </a:endParaRPr>
+            </a:p>
+          </p:txBody>
+        </p:sp>
+        <p:grpSp>
+          <p:nvGrpSpPr>
+            <p:cNvPr id="28" name="Group 65"/>
+            <p:cNvGrpSpPr>
+              <a:grpSpLocks/>
+            </p:cNvGrpSpPr>
+            <p:nvPr/>
+          </p:nvGrpSpPr>
+          <p:grpSpPr bwMode="auto">
+            <a:xfrm>
+              <a:off x="4997" y="13170"/>
+              <a:ext cx="405" cy="959"/>
+              <a:chOff x="7010" y="0"/>
+              <a:chExt cx="4" cy="9"/>
+            </a:xfrm>
+          </p:grpSpPr>
+          <p:sp>
+            <p:nvSpPr>
+              <p:cNvPr id="14416" name="Oval 67"/>
+              <p:cNvSpPr>
+                <a:spLocks noChangeArrowheads="1"/>
+              </p:cNvSpPr>
+              <p:nvPr/>
+            </p:nvSpPr>
+            <p:spPr bwMode="auto">
+              <a:xfrm>
+                <a:off x="7010" y="0"/>
+                <a:ext cx="3" cy="2"/>
+              </a:xfrm>
+              <a:prstGeom prst="ellipse">
+                <a:avLst/>
+              </a:prstGeom>
+              <a:solidFill>
+                <a:srgbClr val="FFFF00"/>
+              </a:solidFill>
+              <a:ln w="9525">
+                <a:solidFill>
+                  <a:srgbClr val="000000"/>
+                </a:solidFill>
+                <a:round/>
+                <a:headEnd/>
+                <a:tailEnd/>
+              </a:ln>
+            </p:spPr>
+            <p:txBody>
+              <a:bodyPr vert="horz" wrap="square" lIns="91440" tIns="45720" rIns="91440" bIns="45720" numCol="1" anchor="t" anchorCtr="0" compatLnSpc="1">
+                <a:prstTxWarp prst="textNoShape">
+                  <a:avLst/>
+                </a:prstTxWarp>
+              </a:bodyPr>
+              <a:lstStyle/>
+              <a:p>
+                <a:pPr marL="0" marR="0" lvl="0" indent="0" algn="l" defTabSz="914400" rtl="0" eaLnBrk="1" fontAlgn="base" latinLnBrk="0" hangingPunct="1">
+                  <a:lnSpc>
+                    <a:spcPct val="100000"/>
+                  </a:lnSpc>
+                  <a:spcBef>
+                    <a:spcPct val="0"/>
+                  </a:spcBef>
+                  <a:spcAft>
+                    <a:spcPct val="0"/>
+                  </a:spcAft>
+                  <a:buClrTx/>
+                  <a:buSzTx/>
+                  <a:buFontTx/>
+                  <a:buNone/>
+                  <a:tabLst/>
+                </a:pPr>
+                <a:endParaRPr kumimoji="0" lang="en-US" sz="1800" b="0" i="0" u="none" strike="noStrike" cap="none" normalizeH="0" baseline="0" smtClean="0">
+                  <a:ln>
+                    <a:noFill/>
+                  </a:ln>
+                  <a:solidFill>
+                    <a:schemeClr val="tx1"/>
+                  </a:solidFill>
+                  <a:effectLst/>
+                  <a:latin typeface="Arial" pitchFamily="34" charset="0"/>
+                  <a:cs typeface="Arial" pitchFamily="34" charset="0"/>
+                </a:endParaRPr>
+              </a:p>
+            </p:txBody>
+          </p:sp>
+          <p:sp>
+            <p:nvSpPr>
+              <p:cNvPr id="14417" name="AutoShape 6"/>
+              <p:cNvSpPr>
+                <a:spLocks noChangeShapeType="1"/>
+              </p:cNvSpPr>
+              <p:nvPr/>
+            </p:nvSpPr>
+            <p:spPr bwMode="auto">
+              <a:xfrm>
+                <a:off x="7012" y="2"/>
+                <a:ext cx="0" cy="5"/>
+              </a:xfrm>
+              <a:prstGeom prst="straightConnector1">
+                <a:avLst/>
+              </a:prstGeom>
+              <a:noFill/>
+              <a:ln w="9525">
+                <a:solidFill>
+                  <a:srgbClr val="000000"/>
+                </a:solidFill>
+                <a:round/>
+                <a:headEnd/>
+                <a:tailEnd/>
+              </a:ln>
+              <a:extLst>
+                <a:ext uri="{909E8E84-426E-40DD-AFC4-6F175D3DCCD1}">
+                  <a14:hiddenFill xmlns:a14="http://schemas.microsoft.com/office/drawing/2010/main">
+                    <a:noFill/>
+                  </a14:hiddenFill>
+                </a:ext>
+              </a:extLst>
+            </p:spPr>
+            <p:txBody>
+              <a:bodyPr vert="horz" wrap="square" lIns="91440" tIns="45720" rIns="91440" bIns="45720" numCol="1" anchor="t" anchorCtr="0" compatLnSpc="1">
+                <a:prstTxWarp prst="textNoShape">
+                  <a:avLst/>
+                </a:prstTxWarp>
+              </a:bodyPr>
+              <a:lstStyle/>
+              <a:p>
+                <a:endParaRPr lang="en-US"/>
+              </a:p>
+            </p:txBody>
+          </p:sp>
+          <p:sp>
+            <p:nvSpPr>
+              <p:cNvPr id="14418" name="AutoShape 7"/>
+              <p:cNvSpPr>
+                <a:spLocks noChangeShapeType="1"/>
+              </p:cNvSpPr>
+              <p:nvPr/>
+            </p:nvSpPr>
+            <p:spPr bwMode="auto">
+              <a:xfrm flipH="1">
+                <a:off x="7011" y="7"/>
+                <a:ext cx="1" cy="2"/>
+              </a:xfrm>
+              <a:prstGeom prst="straightConnector1">
+                <a:avLst/>
+              </a:prstGeom>
+              <a:noFill/>
+              <a:ln w="9525">
+                <a:solidFill>
+                  <a:srgbClr val="000000"/>
+                </a:solidFill>
+                <a:round/>
+                <a:headEnd/>
+                <a:tailEnd/>
+              </a:ln>
+              <a:extLst>
+                <a:ext uri="{909E8E84-426E-40DD-AFC4-6F175D3DCCD1}">
+                  <a14:hiddenFill xmlns:a14="http://schemas.microsoft.com/office/drawing/2010/main">
+                    <a:noFill/>
+                  </a14:hiddenFill>
+                </a:ext>
+              </a:extLst>
+            </p:spPr>
+            <p:txBody>
+              <a:bodyPr vert="horz" wrap="square" lIns="91440" tIns="45720" rIns="91440" bIns="45720" numCol="1" anchor="t" anchorCtr="0" compatLnSpc="1">
+                <a:prstTxWarp prst="textNoShape">
+                  <a:avLst/>
+                </a:prstTxWarp>
+              </a:bodyPr>
+              <a:lstStyle/>
+              <a:p>
+                <a:endParaRPr lang="en-US"/>
+              </a:p>
+            </p:txBody>
+          </p:sp>
+          <p:sp>
+            <p:nvSpPr>
+              <p:cNvPr id="14419" name="AutoShape 8"/>
+              <p:cNvSpPr>
+                <a:spLocks noChangeShapeType="1"/>
+              </p:cNvSpPr>
+              <p:nvPr/>
+            </p:nvSpPr>
+            <p:spPr bwMode="auto">
+              <a:xfrm>
+                <a:off x="7012" y="7"/>
+                <a:ext cx="1" cy="2"/>
+              </a:xfrm>
+              <a:prstGeom prst="straightConnector1">
+                <a:avLst/>
+              </a:prstGeom>
+              <a:noFill/>
+              <a:ln w="9525">
+                <a:solidFill>
+                  <a:srgbClr val="000000"/>
+                </a:solidFill>
+                <a:round/>
+                <a:headEnd/>
+                <a:tailEnd/>
+              </a:ln>
+              <a:extLst>
+                <a:ext uri="{909E8E84-426E-40DD-AFC4-6F175D3DCCD1}">
+                  <a14:hiddenFill xmlns:a14="http://schemas.microsoft.com/office/drawing/2010/main">
+                    <a:noFill/>
+                  </a14:hiddenFill>
+                </a:ext>
+              </a:extLst>
+            </p:spPr>
+            <p:txBody>
+              <a:bodyPr vert="horz" wrap="square" lIns="91440" tIns="45720" rIns="91440" bIns="45720" numCol="1" anchor="t" anchorCtr="0" compatLnSpc="1">
+                <a:prstTxWarp prst="textNoShape">
+                  <a:avLst/>
+                </a:prstTxWarp>
+              </a:bodyPr>
+              <a:lstStyle/>
+              <a:p>
+                <a:endParaRPr lang="en-US"/>
+              </a:p>
+            </p:txBody>
+          </p:sp>
+          <p:sp>
+            <p:nvSpPr>
+              <p:cNvPr id="14420" name="AutoShape 9"/>
+              <p:cNvSpPr>
+                <a:spLocks noChangeShapeType="1"/>
+              </p:cNvSpPr>
+              <p:nvPr/>
+            </p:nvSpPr>
+            <p:spPr bwMode="auto">
+              <a:xfrm>
+                <a:off x="7010" y="4"/>
+                <a:ext cx="4" cy="0"/>
+              </a:xfrm>
+              <a:prstGeom prst="straightConnector1">
+                <a:avLst/>
+              </a:prstGeom>
+              <a:noFill/>
+              <a:ln w="9525">
+                <a:solidFill>
+                  <a:srgbClr val="000000"/>
+                </a:solidFill>
+                <a:round/>
+                <a:headEnd/>
+                <a:tailEnd/>
+              </a:ln>
+              <a:extLst>
+                <a:ext uri="{909E8E84-426E-40DD-AFC4-6F175D3DCCD1}">
+                  <a14:hiddenFill xmlns:a14="http://schemas.microsoft.com/office/drawing/2010/main">
+                    <a:noFill/>
+                  </a14:hiddenFill>
+                </a:ext>
+              </a:extLst>
+            </p:spPr>
+            <p:txBody>
+              <a:bodyPr vert="horz" wrap="square" lIns="91440" tIns="45720" rIns="91440" bIns="45720" numCol="1" anchor="t" anchorCtr="0" compatLnSpc="1">
+                <a:prstTxWarp prst="textNoShape">
+                  <a:avLst/>
+                </a:prstTxWarp>
+              </a:bodyPr>
+              <a:lstStyle/>
+              <a:p>
+                <a:endParaRPr lang="en-US"/>
+              </a:p>
+            </p:txBody>
+          </p:sp>
+        </p:grpSp>
+        <p:sp>
+          <p:nvSpPr>
+            <p:cNvPr id="29" name="Text Box 51"/>
+            <p:cNvSpPr txBox="1">
+              <a:spLocks noChangeArrowheads="1"/>
+            </p:cNvSpPr>
+            <p:nvPr/>
+          </p:nvSpPr>
+          <p:spPr bwMode="auto">
+            <a:xfrm>
+              <a:off x="4346" y="14216"/>
+              <a:ext cx="1519" cy="437"/>
+            </a:xfrm>
+            <a:prstGeom prst="rect">
+              <a:avLst/>
+            </a:prstGeom>
+            <a:noFill/>
+            <a:ln>
+              <a:noFill/>
+            </a:ln>
+            <a:extLst>
+              <a:ext uri="{909E8E84-426E-40DD-AFC4-6F175D3DCCD1}">
+                <a14:hiddenFill xmlns:a14="http://schemas.microsoft.com/office/drawing/2010/main">
+                  <a:solidFill>
+                    <a:srgbClr val="FFFFFF"/>
+                  </a:solidFill>
+                </a14:hiddenFill>
+              </a:ext>
+              <a:ext uri="{91240B29-F687-4F45-9708-019B960494DF}">
+                <a14:hiddenLine xmlns:a14="http://schemas.microsoft.com/office/drawing/2010/main" w="9525">
+                  <a:solidFill>
+                    <a:srgbClr val="000000"/>
+                  </a:solidFill>
+                  <a:miter lim="800000"/>
+                  <a:headEnd/>
+                  <a:tailEnd/>
+                </a14:hiddenLine>
+              </a:ext>
+            </a:extLst>
+          </p:spPr>
+          <p:txBody>
+            <a:bodyPr vert="horz" wrap="square" lIns="91440" tIns="45720" rIns="91440" bIns="45720" numCol="1" anchor="t" anchorCtr="0" compatLnSpc="1">
+              <a:prstTxWarp prst="textNoShape">
+                <a:avLst/>
+              </a:prstTxWarp>
+            </a:bodyPr>
+            <a:lstStyle/>
+            <a:p>
+              <a:pPr marL="0" marR="0" lvl="0" indent="0" algn="r" defTabSz="914400" rtl="0" eaLnBrk="1" fontAlgn="base" latinLnBrk="0" hangingPunct="1">
+                <a:lnSpc>
+                  <a:spcPct val="100000"/>
+                </a:lnSpc>
+                <a:spcBef>
+                  <a:spcPct val="0"/>
+                </a:spcBef>
+                <a:spcAft>
+                  <a:spcPct val="0"/>
+                </a:spcAft>
+                <a:buClrTx/>
+                <a:buSzTx/>
+                <a:buFontTx/>
+                <a:buNone/>
+                <a:tabLst/>
+              </a:pPr>
+              <a:r>
+                <a:rPr kumimoji="0" lang="en-US" sz="1100" b="0" i="0" u="none" strike="noStrike" cap="none" normalizeH="0" baseline="0" smtClean="0">
+                  <a:ln>
+                    <a:noFill/>
+                  </a:ln>
+                  <a:solidFill>
+                    <a:schemeClr val="tx1"/>
+                  </a:solidFill>
+                  <a:effectLst/>
+                  <a:latin typeface="Calibri" pitchFamily="34" charset="0"/>
+                  <a:ea typeface="Times New Roman" pitchFamily="18" charset="0"/>
+                  <a:cs typeface="Arial" pitchFamily="34" charset="0"/>
+                </a:rPr>
+                <a:t>Public User</a:t>
+              </a:r>
+              <a:endParaRPr kumimoji="0" lang="en-US" sz="1800" b="0" i="0" u="none" strike="noStrike" cap="none" normalizeH="0" baseline="0" smtClean="0">
+                <a:ln>
+                  <a:noFill/>
+                </a:ln>
+                <a:solidFill>
+                  <a:schemeClr val="tx1"/>
+                </a:solidFill>
+                <a:effectLst/>
+                <a:latin typeface="Arial" pitchFamily="34" charset="0"/>
+                <a:cs typeface="Arial" pitchFamily="34" charset="0"/>
+              </a:endParaRPr>
+            </a:p>
+          </p:txBody>
+        </p:sp>
+        <p:sp>
+          <p:nvSpPr>
+            <p:cNvPr id="30" name="Oval 75"/>
+            <p:cNvSpPr>
+              <a:spLocks noChangeArrowheads="1"/>
+            </p:cNvSpPr>
+            <p:nvPr/>
+          </p:nvSpPr>
+          <p:spPr bwMode="auto">
+            <a:xfrm>
+              <a:off x="8199" y="1905"/>
+              <a:ext cx="2934" cy="398"/>
+            </a:xfrm>
+            <a:prstGeom prst="ellipse">
+              <a:avLst/>
+            </a:prstGeom>
+            <a:solidFill>
+              <a:srgbClr val="EAF1DD"/>
+            </a:solidFill>
+            <a:ln w="9525">
+              <a:solidFill>
+                <a:srgbClr val="000000"/>
+              </a:solidFill>
+              <a:round/>
+              <a:headEnd/>
+              <a:tailEnd/>
+            </a:ln>
+          </p:spPr>
+          <p:txBody>
+            <a:bodyPr vert="horz" wrap="square" lIns="91440" tIns="45720" rIns="91440" bIns="45720" numCol="1" anchor="t" anchorCtr="0" compatLnSpc="1">
+              <a:prstTxWarp prst="textNoShape">
+                <a:avLst/>
+              </a:prstTxWarp>
+            </a:bodyPr>
+            <a:lstStyle/>
+            <a:p>
+              <a:pPr marL="0" marR="0" lvl="0" indent="0" algn="ctr" defTabSz="914400" rtl="0" eaLnBrk="1" fontAlgn="base" latinLnBrk="0" hangingPunct="1">
+                <a:lnSpc>
+                  <a:spcPct val="100000"/>
+                </a:lnSpc>
+                <a:spcBef>
+                  <a:spcPct val="0"/>
+                </a:spcBef>
+                <a:spcAft>
+                  <a:spcPct val="0"/>
+                </a:spcAft>
+                <a:buClrTx/>
+                <a:buSzTx/>
+                <a:buFontTx/>
+                <a:buNone/>
+                <a:tabLst/>
+              </a:pPr>
+              <a:r>
+                <a:rPr kumimoji="0" lang="en-US" sz="800" b="1" i="0" u="none" strike="noStrike" cap="none" normalizeH="0" baseline="0" smtClean="0">
+                  <a:ln>
+                    <a:noFill/>
+                  </a:ln>
+                  <a:solidFill>
+                    <a:schemeClr val="tx1"/>
+                  </a:solidFill>
+                  <a:effectLst/>
+                  <a:latin typeface="Calibri" pitchFamily="34" charset="0"/>
+                  <a:ea typeface="Times New Roman" pitchFamily="18" charset="0"/>
+                  <a:cs typeface="Arial" pitchFamily="34" charset="0"/>
+                </a:rPr>
+                <a:t>Update attendance</a:t>
+              </a:r>
+              <a:endParaRPr kumimoji="0" lang="en-US" sz="1800" b="0" i="0" u="none" strike="noStrike" cap="none" normalizeH="0" baseline="0" smtClean="0">
+                <a:ln>
+                  <a:noFill/>
+                </a:ln>
+                <a:solidFill>
+                  <a:schemeClr val="tx1"/>
+                </a:solidFill>
+                <a:effectLst/>
+                <a:latin typeface="Arial" pitchFamily="34" charset="0"/>
+                <a:cs typeface="Arial" pitchFamily="34" charset="0"/>
+              </a:endParaRPr>
+            </a:p>
+          </p:txBody>
+        </p:sp>
+        <p:sp>
+          <p:nvSpPr>
+            <p:cNvPr id="31" name="Oval 76"/>
+            <p:cNvSpPr>
+              <a:spLocks noChangeArrowheads="1"/>
+            </p:cNvSpPr>
+            <p:nvPr/>
+          </p:nvSpPr>
+          <p:spPr bwMode="auto">
+            <a:xfrm>
+              <a:off x="8359" y="2783"/>
+              <a:ext cx="2816" cy="402"/>
+            </a:xfrm>
+            <a:prstGeom prst="ellipse">
+              <a:avLst/>
+            </a:prstGeom>
+            <a:solidFill>
+              <a:srgbClr val="EAF1DD"/>
+            </a:solidFill>
+            <a:ln w="9525">
+              <a:solidFill>
+                <a:srgbClr val="000000"/>
+              </a:solidFill>
+              <a:round/>
+              <a:headEnd/>
+              <a:tailEnd/>
+            </a:ln>
+          </p:spPr>
+          <p:txBody>
+            <a:bodyPr vert="horz" wrap="square" lIns="91440" tIns="45720" rIns="91440" bIns="45720" numCol="1" anchor="t" anchorCtr="0" compatLnSpc="1">
+              <a:prstTxWarp prst="textNoShape">
+                <a:avLst/>
+              </a:prstTxWarp>
+            </a:bodyPr>
+            <a:lstStyle/>
+            <a:p>
+              <a:pPr marL="0" marR="0" lvl="0" indent="0" algn="ctr" defTabSz="914400" rtl="0" eaLnBrk="1" fontAlgn="base" latinLnBrk="0" hangingPunct="1">
+                <a:lnSpc>
+                  <a:spcPct val="100000"/>
+                </a:lnSpc>
+                <a:spcBef>
+                  <a:spcPct val="0"/>
+                </a:spcBef>
+                <a:spcAft>
+                  <a:spcPct val="0"/>
+                </a:spcAft>
+                <a:buClrTx/>
+                <a:buSzTx/>
+                <a:buFontTx/>
+                <a:buNone/>
+                <a:tabLst/>
+              </a:pPr>
+              <a:r>
+                <a:rPr kumimoji="0" lang="en-US" sz="800" b="1" i="0" u="none" strike="noStrike" cap="none" normalizeH="0" baseline="0" smtClean="0">
+                  <a:ln>
+                    <a:noFill/>
+                  </a:ln>
+                  <a:solidFill>
+                    <a:schemeClr val="tx1"/>
+                  </a:solidFill>
+                  <a:effectLst/>
+                  <a:latin typeface="Calibri" pitchFamily="34" charset="0"/>
+                  <a:ea typeface="Times New Roman" pitchFamily="18" charset="0"/>
+                  <a:cs typeface="Arial" pitchFamily="34" charset="0"/>
+                </a:rPr>
+                <a:t>Update progress</a:t>
+              </a:r>
+              <a:endParaRPr kumimoji="0" lang="en-US" sz="1800" b="0" i="0" u="none" strike="noStrike" cap="none" normalizeH="0" baseline="0" smtClean="0">
+                <a:ln>
+                  <a:noFill/>
+                </a:ln>
+                <a:solidFill>
+                  <a:schemeClr val="tx1"/>
+                </a:solidFill>
+                <a:effectLst/>
+                <a:latin typeface="Arial" pitchFamily="34" charset="0"/>
+                <a:cs typeface="Arial" pitchFamily="34" charset="0"/>
+              </a:endParaRPr>
+            </a:p>
+          </p:txBody>
+        </p:sp>
+        <p:sp>
+          <p:nvSpPr>
+            <p:cNvPr id="14336" name="Oval 77"/>
+            <p:cNvSpPr>
+              <a:spLocks noChangeArrowheads="1"/>
+            </p:cNvSpPr>
+            <p:nvPr/>
+          </p:nvSpPr>
+          <p:spPr bwMode="auto">
+            <a:xfrm>
+              <a:off x="8359" y="3243"/>
+              <a:ext cx="2774" cy="451"/>
+            </a:xfrm>
+            <a:prstGeom prst="ellipse">
+              <a:avLst/>
+            </a:prstGeom>
+            <a:solidFill>
+              <a:srgbClr val="EAF1DD"/>
+            </a:solidFill>
+            <a:ln w="9525">
+              <a:solidFill>
+                <a:srgbClr val="000000"/>
+              </a:solidFill>
+              <a:round/>
+              <a:headEnd/>
+              <a:tailEnd/>
+            </a:ln>
+          </p:spPr>
+          <p:txBody>
+            <a:bodyPr vert="horz" wrap="square" lIns="91440" tIns="45720" rIns="91440" bIns="45720" numCol="1" anchor="t" anchorCtr="0" compatLnSpc="1">
+              <a:prstTxWarp prst="textNoShape">
+                <a:avLst/>
+              </a:prstTxWarp>
+            </a:bodyPr>
+            <a:lstStyle/>
+            <a:p>
+              <a:pPr marL="0" marR="0" lvl="0" indent="0" algn="ctr" defTabSz="914400" rtl="0" eaLnBrk="1" fontAlgn="base" latinLnBrk="0" hangingPunct="1">
+                <a:lnSpc>
+                  <a:spcPct val="100000"/>
+                </a:lnSpc>
+                <a:spcBef>
+                  <a:spcPct val="0"/>
+                </a:spcBef>
+                <a:spcAft>
+                  <a:spcPct val="0"/>
+                </a:spcAft>
+                <a:buClrTx/>
+                <a:buSzTx/>
+                <a:buFontTx/>
+                <a:buNone/>
+                <a:tabLst/>
+              </a:pPr>
+              <a:r>
+                <a:rPr kumimoji="0" lang="en-US" sz="800" b="1" i="0" u="none" strike="noStrike" cap="none" normalizeH="0" baseline="0" smtClean="0">
+                  <a:ln>
+                    <a:noFill/>
+                  </a:ln>
+                  <a:solidFill>
+                    <a:schemeClr val="tx1"/>
+                  </a:solidFill>
+                  <a:effectLst/>
+                  <a:latin typeface="Calibri" pitchFamily="34" charset="0"/>
+                  <a:ea typeface="Times New Roman" pitchFamily="18" charset="0"/>
+                  <a:cs typeface="Arial" pitchFamily="34" charset="0"/>
+                </a:rPr>
+                <a:t>View grades</a:t>
+              </a:r>
+              <a:endParaRPr kumimoji="0" lang="en-US" sz="1800" b="0" i="0" u="none" strike="noStrike" cap="none" normalizeH="0" baseline="0" smtClean="0">
+                <a:ln>
+                  <a:noFill/>
+                </a:ln>
+                <a:solidFill>
+                  <a:schemeClr val="tx1"/>
+                </a:solidFill>
+                <a:effectLst/>
+                <a:latin typeface="Arial" pitchFamily="34" charset="0"/>
+                <a:cs typeface="Arial" pitchFamily="34" charset="0"/>
+              </a:endParaRPr>
+            </a:p>
+          </p:txBody>
+        </p:sp>
+        <p:sp>
+          <p:nvSpPr>
+            <p:cNvPr id="14337" name="Oval 79"/>
+            <p:cNvSpPr>
+              <a:spLocks noChangeArrowheads="1"/>
+            </p:cNvSpPr>
+            <p:nvPr/>
+          </p:nvSpPr>
+          <p:spPr bwMode="auto">
+            <a:xfrm>
+              <a:off x="8359" y="3733"/>
+              <a:ext cx="2774" cy="409"/>
+            </a:xfrm>
+            <a:prstGeom prst="ellipse">
+              <a:avLst/>
+            </a:prstGeom>
+            <a:solidFill>
+              <a:srgbClr val="EAF1DD"/>
+            </a:solidFill>
+            <a:ln w="9525">
+              <a:solidFill>
+                <a:srgbClr val="000000"/>
+              </a:solidFill>
+              <a:round/>
+              <a:headEnd/>
+              <a:tailEnd/>
+            </a:ln>
+          </p:spPr>
+          <p:txBody>
+            <a:bodyPr vert="horz" wrap="square" lIns="91440" tIns="45720" rIns="91440" bIns="45720" numCol="1" anchor="t" anchorCtr="0" compatLnSpc="1">
+              <a:prstTxWarp prst="textNoShape">
+                <a:avLst/>
+              </a:prstTxWarp>
+            </a:bodyPr>
+            <a:lstStyle/>
+            <a:p>
+              <a:pPr marL="0" marR="0" lvl="0" indent="0" algn="ctr" defTabSz="914400" rtl="0" eaLnBrk="1" fontAlgn="base" latinLnBrk="0" hangingPunct="1">
+                <a:lnSpc>
+                  <a:spcPct val="100000"/>
+                </a:lnSpc>
+                <a:spcBef>
+                  <a:spcPct val="0"/>
+                </a:spcBef>
+                <a:spcAft>
+                  <a:spcPct val="0"/>
+                </a:spcAft>
+                <a:buClrTx/>
+                <a:buSzTx/>
+                <a:buFontTx/>
+                <a:buNone/>
+                <a:tabLst/>
+              </a:pPr>
+              <a:r>
+                <a:rPr kumimoji="0" lang="en-US" sz="800" b="1" i="0" u="none" strike="noStrike" cap="none" normalizeH="0" baseline="0" smtClean="0">
+                  <a:ln>
+                    <a:noFill/>
+                  </a:ln>
+                  <a:solidFill>
+                    <a:schemeClr val="tx1"/>
+                  </a:solidFill>
+                  <a:effectLst/>
+                  <a:latin typeface="Calibri" pitchFamily="34" charset="0"/>
+                  <a:ea typeface="Times New Roman" pitchFamily="18" charset="0"/>
+                  <a:cs typeface="Arial" pitchFamily="34" charset="0"/>
+                </a:rPr>
+                <a:t>Update grades</a:t>
+              </a:r>
+              <a:endParaRPr kumimoji="0" lang="en-US" sz="1800" b="0" i="0" u="none" strike="noStrike" cap="none" normalizeH="0" baseline="0" smtClean="0">
+                <a:ln>
+                  <a:noFill/>
+                </a:ln>
+                <a:solidFill>
+                  <a:schemeClr val="tx1"/>
+                </a:solidFill>
+                <a:effectLst/>
+                <a:latin typeface="Arial" pitchFamily="34" charset="0"/>
+                <a:cs typeface="Arial" pitchFamily="34" charset="0"/>
+              </a:endParaRPr>
+            </a:p>
+          </p:txBody>
+        </p:sp>
+        <p:sp>
+          <p:nvSpPr>
+            <p:cNvPr id="14339" name="Straight Connector 86"/>
+            <p:cNvSpPr>
+              <a:spLocks noChangeShapeType="1"/>
+            </p:cNvSpPr>
+            <p:nvPr/>
+          </p:nvSpPr>
+          <p:spPr bwMode="auto">
+            <a:xfrm flipV="1">
+              <a:off x="7050" y="5406"/>
+              <a:ext cx="1338" cy="1636"/>
+            </a:xfrm>
+            <a:prstGeom prst="line">
+              <a:avLst/>
+            </a:prstGeom>
+            <a:noFill/>
+            <a:ln w="9525">
+              <a:solidFill>
+                <a:srgbClr val="4579B8"/>
+              </a:solidFill>
+              <a:round/>
+              <a:headEnd/>
+              <a:tailEnd/>
+            </a:ln>
+            <a:extLst>
+              <a:ext uri="{909E8E84-426E-40DD-AFC4-6F175D3DCCD1}">
+                <a14:hiddenFill xmlns:a14="http://schemas.microsoft.com/office/drawing/2010/main">
+                  <a:noFill/>
+                </a14:hiddenFill>
+              </a:ext>
+            </a:extLst>
+          </p:spPr>
+          <p:txBody>
+            <a:bodyPr vert="horz" wrap="square" lIns="91440" tIns="45720" rIns="91440" bIns="45720" numCol="1" anchor="t" anchorCtr="0" compatLnSpc="1">
+              <a:prstTxWarp prst="textNoShape">
+                <a:avLst/>
+              </a:prstTxWarp>
+            </a:bodyPr>
+            <a:lstStyle/>
+            <a:p>
+              <a:endParaRPr lang="en-US"/>
+            </a:p>
+          </p:txBody>
+        </p:sp>
+        <p:sp>
+          <p:nvSpPr>
+            <p:cNvPr id="14340" name="Straight Connector 87"/>
+            <p:cNvSpPr>
+              <a:spLocks noChangeShapeType="1"/>
+            </p:cNvSpPr>
+            <p:nvPr/>
+          </p:nvSpPr>
+          <p:spPr bwMode="auto">
+            <a:xfrm flipV="1">
+              <a:off x="6751" y="5956"/>
+              <a:ext cx="1636" cy="1086"/>
+            </a:xfrm>
+            <a:prstGeom prst="line">
+              <a:avLst/>
+            </a:prstGeom>
+            <a:noFill/>
+            <a:ln w="9525">
+              <a:solidFill>
+                <a:srgbClr val="4579B8"/>
+              </a:solidFill>
+              <a:round/>
+              <a:headEnd/>
+              <a:tailEnd/>
+            </a:ln>
+            <a:extLst>
+              <a:ext uri="{909E8E84-426E-40DD-AFC4-6F175D3DCCD1}">
+                <a14:hiddenFill xmlns:a14="http://schemas.microsoft.com/office/drawing/2010/main">
+                  <a:noFill/>
+                </a14:hiddenFill>
+              </a:ext>
+            </a:extLst>
+          </p:spPr>
+          <p:txBody>
+            <a:bodyPr vert="horz" wrap="square" lIns="91440" tIns="45720" rIns="91440" bIns="45720" numCol="1" anchor="t" anchorCtr="0" compatLnSpc="1">
+              <a:prstTxWarp prst="textNoShape">
+                <a:avLst/>
+              </a:prstTxWarp>
+            </a:bodyPr>
+            <a:lstStyle/>
+            <a:p>
+              <a:endParaRPr lang="en-US"/>
+            </a:p>
+          </p:txBody>
+        </p:sp>
+        <p:sp>
+          <p:nvSpPr>
+            <p:cNvPr id="14341" name="Straight Connector 91"/>
+            <p:cNvSpPr>
+              <a:spLocks noChangeShapeType="1"/>
+            </p:cNvSpPr>
+            <p:nvPr/>
+          </p:nvSpPr>
+          <p:spPr bwMode="auto">
+            <a:xfrm flipV="1">
+              <a:off x="7050" y="4632"/>
+              <a:ext cx="1400" cy="2410"/>
+            </a:xfrm>
+            <a:prstGeom prst="line">
+              <a:avLst/>
+            </a:prstGeom>
+            <a:noFill/>
+            <a:ln w="9525">
+              <a:solidFill>
+                <a:srgbClr val="4579B8"/>
+              </a:solidFill>
+              <a:round/>
+              <a:headEnd/>
+              <a:tailEnd/>
+            </a:ln>
+            <a:extLst>
+              <a:ext uri="{909E8E84-426E-40DD-AFC4-6F175D3DCCD1}">
+                <a14:hiddenFill xmlns:a14="http://schemas.microsoft.com/office/drawing/2010/main">
+                  <a:noFill/>
+                </a14:hiddenFill>
+              </a:ext>
+            </a:extLst>
+          </p:spPr>
+          <p:txBody>
+            <a:bodyPr vert="horz" wrap="square" lIns="91440" tIns="45720" rIns="91440" bIns="45720" numCol="1" anchor="t" anchorCtr="0" compatLnSpc="1">
+              <a:prstTxWarp prst="textNoShape">
+                <a:avLst/>
+              </a:prstTxWarp>
+            </a:bodyPr>
+            <a:lstStyle/>
+            <a:p>
+              <a:endParaRPr lang="en-US"/>
+            </a:p>
+          </p:txBody>
+        </p:sp>
+        <p:sp>
+          <p:nvSpPr>
+            <p:cNvPr id="14342" name="Straight Connector 93"/>
+            <p:cNvSpPr>
+              <a:spLocks noChangeShapeType="1"/>
+            </p:cNvSpPr>
+            <p:nvPr/>
+          </p:nvSpPr>
+          <p:spPr bwMode="auto">
+            <a:xfrm flipV="1">
+              <a:off x="7050" y="3968"/>
+              <a:ext cx="1309" cy="3074"/>
+            </a:xfrm>
+            <a:prstGeom prst="line">
+              <a:avLst/>
+            </a:prstGeom>
+            <a:noFill/>
+            <a:ln w="9525">
+              <a:solidFill>
+                <a:srgbClr val="4579B8"/>
+              </a:solidFill>
+              <a:round/>
+              <a:headEnd/>
+              <a:tailEnd/>
+            </a:ln>
+            <a:extLst>
+              <a:ext uri="{909E8E84-426E-40DD-AFC4-6F175D3DCCD1}">
+                <a14:hiddenFill xmlns:a14="http://schemas.microsoft.com/office/drawing/2010/main">
+                  <a:noFill/>
+                </a14:hiddenFill>
+              </a:ext>
+            </a:extLst>
+          </p:spPr>
+          <p:txBody>
+            <a:bodyPr vert="horz" wrap="square" lIns="91440" tIns="45720" rIns="91440" bIns="45720" numCol="1" anchor="t" anchorCtr="0" compatLnSpc="1">
+              <a:prstTxWarp prst="textNoShape">
+                <a:avLst/>
+              </a:prstTxWarp>
+            </a:bodyPr>
+            <a:lstStyle/>
+            <a:p>
+              <a:endParaRPr lang="en-US"/>
+            </a:p>
+          </p:txBody>
+        </p:sp>
+        <p:sp>
+          <p:nvSpPr>
+            <p:cNvPr id="14343" name="Straight Connector 94"/>
+            <p:cNvSpPr>
+              <a:spLocks noChangeShapeType="1"/>
+            </p:cNvSpPr>
+            <p:nvPr/>
+          </p:nvSpPr>
+          <p:spPr bwMode="auto">
+            <a:xfrm flipV="1">
+              <a:off x="6900" y="1639"/>
+              <a:ext cx="1333" cy="5261"/>
+            </a:xfrm>
+            <a:prstGeom prst="line">
+              <a:avLst/>
+            </a:prstGeom>
+            <a:noFill/>
+            <a:ln w="9525">
+              <a:solidFill>
+                <a:srgbClr val="4579B8"/>
+              </a:solidFill>
+              <a:round/>
+              <a:headEnd/>
+              <a:tailEnd/>
+            </a:ln>
+            <a:extLst>
+              <a:ext uri="{909E8E84-426E-40DD-AFC4-6F175D3DCCD1}">
+                <a14:hiddenFill xmlns:a14="http://schemas.microsoft.com/office/drawing/2010/main">
+                  <a:noFill/>
+                </a14:hiddenFill>
+              </a:ext>
+            </a:extLst>
+          </p:spPr>
+          <p:txBody>
+            <a:bodyPr vert="horz" wrap="square" lIns="91440" tIns="45720" rIns="91440" bIns="45720" numCol="1" anchor="t" anchorCtr="0" compatLnSpc="1">
+              <a:prstTxWarp prst="textNoShape">
+                <a:avLst/>
+              </a:prstTxWarp>
+            </a:bodyPr>
+            <a:lstStyle/>
+            <a:p>
+              <a:endParaRPr lang="en-US"/>
+            </a:p>
+          </p:txBody>
+        </p:sp>
+        <p:sp>
+          <p:nvSpPr>
+            <p:cNvPr id="14344" name="Oval 95"/>
+            <p:cNvSpPr>
+              <a:spLocks noChangeArrowheads="1"/>
+            </p:cNvSpPr>
+            <p:nvPr/>
+          </p:nvSpPr>
+          <p:spPr bwMode="auto">
+            <a:xfrm>
+              <a:off x="8388" y="4925"/>
+              <a:ext cx="2781" cy="763"/>
+            </a:xfrm>
+            <a:prstGeom prst="ellipse">
+              <a:avLst/>
+            </a:prstGeom>
+            <a:solidFill>
+              <a:srgbClr val="EAF1DD"/>
+            </a:solidFill>
+            <a:ln w="9525">
+              <a:solidFill>
+                <a:srgbClr val="000000"/>
+              </a:solidFill>
+              <a:round/>
+              <a:headEnd/>
+              <a:tailEnd/>
+            </a:ln>
+          </p:spPr>
+          <p:txBody>
+            <a:bodyPr vert="horz" wrap="square" lIns="91440" tIns="45720" rIns="91440" bIns="45720" numCol="1" anchor="t" anchorCtr="0" compatLnSpc="1">
+              <a:prstTxWarp prst="textNoShape">
+                <a:avLst/>
+              </a:prstTxWarp>
+            </a:bodyPr>
+            <a:lstStyle/>
+            <a:p>
+              <a:pPr marL="0" marR="0" lvl="0" indent="0" algn="ctr" defTabSz="914400" rtl="0" eaLnBrk="1" fontAlgn="base" latinLnBrk="0" hangingPunct="1">
+                <a:lnSpc>
+                  <a:spcPct val="100000"/>
+                </a:lnSpc>
+                <a:spcBef>
+                  <a:spcPct val="0"/>
+                </a:spcBef>
+                <a:spcAft>
+                  <a:spcPct val="0"/>
+                </a:spcAft>
+                <a:buClrTx/>
+                <a:buSzTx/>
+                <a:buFontTx/>
+                <a:buNone/>
+                <a:tabLst/>
+              </a:pPr>
+              <a:r>
+                <a:rPr kumimoji="0" lang="en-US" sz="800" b="1" i="0" u="none" strike="noStrike" cap="none" normalizeH="0" baseline="0" smtClean="0">
+                  <a:ln>
+                    <a:noFill/>
+                  </a:ln>
+                  <a:solidFill>
+                    <a:schemeClr val="tx1"/>
+                  </a:solidFill>
+                  <a:effectLst/>
+                  <a:latin typeface="Calibri" pitchFamily="34" charset="0"/>
+                  <a:ea typeface="Times New Roman" pitchFamily="18" charset="0"/>
+                  <a:cs typeface="Arial" pitchFamily="34" charset="0"/>
+                </a:rPr>
+                <a:t>Update IEP student progress </a:t>
+              </a:r>
+              <a:endParaRPr kumimoji="0" lang="en-US" sz="1800" b="0" i="0" u="none" strike="noStrike" cap="none" normalizeH="0" baseline="0" smtClean="0">
+                <a:ln>
+                  <a:noFill/>
+                </a:ln>
+                <a:solidFill>
+                  <a:schemeClr val="tx1"/>
+                </a:solidFill>
+                <a:effectLst/>
+                <a:latin typeface="Arial" pitchFamily="34" charset="0"/>
+                <a:cs typeface="Arial" pitchFamily="34" charset="0"/>
+              </a:endParaRPr>
+            </a:p>
+          </p:txBody>
+        </p:sp>
+        <p:sp>
+          <p:nvSpPr>
+            <p:cNvPr id="14345" name="Oval 98"/>
+            <p:cNvSpPr>
+              <a:spLocks noChangeArrowheads="1"/>
+            </p:cNvSpPr>
+            <p:nvPr/>
+          </p:nvSpPr>
+          <p:spPr bwMode="auto">
+            <a:xfrm>
+              <a:off x="1455" y="3020"/>
+              <a:ext cx="2805" cy="558"/>
+            </a:xfrm>
+            <a:prstGeom prst="ellipse">
+              <a:avLst/>
+            </a:prstGeom>
+            <a:solidFill>
+              <a:srgbClr val="EAF1DD"/>
+            </a:solidFill>
+            <a:ln w="9525">
+              <a:solidFill>
+                <a:srgbClr val="000000"/>
+              </a:solidFill>
+              <a:round/>
+              <a:headEnd/>
+              <a:tailEnd/>
+            </a:ln>
+          </p:spPr>
+          <p:txBody>
+            <a:bodyPr vert="horz" wrap="square" lIns="91440" tIns="45720" rIns="91440" bIns="45720" numCol="1" anchor="t" anchorCtr="0" compatLnSpc="1">
+              <a:prstTxWarp prst="textNoShape">
+                <a:avLst/>
+              </a:prstTxWarp>
+            </a:bodyPr>
+            <a:lstStyle/>
+            <a:p>
+              <a:pPr marL="0" marR="0" lvl="0" indent="0" algn="ctr" defTabSz="914400" rtl="0" eaLnBrk="1" fontAlgn="base" latinLnBrk="0" hangingPunct="1">
+                <a:lnSpc>
+                  <a:spcPct val="100000"/>
+                </a:lnSpc>
+                <a:spcBef>
+                  <a:spcPct val="0"/>
+                </a:spcBef>
+                <a:spcAft>
+                  <a:spcPct val="0"/>
+                </a:spcAft>
+                <a:buClrTx/>
+                <a:buSzTx/>
+                <a:buFontTx/>
+                <a:buNone/>
+                <a:tabLst/>
+              </a:pPr>
+              <a:r>
+                <a:rPr kumimoji="0" lang="en-US" sz="800" b="1" i="0" u="none" strike="noStrike" cap="none" normalizeH="0" baseline="0" smtClean="0">
+                  <a:ln>
+                    <a:noFill/>
+                  </a:ln>
+                  <a:solidFill>
+                    <a:schemeClr val="tx1"/>
+                  </a:solidFill>
+                  <a:effectLst/>
+                  <a:latin typeface="Calibri" pitchFamily="34" charset="0"/>
+                  <a:ea typeface="Times New Roman" pitchFamily="18" charset="0"/>
+                  <a:cs typeface="Arial" pitchFamily="34" charset="0"/>
+                </a:rPr>
+                <a:t>Update Application </a:t>
+              </a:r>
+              <a:endParaRPr kumimoji="0" lang="en-US" sz="1800" b="0" i="0" u="none" strike="noStrike" cap="none" normalizeH="0" baseline="0" smtClean="0">
+                <a:ln>
+                  <a:noFill/>
+                </a:ln>
+                <a:solidFill>
+                  <a:schemeClr val="tx1"/>
+                </a:solidFill>
+                <a:effectLst/>
+                <a:latin typeface="Arial" pitchFamily="34" charset="0"/>
+                <a:cs typeface="Arial" pitchFamily="34" charset="0"/>
+              </a:endParaRPr>
+            </a:p>
+          </p:txBody>
+        </p:sp>
+        <p:sp>
+          <p:nvSpPr>
+            <p:cNvPr id="14346" name="Oval 99"/>
+            <p:cNvSpPr>
+              <a:spLocks noChangeArrowheads="1"/>
+            </p:cNvSpPr>
+            <p:nvPr/>
+          </p:nvSpPr>
+          <p:spPr bwMode="auto">
+            <a:xfrm>
+              <a:off x="1455" y="3680"/>
+              <a:ext cx="2805" cy="575"/>
+            </a:xfrm>
+            <a:prstGeom prst="ellipse">
+              <a:avLst/>
+            </a:prstGeom>
+            <a:solidFill>
+              <a:srgbClr val="EAF1DD"/>
+            </a:solidFill>
+            <a:ln w="9525">
+              <a:solidFill>
+                <a:srgbClr val="000000"/>
+              </a:solidFill>
+              <a:round/>
+              <a:headEnd/>
+              <a:tailEnd/>
+            </a:ln>
+          </p:spPr>
+          <p:txBody>
+            <a:bodyPr vert="horz" wrap="square" lIns="91440" tIns="45720" rIns="91440" bIns="45720" numCol="1" anchor="t" anchorCtr="0" compatLnSpc="1">
+              <a:prstTxWarp prst="textNoShape">
+                <a:avLst/>
+              </a:prstTxWarp>
+            </a:bodyPr>
+            <a:lstStyle/>
+            <a:p>
+              <a:pPr marL="0" marR="0" lvl="0" indent="0" algn="ctr" defTabSz="914400" rtl="0" eaLnBrk="1" fontAlgn="base" latinLnBrk="0" hangingPunct="1">
+                <a:lnSpc>
+                  <a:spcPct val="100000"/>
+                </a:lnSpc>
+                <a:spcBef>
+                  <a:spcPct val="0"/>
+                </a:spcBef>
+                <a:spcAft>
+                  <a:spcPct val="0"/>
+                </a:spcAft>
+                <a:buClrTx/>
+                <a:buSzTx/>
+                <a:buFontTx/>
+                <a:buNone/>
+                <a:tabLst/>
+              </a:pPr>
+              <a:r>
+                <a:rPr kumimoji="0" lang="en-US" sz="800" b="1" i="0" u="none" strike="noStrike" cap="none" normalizeH="0" baseline="0" smtClean="0">
+                  <a:ln>
+                    <a:noFill/>
+                  </a:ln>
+                  <a:solidFill>
+                    <a:schemeClr val="tx1"/>
+                  </a:solidFill>
+                  <a:effectLst/>
+                  <a:latin typeface="Calibri" pitchFamily="34" charset="0"/>
+                  <a:ea typeface="Times New Roman" pitchFamily="18" charset="0"/>
+                  <a:cs typeface="Arial" pitchFamily="34" charset="0"/>
+                </a:rPr>
+                <a:t>Update admission status </a:t>
+              </a:r>
+              <a:endParaRPr kumimoji="0" lang="en-US" sz="1800" b="0" i="0" u="none" strike="noStrike" cap="none" normalizeH="0" baseline="0" smtClean="0">
+                <a:ln>
+                  <a:noFill/>
+                </a:ln>
+                <a:solidFill>
+                  <a:schemeClr val="tx1"/>
+                </a:solidFill>
+                <a:effectLst/>
+                <a:latin typeface="Arial" pitchFamily="34" charset="0"/>
+                <a:cs typeface="Arial" pitchFamily="34" charset="0"/>
+              </a:endParaRPr>
+            </a:p>
+          </p:txBody>
+        </p:sp>
+        <p:sp>
+          <p:nvSpPr>
+            <p:cNvPr id="14347" name="Oval 101"/>
+            <p:cNvSpPr>
+              <a:spLocks noChangeArrowheads="1"/>
+            </p:cNvSpPr>
+            <p:nvPr/>
+          </p:nvSpPr>
+          <p:spPr bwMode="auto">
+            <a:xfrm>
+              <a:off x="1455" y="8241"/>
+              <a:ext cx="2757" cy="387"/>
+            </a:xfrm>
+            <a:prstGeom prst="ellipse">
+              <a:avLst/>
+            </a:prstGeom>
+            <a:solidFill>
+              <a:srgbClr val="EAF1DD"/>
+            </a:solidFill>
+            <a:ln w="9525">
+              <a:solidFill>
+                <a:srgbClr val="000000"/>
+              </a:solidFill>
+              <a:round/>
+              <a:headEnd/>
+              <a:tailEnd/>
+            </a:ln>
+          </p:spPr>
+          <p:txBody>
+            <a:bodyPr vert="horz" wrap="square" lIns="91440" tIns="45720" rIns="91440" bIns="45720" numCol="1" anchor="t" anchorCtr="0" compatLnSpc="1">
+              <a:prstTxWarp prst="textNoShape">
+                <a:avLst/>
+              </a:prstTxWarp>
+            </a:bodyPr>
+            <a:lstStyle/>
+            <a:p>
+              <a:pPr marL="0" marR="0" lvl="0" indent="0" algn="ctr" defTabSz="914400" rtl="0" eaLnBrk="1" fontAlgn="base" latinLnBrk="0" hangingPunct="1">
+                <a:lnSpc>
+                  <a:spcPct val="100000"/>
+                </a:lnSpc>
+                <a:spcBef>
+                  <a:spcPct val="0"/>
+                </a:spcBef>
+                <a:spcAft>
+                  <a:spcPct val="0"/>
+                </a:spcAft>
+                <a:buClrTx/>
+                <a:buSzTx/>
+                <a:buFontTx/>
+                <a:buNone/>
+                <a:tabLst/>
+              </a:pPr>
+              <a:r>
+                <a:rPr kumimoji="0" lang="en-US" sz="800" b="1" i="0" u="none" strike="noStrike" cap="none" normalizeH="0" baseline="0" smtClean="0">
+                  <a:ln>
+                    <a:noFill/>
+                  </a:ln>
+                  <a:solidFill>
+                    <a:schemeClr val="tx1"/>
+                  </a:solidFill>
+                  <a:effectLst/>
+                  <a:latin typeface="Calibri" pitchFamily="34" charset="0"/>
+                  <a:ea typeface="Times New Roman" pitchFamily="18" charset="0"/>
+                  <a:cs typeface="Arial" pitchFamily="34" charset="0"/>
+                </a:rPr>
+                <a:t>Update student records</a:t>
+              </a:r>
+              <a:endParaRPr kumimoji="0" lang="en-US" sz="1800" b="0" i="0" u="none" strike="noStrike" cap="none" normalizeH="0" baseline="0" smtClean="0">
+                <a:ln>
+                  <a:noFill/>
+                </a:ln>
+                <a:solidFill>
+                  <a:schemeClr val="tx1"/>
+                </a:solidFill>
+                <a:effectLst/>
+                <a:latin typeface="Arial" pitchFamily="34" charset="0"/>
+                <a:cs typeface="Arial" pitchFamily="34" charset="0"/>
+              </a:endParaRPr>
+            </a:p>
+          </p:txBody>
+        </p:sp>
+        <p:sp>
+          <p:nvSpPr>
+            <p:cNvPr id="14348" name="Oval 102"/>
+            <p:cNvSpPr>
+              <a:spLocks noChangeArrowheads="1"/>
+            </p:cNvSpPr>
+            <p:nvPr/>
+          </p:nvSpPr>
+          <p:spPr bwMode="auto">
+            <a:xfrm>
+              <a:off x="8293" y="13571"/>
+              <a:ext cx="2788" cy="484"/>
+            </a:xfrm>
+            <a:prstGeom prst="ellipse">
+              <a:avLst/>
+            </a:prstGeom>
+            <a:solidFill>
+              <a:srgbClr val="EAF1DD"/>
+            </a:solidFill>
+            <a:ln w="9525">
+              <a:solidFill>
+                <a:srgbClr val="000000"/>
+              </a:solidFill>
+              <a:round/>
+              <a:headEnd/>
+              <a:tailEnd/>
+            </a:ln>
+          </p:spPr>
+          <p:txBody>
+            <a:bodyPr vert="horz" wrap="square" lIns="91440" tIns="45720" rIns="91440" bIns="45720" numCol="1" anchor="t" anchorCtr="0" compatLnSpc="1">
+              <a:prstTxWarp prst="textNoShape">
+                <a:avLst/>
+              </a:prstTxWarp>
+            </a:bodyPr>
+            <a:lstStyle/>
+            <a:p>
+              <a:pPr marL="0" marR="0" lvl="0" indent="0" algn="ctr" defTabSz="914400" rtl="0" eaLnBrk="1" fontAlgn="base" latinLnBrk="0" hangingPunct="1">
+                <a:lnSpc>
+                  <a:spcPct val="100000"/>
+                </a:lnSpc>
+                <a:spcBef>
+                  <a:spcPct val="0"/>
+                </a:spcBef>
+                <a:spcAft>
+                  <a:spcPct val="0"/>
+                </a:spcAft>
+                <a:buClrTx/>
+                <a:buSzTx/>
+                <a:buFontTx/>
+                <a:buNone/>
+                <a:tabLst/>
+              </a:pPr>
+              <a:r>
+                <a:rPr kumimoji="0" lang="en-US" sz="800" b="1" i="0" u="none" strike="noStrike" cap="none" normalizeH="0" baseline="0" smtClean="0">
+                  <a:ln>
+                    <a:noFill/>
+                  </a:ln>
+                  <a:solidFill>
+                    <a:schemeClr val="tx1"/>
+                  </a:solidFill>
+                  <a:effectLst/>
+                  <a:latin typeface="Calibri" pitchFamily="34" charset="0"/>
+                  <a:ea typeface="Times New Roman" pitchFamily="18" charset="0"/>
+                  <a:cs typeface="Arial" pitchFamily="34" charset="0"/>
+                </a:rPr>
+                <a:t>View progress</a:t>
+              </a:r>
+              <a:endParaRPr kumimoji="0" lang="en-US" sz="1800" b="0" i="0" u="none" strike="noStrike" cap="none" normalizeH="0" baseline="0" smtClean="0">
+                <a:ln>
+                  <a:noFill/>
+                </a:ln>
+                <a:solidFill>
+                  <a:schemeClr val="tx1"/>
+                </a:solidFill>
+                <a:effectLst/>
+                <a:latin typeface="Arial" pitchFamily="34" charset="0"/>
+                <a:cs typeface="Arial" pitchFamily="34" charset="0"/>
+              </a:endParaRPr>
+            </a:p>
+          </p:txBody>
+        </p:sp>
+        <p:sp>
+          <p:nvSpPr>
+            <p:cNvPr id="14349" name="Oval 103"/>
+            <p:cNvSpPr>
+              <a:spLocks noChangeArrowheads="1"/>
+            </p:cNvSpPr>
+            <p:nvPr/>
+          </p:nvSpPr>
+          <p:spPr bwMode="auto">
+            <a:xfrm>
+              <a:off x="8359" y="14129"/>
+              <a:ext cx="2787" cy="484"/>
+            </a:xfrm>
+            <a:prstGeom prst="ellipse">
+              <a:avLst/>
+            </a:prstGeom>
+            <a:solidFill>
+              <a:srgbClr val="EAF1DD"/>
+            </a:solidFill>
+            <a:ln w="9525">
+              <a:solidFill>
+                <a:srgbClr val="000000"/>
+              </a:solidFill>
+              <a:round/>
+              <a:headEnd/>
+              <a:tailEnd/>
+            </a:ln>
+          </p:spPr>
+          <p:txBody>
+            <a:bodyPr vert="horz" wrap="square" lIns="91440" tIns="45720" rIns="91440" bIns="45720" numCol="1" anchor="t" anchorCtr="0" compatLnSpc="1">
+              <a:prstTxWarp prst="textNoShape">
+                <a:avLst/>
+              </a:prstTxWarp>
+            </a:bodyPr>
+            <a:lstStyle/>
+            <a:p>
+              <a:pPr marL="0" marR="0" lvl="0" indent="0" algn="ctr" defTabSz="914400" rtl="0" eaLnBrk="1" fontAlgn="base" latinLnBrk="0" hangingPunct="1">
+                <a:lnSpc>
+                  <a:spcPct val="100000"/>
+                </a:lnSpc>
+                <a:spcBef>
+                  <a:spcPct val="0"/>
+                </a:spcBef>
+                <a:spcAft>
+                  <a:spcPct val="0"/>
+                </a:spcAft>
+                <a:buClrTx/>
+                <a:buSzTx/>
+                <a:buFontTx/>
+                <a:buNone/>
+                <a:tabLst/>
+              </a:pPr>
+              <a:r>
+                <a:rPr kumimoji="0" lang="en-US" sz="800" b="1" i="0" u="none" strike="noStrike" cap="none" normalizeH="0" baseline="0" smtClean="0">
+                  <a:ln>
+                    <a:noFill/>
+                  </a:ln>
+                  <a:solidFill>
+                    <a:schemeClr val="tx1"/>
+                  </a:solidFill>
+                  <a:effectLst/>
+                  <a:latin typeface="Calibri" pitchFamily="34" charset="0"/>
+                  <a:ea typeface="Times New Roman" pitchFamily="18" charset="0"/>
+                  <a:cs typeface="Arial" pitchFamily="34" charset="0"/>
+                </a:rPr>
+                <a:t>View grades</a:t>
+              </a:r>
+              <a:endParaRPr kumimoji="0" lang="en-US" sz="1800" b="0" i="0" u="none" strike="noStrike" cap="none" normalizeH="0" baseline="0" smtClean="0">
+                <a:ln>
+                  <a:noFill/>
+                </a:ln>
+                <a:solidFill>
+                  <a:schemeClr val="tx1"/>
+                </a:solidFill>
+                <a:effectLst/>
+                <a:latin typeface="Arial" pitchFamily="34" charset="0"/>
+                <a:cs typeface="Arial" pitchFamily="34" charset="0"/>
+              </a:endParaRPr>
+            </a:p>
+          </p:txBody>
+        </p:sp>
+        <p:sp>
+          <p:nvSpPr>
+            <p:cNvPr id="14350" name="Oval 105"/>
+            <p:cNvSpPr>
+              <a:spLocks noChangeArrowheads="1"/>
+            </p:cNvSpPr>
+            <p:nvPr/>
+          </p:nvSpPr>
+          <p:spPr bwMode="auto">
+            <a:xfrm>
+              <a:off x="1973" y="10814"/>
+              <a:ext cx="2175" cy="396"/>
+            </a:xfrm>
+            <a:prstGeom prst="ellipse">
+              <a:avLst/>
+            </a:prstGeom>
+            <a:solidFill>
+              <a:srgbClr val="EAF1DD"/>
+            </a:solidFill>
+            <a:ln w="9525">
+              <a:solidFill>
+                <a:srgbClr val="000000"/>
+              </a:solidFill>
+              <a:round/>
+              <a:headEnd/>
+              <a:tailEnd/>
+            </a:ln>
+          </p:spPr>
+          <p:txBody>
+            <a:bodyPr vert="horz" wrap="square" lIns="91440" tIns="45720" rIns="91440" bIns="45720" numCol="1" anchor="t" anchorCtr="0" compatLnSpc="1">
+              <a:prstTxWarp prst="textNoShape">
+                <a:avLst/>
+              </a:prstTxWarp>
+            </a:bodyPr>
+            <a:lstStyle/>
+            <a:p>
+              <a:pPr marL="0" marR="0" lvl="0" indent="0" algn="ctr" defTabSz="914400" rtl="0" eaLnBrk="1" fontAlgn="base" latinLnBrk="0" hangingPunct="1">
+                <a:lnSpc>
+                  <a:spcPct val="100000"/>
+                </a:lnSpc>
+                <a:spcBef>
+                  <a:spcPct val="0"/>
+                </a:spcBef>
+                <a:spcAft>
+                  <a:spcPct val="0"/>
+                </a:spcAft>
+                <a:buClrTx/>
+                <a:buSzTx/>
+                <a:buFontTx/>
+                <a:buNone/>
+                <a:tabLst/>
+              </a:pPr>
+              <a:r>
+                <a:rPr kumimoji="0" lang="en-US" sz="800" b="1" i="0" u="none" strike="noStrike" cap="none" normalizeH="0" baseline="0" smtClean="0">
+                  <a:ln>
+                    <a:noFill/>
+                  </a:ln>
+                  <a:solidFill>
+                    <a:schemeClr val="tx1"/>
+                  </a:solidFill>
+                  <a:effectLst/>
+                  <a:latin typeface="Calibri" pitchFamily="34" charset="0"/>
+                  <a:ea typeface="Times New Roman" pitchFamily="18" charset="0"/>
+                  <a:cs typeface="Arial" pitchFamily="34" charset="0"/>
+                </a:rPr>
+                <a:t>Update Profile</a:t>
+              </a:r>
+              <a:endParaRPr kumimoji="0" lang="en-US" sz="1800" b="0" i="0" u="none" strike="noStrike" cap="none" normalizeH="0" baseline="0" smtClean="0">
+                <a:ln>
+                  <a:noFill/>
+                </a:ln>
+                <a:solidFill>
+                  <a:schemeClr val="tx1"/>
+                </a:solidFill>
+                <a:effectLst/>
+                <a:latin typeface="Arial" pitchFamily="34" charset="0"/>
+                <a:cs typeface="Arial" pitchFamily="34" charset="0"/>
+              </a:endParaRPr>
+            </a:p>
+          </p:txBody>
+        </p:sp>
+        <p:sp>
+          <p:nvSpPr>
+            <p:cNvPr id="14351" name="Oval 107"/>
+            <p:cNvSpPr>
+              <a:spLocks noChangeArrowheads="1"/>
+            </p:cNvSpPr>
+            <p:nvPr/>
+          </p:nvSpPr>
+          <p:spPr bwMode="auto">
+            <a:xfrm>
+              <a:off x="1800" y="9908"/>
+              <a:ext cx="2175" cy="371"/>
+            </a:xfrm>
+            <a:prstGeom prst="ellipse">
+              <a:avLst/>
+            </a:prstGeom>
+            <a:solidFill>
+              <a:srgbClr val="EAF1DD"/>
+            </a:solidFill>
+            <a:ln w="9525">
+              <a:solidFill>
+                <a:srgbClr val="000000"/>
+              </a:solidFill>
+              <a:round/>
+              <a:headEnd/>
+              <a:tailEnd/>
+            </a:ln>
+          </p:spPr>
+          <p:txBody>
+            <a:bodyPr vert="horz" wrap="square" lIns="91440" tIns="45720" rIns="91440" bIns="45720" numCol="1" anchor="t" anchorCtr="0" compatLnSpc="1">
+              <a:prstTxWarp prst="textNoShape">
+                <a:avLst/>
+              </a:prstTxWarp>
+            </a:bodyPr>
+            <a:lstStyle/>
+            <a:p>
+              <a:pPr marL="0" marR="0" lvl="0" indent="0" algn="ctr" defTabSz="914400" rtl="0" eaLnBrk="1" fontAlgn="base" latinLnBrk="0" hangingPunct="1">
+                <a:lnSpc>
+                  <a:spcPct val="100000"/>
+                </a:lnSpc>
+                <a:spcBef>
+                  <a:spcPct val="0"/>
+                </a:spcBef>
+                <a:spcAft>
+                  <a:spcPct val="0"/>
+                </a:spcAft>
+                <a:buClrTx/>
+                <a:buSzTx/>
+                <a:buFontTx/>
+                <a:buNone/>
+                <a:tabLst/>
+              </a:pPr>
+              <a:r>
+                <a:rPr kumimoji="0" lang="en-US" sz="800" b="1" i="0" u="none" strike="noStrike" cap="none" normalizeH="0" baseline="0" smtClean="0">
+                  <a:ln>
+                    <a:noFill/>
+                  </a:ln>
+                  <a:solidFill>
+                    <a:schemeClr val="tx1"/>
+                  </a:solidFill>
+                  <a:effectLst/>
+                  <a:latin typeface="Calibri" pitchFamily="34" charset="0"/>
+                  <a:ea typeface="Times New Roman" pitchFamily="18" charset="0"/>
+                  <a:cs typeface="Arial" pitchFamily="34" charset="0"/>
+                </a:rPr>
+                <a:t>Log In</a:t>
+              </a:r>
+              <a:endParaRPr kumimoji="0" lang="en-US" sz="1800" b="0" i="0" u="none" strike="noStrike" cap="none" normalizeH="0" baseline="0" smtClean="0">
+                <a:ln>
+                  <a:noFill/>
+                </a:ln>
+                <a:solidFill>
+                  <a:schemeClr val="tx1"/>
+                </a:solidFill>
+                <a:effectLst/>
+                <a:latin typeface="Arial" pitchFamily="34" charset="0"/>
+                <a:cs typeface="Arial" pitchFamily="34" charset="0"/>
+              </a:endParaRPr>
+            </a:p>
+          </p:txBody>
+        </p:sp>
+        <p:sp>
+          <p:nvSpPr>
+            <p:cNvPr id="14352" name="Oval 108"/>
+            <p:cNvSpPr>
+              <a:spLocks noChangeArrowheads="1"/>
+            </p:cNvSpPr>
+            <p:nvPr/>
+          </p:nvSpPr>
+          <p:spPr bwMode="auto">
+            <a:xfrm>
+              <a:off x="2130" y="11264"/>
+              <a:ext cx="2175" cy="453"/>
+            </a:xfrm>
+            <a:prstGeom prst="ellipse">
+              <a:avLst/>
+            </a:prstGeom>
+            <a:solidFill>
+              <a:srgbClr val="EAF1DD"/>
+            </a:solidFill>
+            <a:ln w="9525">
+              <a:solidFill>
+                <a:srgbClr val="000000"/>
+              </a:solidFill>
+              <a:round/>
+              <a:headEnd/>
+              <a:tailEnd/>
+            </a:ln>
+          </p:spPr>
+          <p:txBody>
+            <a:bodyPr vert="horz" wrap="square" lIns="91440" tIns="45720" rIns="91440" bIns="45720" numCol="1" anchor="t" anchorCtr="0" compatLnSpc="1">
+              <a:prstTxWarp prst="textNoShape">
+                <a:avLst/>
+              </a:prstTxWarp>
+            </a:bodyPr>
+            <a:lstStyle/>
+            <a:p>
+              <a:pPr marL="0" marR="0" lvl="0" indent="0" algn="ctr" defTabSz="914400" rtl="0" eaLnBrk="1" fontAlgn="base" latinLnBrk="0" hangingPunct="1">
+                <a:lnSpc>
+                  <a:spcPct val="100000"/>
+                </a:lnSpc>
+                <a:spcBef>
+                  <a:spcPct val="0"/>
+                </a:spcBef>
+                <a:spcAft>
+                  <a:spcPct val="0"/>
+                </a:spcAft>
+                <a:buClrTx/>
+                <a:buSzTx/>
+                <a:buFontTx/>
+                <a:buNone/>
+                <a:tabLst/>
+              </a:pPr>
+              <a:r>
+                <a:rPr kumimoji="0" lang="en-US" sz="800" b="1" i="0" u="none" strike="noStrike" cap="none" normalizeH="0" baseline="0" smtClean="0">
+                  <a:ln>
+                    <a:noFill/>
+                  </a:ln>
+                  <a:solidFill>
+                    <a:schemeClr val="tx1"/>
+                  </a:solidFill>
+                  <a:effectLst/>
+                  <a:latin typeface="Calibri" pitchFamily="34" charset="0"/>
+                  <a:ea typeface="Times New Roman" pitchFamily="18" charset="0"/>
+                  <a:cs typeface="Arial" pitchFamily="34" charset="0"/>
+                </a:rPr>
+                <a:t>Access home page</a:t>
+              </a:r>
+              <a:endParaRPr kumimoji="0" lang="en-US" sz="1800" b="0" i="0" u="none" strike="noStrike" cap="none" normalizeH="0" baseline="0" smtClean="0">
+                <a:ln>
+                  <a:noFill/>
+                </a:ln>
+                <a:solidFill>
+                  <a:schemeClr val="tx1"/>
+                </a:solidFill>
+                <a:effectLst/>
+                <a:latin typeface="Arial" pitchFamily="34" charset="0"/>
+                <a:cs typeface="Arial" pitchFamily="34" charset="0"/>
+              </a:endParaRPr>
+            </a:p>
+          </p:txBody>
+        </p:sp>
+        <p:sp>
+          <p:nvSpPr>
+            <p:cNvPr id="14353" name="Straight Connector 110"/>
+            <p:cNvSpPr>
+              <a:spLocks noChangeShapeType="1"/>
+            </p:cNvSpPr>
+            <p:nvPr/>
+          </p:nvSpPr>
+          <p:spPr bwMode="auto">
+            <a:xfrm flipH="1">
+              <a:off x="7050" y="7042"/>
+              <a:ext cx="0" cy="0"/>
+            </a:xfrm>
+            <a:prstGeom prst="line">
+              <a:avLst/>
+            </a:prstGeom>
+            <a:noFill/>
+            <a:ln w="9525">
+              <a:solidFill>
+                <a:srgbClr val="4579B8"/>
+              </a:solidFill>
+              <a:round/>
+              <a:headEnd/>
+              <a:tailEnd/>
+            </a:ln>
+            <a:extLst>
+              <a:ext uri="{909E8E84-426E-40DD-AFC4-6F175D3DCCD1}">
+                <a14:hiddenFill xmlns:a14="http://schemas.microsoft.com/office/drawing/2010/main">
+                  <a:noFill/>
+                </a14:hiddenFill>
+              </a:ext>
+            </a:extLst>
+          </p:spPr>
+          <p:txBody>
+            <a:bodyPr vert="horz" wrap="square" lIns="91440" tIns="45720" rIns="91440" bIns="45720" numCol="1" anchor="t" anchorCtr="0" compatLnSpc="1">
+              <a:prstTxWarp prst="textNoShape">
+                <a:avLst/>
+              </a:prstTxWarp>
+            </a:bodyPr>
+            <a:lstStyle/>
+            <a:p>
+              <a:endParaRPr lang="en-US"/>
+            </a:p>
+          </p:txBody>
+        </p:sp>
+        <p:sp>
+          <p:nvSpPr>
+            <p:cNvPr id="14354" name="Straight Connector 113"/>
+            <p:cNvSpPr>
+              <a:spLocks noChangeShapeType="1"/>
+            </p:cNvSpPr>
+            <p:nvPr/>
+          </p:nvSpPr>
+          <p:spPr bwMode="auto">
+            <a:xfrm flipV="1">
+              <a:off x="6900" y="3020"/>
+              <a:ext cx="1550" cy="3880"/>
+            </a:xfrm>
+            <a:prstGeom prst="line">
+              <a:avLst/>
+            </a:prstGeom>
+            <a:noFill/>
+            <a:ln w="9525">
+              <a:solidFill>
+                <a:srgbClr val="4579B8"/>
+              </a:solidFill>
+              <a:round/>
+              <a:headEnd/>
+              <a:tailEnd/>
+            </a:ln>
+            <a:extLst>
+              <a:ext uri="{909E8E84-426E-40DD-AFC4-6F175D3DCCD1}">
+                <a14:hiddenFill xmlns:a14="http://schemas.microsoft.com/office/drawing/2010/main">
+                  <a:noFill/>
+                </a14:hiddenFill>
+              </a:ext>
+            </a:extLst>
+          </p:spPr>
+          <p:txBody>
+            <a:bodyPr vert="horz" wrap="square" lIns="91440" tIns="45720" rIns="91440" bIns="45720" numCol="1" anchor="t" anchorCtr="0" compatLnSpc="1">
+              <a:prstTxWarp prst="textNoShape">
+                <a:avLst/>
+              </a:prstTxWarp>
+            </a:bodyPr>
+            <a:lstStyle/>
+            <a:p>
+              <a:endParaRPr lang="en-US"/>
+            </a:p>
+          </p:txBody>
+        </p:sp>
+        <p:sp>
+          <p:nvSpPr>
+            <p:cNvPr id="14355" name="Straight Connector 114"/>
+            <p:cNvSpPr>
+              <a:spLocks noChangeShapeType="1"/>
+            </p:cNvSpPr>
+            <p:nvPr/>
+          </p:nvSpPr>
+          <p:spPr bwMode="auto">
+            <a:xfrm flipH="1" flipV="1">
+              <a:off x="4155" y="1980"/>
+              <a:ext cx="1517" cy="3426"/>
+            </a:xfrm>
+            <a:prstGeom prst="line">
+              <a:avLst/>
+            </a:prstGeom>
+            <a:noFill/>
+            <a:ln w="9525">
+              <a:solidFill>
+                <a:srgbClr val="4579B8"/>
+              </a:solidFill>
+              <a:round/>
+              <a:headEnd/>
+              <a:tailEnd/>
+            </a:ln>
+            <a:extLst>
+              <a:ext uri="{909E8E84-426E-40DD-AFC4-6F175D3DCCD1}">
+                <a14:hiddenFill xmlns:a14="http://schemas.microsoft.com/office/drawing/2010/main">
+                  <a:noFill/>
+                </a14:hiddenFill>
+              </a:ext>
+            </a:extLst>
+          </p:spPr>
+          <p:txBody>
+            <a:bodyPr vert="horz" wrap="square" lIns="91440" tIns="45720" rIns="91440" bIns="45720" numCol="1" anchor="t" anchorCtr="0" compatLnSpc="1">
+              <a:prstTxWarp prst="textNoShape">
+                <a:avLst/>
+              </a:prstTxWarp>
+            </a:bodyPr>
+            <a:lstStyle/>
+            <a:p>
+              <a:endParaRPr lang="en-US"/>
+            </a:p>
+          </p:txBody>
+        </p:sp>
+        <p:sp>
+          <p:nvSpPr>
+            <p:cNvPr id="14356" name="Straight Connector 115"/>
+            <p:cNvSpPr>
+              <a:spLocks noChangeShapeType="1"/>
+            </p:cNvSpPr>
+            <p:nvPr/>
+          </p:nvSpPr>
+          <p:spPr bwMode="auto">
+            <a:xfrm flipH="1" flipV="1">
+              <a:off x="4335" y="2700"/>
+              <a:ext cx="1381" cy="2806"/>
+            </a:xfrm>
+            <a:prstGeom prst="line">
+              <a:avLst/>
+            </a:prstGeom>
+            <a:noFill/>
+            <a:ln w="9525">
+              <a:solidFill>
+                <a:srgbClr val="4579B8"/>
+              </a:solidFill>
+              <a:round/>
+              <a:headEnd/>
+              <a:tailEnd/>
+            </a:ln>
+            <a:extLst>
+              <a:ext uri="{909E8E84-426E-40DD-AFC4-6F175D3DCCD1}">
+                <a14:hiddenFill xmlns:a14="http://schemas.microsoft.com/office/drawing/2010/main">
+                  <a:noFill/>
+                </a14:hiddenFill>
+              </a:ext>
+            </a:extLst>
+          </p:spPr>
+          <p:txBody>
+            <a:bodyPr vert="horz" wrap="square" lIns="91440" tIns="45720" rIns="91440" bIns="45720" numCol="1" anchor="t" anchorCtr="0" compatLnSpc="1">
+              <a:prstTxWarp prst="textNoShape">
+                <a:avLst/>
+              </a:prstTxWarp>
+            </a:bodyPr>
+            <a:lstStyle/>
+            <a:p>
+              <a:endParaRPr lang="en-US"/>
+            </a:p>
+          </p:txBody>
+        </p:sp>
+        <p:sp>
+          <p:nvSpPr>
+            <p:cNvPr id="14357" name="Straight Connector 116"/>
+            <p:cNvSpPr>
+              <a:spLocks noChangeShapeType="1"/>
+            </p:cNvSpPr>
+            <p:nvPr/>
+          </p:nvSpPr>
+          <p:spPr bwMode="auto">
+            <a:xfrm flipH="1" flipV="1">
+              <a:off x="4260" y="3299"/>
+              <a:ext cx="1307" cy="2065"/>
+            </a:xfrm>
+            <a:prstGeom prst="line">
+              <a:avLst/>
+            </a:prstGeom>
+            <a:noFill/>
+            <a:ln w="9525">
+              <a:solidFill>
+                <a:srgbClr val="4579B8"/>
+              </a:solidFill>
+              <a:round/>
+              <a:headEnd/>
+              <a:tailEnd/>
+            </a:ln>
+            <a:extLst>
+              <a:ext uri="{909E8E84-426E-40DD-AFC4-6F175D3DCCD1}">
+                <a14:hiddenFill xmlns:a14="http://schemas.microsoft.com/office/drawing/2010/main">
+                  <a:noFill/>
+                </a14:hiddenFill>
+              </a:ext>
+            </a:extLst>
+          </p:spPr>
+          <p:txBody>
+            <a:bodyPr vert="horz" wrap="square" lIns="91440" tIns="45720" rIns="91440" bIns="45720" numCol="1" anchor="t" anchorCtr="0" compatLnSpc="1">
+              <a:prstTxWarp prst="textNoShape">
+                <a:avLst/>
+              </a:prstTxWarp>
+            </a:bodyPr>
+            <a:lstStyle/>
+            <a:p>
+              <a:endParaRPr lang="en-US"/>
+            </a:p>
+          </p:txBody>
+        </p:sp>
+        <p:sp>
+          <p:nvSpPr>
+            <p:cNvPr id="14358" name="Straight Connector 117"/>
+            <p:cNvSpPr>
+              <a:spLocks noChangeShapeType="1"/>
+            </p:cNvSpPr>
+            <p:nvPr/>
+          </p:nvSpPr>
+          <p:spPr bwMode="auto">
+            <a:xfrm flipH="1" flipV="1">
+              <a:off x="4260" y="3968"/>
+              <a:ext cx="1456" cy="1538"/>
+            </a:xfrm>
+            <a:prstGeom prst="line">
+              <a:avLst/>
+            </a:prstGeom>
+            <a:noFill/>
+            <a:ln w="9525">
+              <a:solidFill>
+                <a:srgbClr val="4579B8"/>
+              </a:solidFill>
+              <a:round/>
+              <a:headEnd/>
+              <a:tailEnd/>
+            </a:ln>
+            <a:extLst>
+              <a:ext uri="{909E8E84-426E-40DD-AFC4-6F175D3DCCD1}">
+                <a14:hiddenFill xmlns:a14="http://schemas.microsoft.com/office/drawing/2010/main">
+                  <a:noFill/>
+                </a14:hiddenFill>
+              </a:ext>
+            </a:extLst>
+          </p:spPr>
+          <p:txBody>
+            <a:bodyPr vert="horz" wrap="square" lIns="91440" tIns="45720" rIns="91440" bIns="45720" numCol="1" anchor="t" anchorCtr="0" compatLnSpc="1">
+              <a:prstTxWarp prst="textNoShape">
+                <a:avLst/>
+              </a:prstTxWarp>
+            </a:bodyPr>
+            <a:lstStyle/>
+            <a:p>
+              <a:endParaRPr lang="en-US"/>
+            </a:p>
+          </p:txBody>
+        </p:sp>
+        <p:sp>
+          <p:nvSpPr>
+            <p:cNvPr id="14359" name="Straight Connector 118"/>
+            <p:cNvSpPr>
+              <a:spLocks noChangeShapeType="1"/>
+            </p:cNvSpPr>
+            <p:nvPr/>
+          </p:nvSpPr>
+          <p:spPr bwMode="auto">
+            <a:xfrm flipH="1" flipV="1">
+              <a:off x="4260" y="4632"/>
+              <a:ext cx="1201" cy="774"/>
+            </a:xfrm>
+            <a:prstGeom prst="line">
+              <a:avLst/>
+            </a:prstGeom>
+            <a:noFill/>
+            <a:ln w="9525">
+              <a:solidFill>
+                <a:srgbClr val="4579B8"/>
+              </a:solidFill>
+              <a:round/>
+              <a:headEnd/>
+              <a:tailEnd/>
+            </a:ln>
+            <a:extLst>
+              <a:ext uri="{909E8E84-426E-40DD-AFC4-6F175D3DCCD1}">
+                <a14:hiddenFill xmlns:a14="http://schemas.microsoft.com/office/drawing/2010/main">
+                  <a:noFill/>
+                </a14:hiddenFill>
+              </a:ext>
+            </a:extLst>
+          </p:spPr>
+          <p:txBody>
+            <a:bodyPr vert="horz" wrap="square" lIns="91440" tIns="45720" rIns="91440" bIns="45720" numCol="1" anchor="t" anchorCtr="0" compatLnSpc="1">
+              <a:prstTxWarp prst="textNoShape">
+                <a:avLst/>
+              </a:prstTxWarp>
+            </a:bodyPr>
+            <a:lstStyle/>
+            <a:p>
+              <a:endParaRPr lang="en-US"/>
+            </a:p>
+          </p:txBody>
+        </p:sp>
+        <p:sp>
+          <p:nvSpPr>
+            <p:cNvPr id="14360" name="Straight Connector 119"/>
+            <p:cNvSpPr>
+              <a:spLocks noChangeShapeType="1"/>
+            </p:cNvSpPr>
+            <p:nvPr/>
+          </p:nvSpPr>
+          <p:spPr bwMode="auto">
+            <a:xfrm flipH="1" flipV="1">
+              <a:off x="4212" y="5258"/>
+              <a:ext cx="1205" cy="248"/>
+            </a:xfrm>
+            <a:prstGeom prst="line">
+              <a:avLst/>
+            </a:prstGeom>
+            <a:noFill/>
+            <a:ln w="9525">
+              <a:solidFill>
+                <a:srgbClr val="4579B8"/>
+              </a:solidFill>
+              <a:round/>
+              <a:headEnd/>
+              <a:tailEnd/>
+            </a:ln>
+            <a:extLst>
+              <a:ext uri="{909E8E84-426E-40DD-AFC4-6F175D3DCCD1}">
+                <a14:hiddenFill xmlns:a14="http://schemas.microsoft.com/office/drawing/2010/main">
+                  <a:noFill/>
+                </a14:hiddenFill>
+              </a:ext>
+            </a:extLst>
+          </p:spPr>
+          <p:txBody>
+            <a:bodyPr vert="horz" wrap="square" lIns="91440" tIns="45720" rIns="91440" bIns="45720" numCol="1" anchor="t" anchorCtr="0" compatLnSpc="1">
+              <a:prstTxWarp prst="textNoShape">
+                <a:avLst/>
+              </a:prstTxWarp>
+            </a:bodyPr>
+            <a:lstStyle/>
+            <a:p>
+              <a:endParaRPr lang="en-US"/>
+            </a:p>
+          </p:txBody>
+        </p:sp>
+        <p:sp>
+          <p:nvSpPr>
+            <p:cNvPr id="14361" name="Straight Connector 120"/>
+            <p:cNvSpPr>
+              <a:spLocks noChangeShapeType="1"/>
+            </p:cNvSpPr>
+            <p:nvPr/>
+          </p:nvSpPr>
+          <p:spPr bwMode="auto">
+            <a:xfrm flipH="1">
+              <a:off x="4118" y="5607"/>
+              <a:ext cx="1343" cy="2144"/>
+            </a:xfrm>
+            <a:prstGeom prst="line">
+              <a:avLst/>
+            </a:prstGeom>
+            <a:noFill/>
+            <a:ln w="9525">
+              <a:solidFill>
+                <a:srgbClr val="4579B8"/>
+              </a:solidFill>
+              <a:round/>
+              <a:headEnd/>
+              <a:tailEnd/>
+            </a:ln>
+            <a:extLst>
+              <a:ext uri="{909E8E84-426E-40DD-AFC4-6F175D3DCCD1}">
+                <a14:hiddenFill xmlns:a14="http://schemas.microsoft.com/office/drawing/2010/main">
+                  <a:noFill/>
+                </a14:hiddenFill>
+              </a:ext>
+            </a:extLst>
+          </p:spPr>
+          <p:txBody>
+            <a:bodyPr vert="horz" wrap="square" lIns="91440" tIns="45720" rIns="91440" bIns="45720" numCol="1" anchor="t" anchorCtr="0" compatLnSpc="1">
+              <a:prstTxWarp prst="textNoShape">
+                <a:avLst/>
+              </a:prstTxWarp>
+            </a:bodyPr>
+            <a:lstStyle/>
+            <a:p>
+              <a:endParaRPr lang="en-US"/>
+            </a:p>
+          </p:txBody>
+        </p:sp>
+        <p:sp>
+          <p:nvSpPr>
+            <p:cNvPr id="14362" name="Straight Connector 121"/>
+            <p:cNvSpPr>
+              <a:spLocks noChangeShapeType="1"/>
+            </p:cNvSpPr>
+            <p:nvPr/>
+          </p:nvSpPr>
+          <p:spPr bwMode="auto">
+            <a:xfrm flipH="1">
+              <a:off x="4118" y="5607"/>
+              <a:ext cx="1343" cy="2751"/>
+            </a:xfrm>
+            <a:prstGeom prst="line">
+              <a:avLst/>
+            </a:prstGeom>
+            <a:noFill/>
+            <a:ln w="9525">
+              <a:solidFill>
+                <a:srgbClr val="4579B8"/>
+              </a:solidFill>
+              <a:round/>
+              <a:headEnd/>
+              <a:tailEnd/>
+            </a:ln>
+            <a:extLst>
+              <a:ext uri="{909E8E84-426E-40DD-AFC4-6F175D3DCCD1}">
+                <a14:hiddenFill xmlns:a14="http://schemas.microsoft.com/office/drawing/2010/main">
+                  <a:noFill/>
+                </a14:hiddenFill>
+              </a:ext>
+            </a:extLst>
+          </p:spPr>
+          <p:txBody>
+            <a:bodyPr vert="horz" wrap="square" lIns="91440" tIns="45720" rIns="91440" bIns="45720" numCol="1" anchor="t" anchorCtr="0" compatLnSpc="1">
+              <a:prstTxWarp prst="textNoShape">
+                <a:avLst/>
+              </a:prstTxWarp>
+            </a:bodyPr>
+            <a:lstStyle/>
+            <a:p>
+              <a:endParaRPr lang="en-US"/>
+            </a:p>
+          </p:txBody>
+        </p:sp>
+        <p:sp>
+          <p:nvSpPr>
+            <p:cNvPr id="14363" name="Straight Connector 122"/>
+            <p:cNvSpPr>
+              <a:spLocks noChangeShapeType="1"/>
+            </p:cNvSpPr>
+            <p:nvPr/>
+          </p:nvSpPr>
+          <p:spPr bwMode="auto">
+            <a:xfrm flipH="1">
+              <a:off x="4212" y="5648"/>
+              <a:ext cx="1355" cy="3206"/>
+            </a:xfrm>
+            <a:prstGeom prst="line">
+              <a:avLst/>
+            </a:prstGeom>
+            <a:noFill/>
+            <a:ln w="9525">
+              <a:solidFill>
+                <a:srgbClr val="4579B8"/>
+              </a:solidFill>
+              <a:round/>
+              <a:headEnd/>
+              <a:tailEnd/>
+            </a:ln>
+            <a:extLst>
+              <a:ext uri="{909E8E84-426E-40DD-AFC4-6F175D3DCCD1}">
+                <a14:hiddenFill xmlns:a14="http://schemas.microsoft.com/office/drawing/2010/main">
+                  <a:noFill/>
+                </a14:hiddenFill>
+              </a:ext>
+            </a:extLst>
+          </p:spPr>
+          <p:txBody>
+            <a:bodyPr vert="horz" wrap="square" lIns="91440" tIns="45720" rIns="91440" bIns="45720" numCol="1" anchor="t" anchorCtr="0" compatLnSpc="1">
+              <a:prstTxWarp prst="textNoShape">
+                <a:avLst/>
+              </a:prstTxWarp>
+            </a:bodyPr>
+            <a:lstStyle/>
+            <a:p>
+              <a:endParaRPr lang="en-US"/>
+            </a:p>
+          </p:txBody>
+        </p:sp>
+        <p:sp>
+          <p:nvSpPr>
+            <p:cNvPr id="14364" name="Straight Connector 123"/>
+            <p:cNvSpPr>
+              <a:spLocks noChangeShapeType="1"/>
+            </p:cNvSpPr>
+            <p:nvPr/>
+          </p:nvSpPr>
+          <p:spPr bwMode="auto">
+            <a:xfrm flipH="1">
+              <a:off x="4155" y="5648"/>
+              <a:ext cx="1412" cy="3712"/>
+            </a:xfrm>
+            <a:prstGeom prst="line">
+              <a:avLst/>
+            </a:prstGeom>
+            <a:noFill/>
+            <a:ln w="9525">
+              <a:solidFill>
+                <a:srgbClr val="4579B8"/>
+              </a:solidFill>
+              <a:round/>
+              <a:headEnd/>
+              <a:tailEnd/>
+            </a:ln>
+            <a:extLst>
+              <a:ext uri="{909E8E84-426E-40DD-AFC4-6F175D3DCCD1}">
+                <a14:hiddenFill xmlns:a14="http://schemas.microsoft.com/office/drawing/2010/main">
+                  <a:noFill/>
+                </a14:hiddenFill>
+              </a:ext>
+            </a:extLst>
+          </p:spPr>
+          <p:txBody>
+            <a:bodyPr vert="horz" wrap="square" lIns="91440" tIns="45720" rIns="91440" bIns="45720" numCol="1" anchor="t" anchorCtr="0" compatLnSpc="1">
+              <a:prstTxWarp prst="textNoShape">
+                <a:avLst/>
+              </a:prstTxWarp>
+            </a:bodyPr>
+            <a:lstStyle/>
+            <a:p>
+              <a:endParaRPr lang="en-US"/>
+            </a:p>
+          </p:txBody>
+        </p:sp>
+        <p:sp>
+          <p:nvSpPr>
+            <p:cNvPr id="14365" name="Straight Connector 124"/>
+            <p:cNvSpPr>
+              <a:spLocks noChangeShapeType="1"/>
+            </p:cNvSpPr>
+            <p:nvPr/>
+          </p:nvSpPr>
+          <p:spPr bwMode="auto">
+            <a:xfrm>
+              <a:off x="6959" y="13170"/>
+              <a:ext cx="1400" cy="55"/>
+            </a:xfrm>
+            <a:prstGeom prst="line">
+              <a:avLst/>
+            </a:prstGeom>
+            <a:noFill/>
+            <a:ln w="9525">
+              <a:solidFill>
+                <a:srgbClr val="4579B8"/>
+              </a:solidFill>
+              <a:round/>
+              <a:headEnd/>
+              <a:tailEnd/>
+            </a:ln>
+            <a:extLst>
+              <a:ext uri="{909E8E84-426E-40DD-AFC4-6F175D3DCCD1}">
+                <a14:hiddenFill xmlns:a14="http://schemas.microsoft.com/office/drawing/2010/main">
+                  <a:noFill/>
+                </a14:hiddenFill>
+              </a:ext>
+            </a:extLst>
+          </p:spPr>
+          <p:txBody>
+            <a:bodyPr vert="horz" wrap="square" lIns="91440" tIns="45720" rIns="91440" bIns="45720" numCol="1" anchor="t" anchorCtr="0" compatLnSpc="1">
+              <a:prstTxWarp prst="textNoShape">
+                <a:avLst/>
+              </a:prstTxWarp>
+            </a:bodyPr>
+            <a:lstStyle/>
+            <a:p>
+              <a:endParaRPr lang="en-US"/>
+            </a:p>
+          </p:txBody>
+        </p:sp>
+        <p:sp>
+          <p:nvSpPr>
+            <p:cNvPr id="14366" name="Straight Connector 125"/>
+            <p:cNvSpPr>
+              <a:spLocks noChangeShapeType="1"/>
+            </p:cNvSpPr>
+            <p:nvPr/>
+          </p:nvSpPr>
+          <p:spPr bwMode="auto">
+            <a:xfrm>
+              <a:off x="6918" y="13225"/>
+              <a:ext cx="1428" cy="579"/>
+            </a:xfrm>
+            <a:prstGeom prst="line">
+              <a:avLst/>
+            </a:prstGeom>
+            <a:noFill/>
+            <a:ln w="9525">
+              <a:solidFill>
+                <a:srgbClr val="4579B8"/>
+              </a:solidFill>
+              <a:round/>
+              <a:headEnd/>
+              <a:tailEnd/>
+            </a:ln>
+            <a:extLst>
+              <a:ext uri="{909E8E84-426E-40DD-AFC4-6F175D3DCCD1}">
+                <a14:hiddenFill xmlns:a14="http://schemas.microsoft.com/office/drawing/2010/main">
+                  <a:noFill/>
+                </a14:hiddenFill>
+              </a:ext>
+            </a:extLst>
+          </p:spPr>
+          <p:txBody>
+            <a:bodyPr vert="horz" wrap="square" lIns="91440" tIns="45720" rIns="91440" bIns="45720" numCol="1" anchor="t" anchorCtr="0" compatLnSpc="1">
+              <a:prstTxWarp prst="textNoShape">
+                <a:avLst/>
+              </a:prstTxWarp>
+            </a:bodyPr>
+            <a:lstStyle/>
+            <a:p>
+              <a:endParaRPr lang="en-US"/>
+            </a:p>
+          </p:txBody>
+        </p:sp>
+        <p:sp>
+          <p:nvSpPr>
+            <p:cNvPr id="14367" name="Straight Connector 126"/>
+            <p:cNvSpPr>
+              <a:spLocks noChangeShapeType="1"/>
+            </p:cNvSpPr>
+            <p:nvPr/>
+          </p:nvSpPr>
+          <p:spPr bwMode="auto">
+            <a:xfrm>
+              <a:off x="6918" y="13282"/>
+              <a:ext cx="1470" cy="1118"/>
+            </a:xfrm>
+            <a:prstGeom prst="line">
+              <a:avLst/>
+            </a:prstGeom>
+            <a:noFill/>
+            <a:ln w="9525">
+              <a:solidFill>
+                <a:srgbClr val="4579B8"/>
+              </a:solidFill>
+              <a:round/>
+              <a:headEnd/>
+              <a:tailEnd/>
+            </a:ln>
+            <a:extLst>
+              <a:ext uri="{909E8E84-426E-40DD-AFC4-6F175D3DCCD1}">
+                <a14:hiddenFill xmlns:a14="http://schemas.microsoft.com/office/drawing/2010/main">
+                  <a:noFill/>
+                </a14:hiddenFill>
+              </a:ext>
+            </a:extLst>
+          </p:spPr>
+          <p:txBody>
+            <a:bodyPr vert="horz" wrap="square" lIns="91440" tIns="45720" rIns="91440" bIns="45720" numCol="1" anchor="t" anchorCtr="0" compatLnSpc="1">
+              <a:prstTxWarp prst="textNoShape">
+                <a:avLst/>
+              </a:prstTxWarp>
+            </a:bodyPr>
+            <a:lstStyle/>
+            <a:p>
+              <a:endParaRPr lang="en-US"/>
+            </a:p>
+          </p:txBody>
+        </p:sp>
+        <p:sp>
+          <p:nvSpPr>
+            <p:cNvPr id="14368" name="Straight Connector 129"/>
+            <p:cNvSpPr>
+              <a:spLocks noChangeShapeType="1"/>
+            </p:cNvSpPr>
+            <p:nvPr/>
+          </p:nvSpPr>
+          <p:spPr bwMode="auto">
+            <a:xfrm flipH="1">
+              <a:off x="3751" y="13282"/>
+              <a:ext cx="1246" cy="934"/>
+            </a:xfrm>
+            <a:prstGeom prst="line">
+              <a:avLst/>
+            </a:prstGeom>
+            <a:noFill/>
+            <a:ln w="9525">
+              <a:solidFill>
+                <a:srgbClr val="4579B8"/>
+              </a:solidFill>
+              <a:round/>
+              <a:headEnd/>
+              <a:tailEnd/>
+            </a:ln>
+            <a:extLst>
+              <a:ext uri="{909E8E84-426E-40DD-AFC4-6F175D3DCCD1}">
+                <a14:hiddenFill xmlns:a14="http://schemas.microsoft.com/office/drawing/2010/main">
+                  <a:noFill/>
+                </a14:hiddenFill>
+              </a:ext>
+            </a:extLst>
+          </p:spPr>
+          <p:txBody>
+            <a:bodyPr vert="horz" wrap="square" lIns="91440" tIns="45720" rIns="91440" bIns="45720" numCol="1" anchor="t" anchorCtr="0" compatLnSpc="1">
+              <a:prstTxWarp prst="textNoShape">
+                <a:avLst/>
+              </a:prstTxWarp>
+            </a:bodyPr>
+            <a:lstStyle/>
+            <a:p>
+              <a:endParaRPr lang="en-US"/>
+            </a:p>
+          </p:txBody>
+        </p:sp>
+        <p:sp>
+          <p:nvSpPr>
+            <p:cNvPr id="14369" name="Straight Connector 130"/>
+            <p:cNvSpPr>
+              <a:spLocks noChangeShapeType="1"/>
+            </p:cNvSpPr>
+            <p:nvPr/>
+          </p:nvSpPr>
+          <p:spPr bwMode="auto">
+            <a:xfrm flipH="1">
+              <a:off x="3795" y="13282"/>
+              <a:ext cx="1202" cy="218"/>
+            </a:xfrm>
+            <a:prstGeom prst="line">
+              <a:avLst/>
+            </a:prstGeom>
+            <a:noFill/>
+            <a:ln w="9525">
+              <a:solidFill>
+                <a:srgbClr val="4579B8"/>
+              </a:solidFill>
+              <a:round/>
+              <a:headEnd/>
+              <a:tailEnd/>
+            </a:ln>
+            <a:extLst>
+              <a:ext uri="{909E8E84-426E-40DD-AFC4-6F175D3DCCD1}">
+                <a14:hiddenFill xmlns:a14="http://schemas.microsoft.com/office/drawing/2010/main">
+                  <a:noFill/>
+                </a14:hiddenFill>
+              </a:ext>
+            </a:extLst>
+          </p:spPr>
+          <p:txBody>
+            <a:bodyPr vert="horz" wrap="square" lIns="91440" tIns="45720" rIns="91440" bIns="45720" numCol="1" anchor="t" anchorCtr="0" compatLnSpc="1">
+              <a:prstTxWarp prst="textNoShape">
+                <a:avLst/>
+              </a:prstTxWarp>
+            </a:bodyPr>
+            <a:lstStyle/>
+            <a:p>
+              <a:endParaRPr lang="en-US"/>
+            </a:p>
+          </p:txBody>
+        </p:sp>
+        <p:sp>
+          <p:nvSpPr>
+            <p:cNvPr id="14370" name="Straight Connector 131"/>
+            <p:cNvSpPr>
+              <a:spLocks noChangeShapeType="1"/>
+            </p:cNvSpPr>
+            <p:nvPr/>
+          </p:nvSpPr>
+          <p:spPr bwMode="auto">
+            <a:xfrm flipH="1" flipV="1">
+              <a:off x="3975" y="11608"/>
+              <a:ext cx="1225" cy="1562"/>
+            </a:xfrm>
+            <a:prstGeom prst="line">
+              <a:avLst/>
+            </a:prstGeom>
+            <a:noFill/>
+            <a:ln w="9525">
+              <a:solidFill>
+                <a:srgbClr val="4579B8"/>
+              </a:solidFill>
+              <a:round/>
+              <a:headEnd/>
+              <a:tailEnd/>
+            </a:ln>
+            <a:extLst>
+              <a:ext uri="{909E8E84-426E-40DD-AFC4-6F175D3DCCD1}">
+                <a14:hiddenFill xmlns:a14="http://schemas.microsoft.com/office/drawing/2010/main">
+                  <a:noFill/>
+                </a14:hiddenFill>
+              </a:ext>
+            </a:extLst>
+          </p:spPr>
+          <p:txBody>
+            <a:bodyPr vert="horz" wrap="square" lIns="91440" tIns="45720" rIns="91440" bIns="45720" numCol="1" anchor="t" anchorCtr="0" compatLnSpc="1">
+              <a:prstTxWarp prst="textNoShape">
+                <a:avLst/>
+              </a:prstTxWarp>
+            </a:bodyPr>
+            <a:lstStyle/>
+            <a:p>
+              <a:endParaRPr lang="en-US"/>
+            </a:p>
+          </p:txBody>
+        </p:sp>
+        <p:sp>
+          <p:nvSpPr>
+            <p:cNvPr id="14371" name="Straight Connector 132"/>
+            <p:cNvSpPr>
+              <a:spLocks noChangeShapeType="1"/>
+            </p:cNvSpPr>
+            <p:nvPr/>
+          </p:nvSpPr>
+          <p:spPr bwMode="auto">
+            <a:xfrm flipH="1" flipV="1">
+              <a:off x="4110" y="11608"/>
+              <a:ext cx="2550" cy="1562"/>
+            </a:xfrm>
+            <a:prstGeom prst="line">
+              <a:avLst/>
+            </a:prstGeom>
+            <a:noFill/>
+            <a:ln w="9525">
+              <a:solidFill>
+                <a:srgbClr val="4579B8"/>
+              </a:solidFill>
+              <a:round/>
+              <a:headEnd/>
+              <a:tailEnd/>
+            </a:ln>
+            <a:extLst>
+              <a:ext uri="{909E8E84-426E-40DD-AFC4-6F175D3DCCD1}">
+                <a14:hiddenFill xmlns:a14="http://schemas.microsoft.com/office/drawing/2010/main">
+                  <a:noFill/>
+                </a14:hiddenFill>
+              </a:ext>
+            </a:extLst>
+          </p:spPr>
+          <p:txBody>
+            <a:bodyPr vert="horz" wrap="square" lIns="91440" tIns="45720" rIns="91440" bIns="45720" numCol="1" anchor="t" anchorCtr="0" compatLnSpc="1">
+              <a:prstTxWarp prst="textNoShape">
+                <a:avLst/>
+              </a:prstTxWarp>
+            </a:bodyPr>
+            <a:lstStyle/>
+            <a:p>
+              <a:endParaRPr lang="en-US"/>
+            </a:p>
+          </p:txBody>
+        </p:sp>
+        <p:sp>
+          <p:nvSpPr>
+            <p:cNvPr id="14372" name="Straight Connector 133"/>
+            <p:cNvSpPr>
+              <a:spLocks noChangeShapeType="1"/>
+            </p:cNvSpPr>
+            <p:nvPr/>
+          </p:nvSpPr>
+          <p:spPr bwMode="auto">
+            <a:xfrm flipH="1">
+              <a:off x="4155" y="7184"/>
+              <a:ext cx="2745" cy="4183"/>
+            </a:xfrm>
+            <a:prstGeom prst="line">
+              <a:avLst/>
+            </a:prstGeom>
+            <a:noFill/>
+            <a:ln w="9525">
+              <a:solidFill>
+                <a:srgbClr val="4579B8"/>
+              </a:solidFill>
+              <a:round/>
+              <a:headEnd/>
+              <a:tailEnd/>
+            </a:ln>
+            <a:extLst>
+              <a:ext uri="{909E8E84-426E-40DD-AFC4-6F175D3DCCD1}">
+                <a14:hiddenFill xmlns:a14="http://schemas.microsoft.com/office/drawing/2010/main">
+                  <a:noFill/>
+                </a14:hiddenFill>
+              </a:ext>
+            </a:extLst>
+          </p:spPr>
+          <p:txBody>
+            <a:bodyPr vert="horz" wrap="square" lIns="91440" tIns="45720" rIns="91440" bIns="45720" numCol="1" anchor="t" anchorCtr="0" compatLnSpc="1">
+              <a:prstTxWarp prst="textNoShape">
+                <a:avLst/>
+              </a:prstTxWarp>
+            </a:bodyPr>
+            <a:lstStyle/>
+            <a:p>
+              <a:endParaRPr lang="en-US"/>
+            </a:p>
+          </p:txBody>
+        </p:sp>
+        <p:sp>
+          <p:nvSpPr>
+            <p:cNvPr id="14373" name="Straight Connector 134"/>
+            <p:cNvSpPr>
+              <a:spLocks noChangeShapeType="1"/>
+            </p:cNvSpPr>
+            <p:nvPr/>
+          </p:nvSpPr>
+          <p:spPr bwMode="auto">
+            <a:xfrm flipH="1">
+              <a:off x="4110" y="7143"/>
+              <a:ext cx="2684" cy="3774"/>
+            </a:xfrm>
+            <a:prstGeom prst="line">
+              <a:avLst/>
+            </a:prstGeom>
+            <a:noFill/>
+            <a:ln w="9525">
+              <a:solidFill>
+                <a:srgbClr val="4579B8"/>
+              </a:solidFill>
+              <a:round/>
+              <a:headEnd/>
+              <a:tailEnd/>
+            </a:ln>
+            <a:extLst>
+              <a:ext uri="{909E8E84-426E-40DD-AFC4-6F175D3DCCD1}">
+                <a14:hiddenFill xmlns:a14="http://schemas.microsoft.com/office/drawing/2010/main">
+                  <a:noFill/>
+                </a14:hiddenFill>
+              </a:ext>
+            </a:extLst>
+          </p:spPr>
+          <p:txBody>
+            <a:bodyPr vert="horz" wrap="square" lIns="91440" tIns="45720" rIns="91440" bIns="45720" numCol="1" anchor="t" anchorCtr="0" compatLnSpc="1">
+              <a:prstTxWarp prst="textNoShape">
+                <a:avLst/>
+              </a:prstTxWarp>
+            </a:bodyPr>
+            <a:lstStyle/>
+            <a:p>
+              <a:endParaRPr lang="en-US"/>
+            </a:p>
+          </p:txBody>
+        </p:sp>
+        <p:sp>
+          <p:nvSpPr>
+            <p:cNvPr id="14374" name="Straight Connector 135"/>
+            <p:cNvSpPr>
+              <a:spLocks noChangeShapeType="1"/>
+            </p:cNvSpPr>
+            <p:nvPr/>
+          </p:nvSpPr>
+          <p:spPr bwMode="auto">
+            <a:xfrm flipH="1">
+              <a:off x="3959" y="7042"/>
+              <a:ext cx="2792" cy="3360"/>
+            </a:xfrm>
+            <a:prstGeom prst="line">
+              <a:avLst/>
+            </a:prstGeom>
+            <a:noFill/>
+            <a:ln w="9525">
+              <a:solidFill>
+                <a:srgbClr val="4579B8"/>
+              </a:solidFill>
+              <a:round/>
+              <a:headEnd/>
+              <a:tailEnd/>
+            </a:ln>
+            <a:extLst>
+              <a:ext uri="{909E8E84-426E-40DD-AFC4-6F175D3DCCD1}">
+                <a14:hiddenFill xmlns:a14="http://schemas.microsoft.com/office/drawing/2010/main">
+                  <a:noFill/>
+                </a14:hiddenFill>
+              </a:ext>
+            </a:extLst>
+          </p:spPr>
+          <p:txBody>
+            <a:bodyPr vert="horz" wrap="square" lIns="91440" tIns="45720" rIns="91440" bIns="45720" numCol="1" anchor="t" anchorCtr="0" compatLnSpc="1">
+              <a:prstTxWarp prst="textNoShape">
+                <a:avLst/>
+              </a:prstTxWarp>
+            </a:bodyPr>
+            <a:lstStyle/>
+            <a:p>
+              <a:endParaRPr lang="en-US"/>
+            </a:p>
+          </p:txBody>
+        </p:sp>
+        <p:sp>
+          <p:nvSpPr>
+            <p:cNvPr id="14375" name="Straight Connector 136"/>
+            <p:cNvSpPr>
+              <a:spLocks noChangeShapeType="1"/>
+            </p:cNvSpPr>
+            <p:nvPr/>
+          </p:nvSpPr>
+          <p:spPr bwMode="auto">
+            <a:xfrm flipH="1">
+              <a:off x="3809" y="7042"/>
+              <a:ext cx="2942" cy="2920"/>
+            </a:xfrm>
+            <a:prstGeom prst="line">
+              <a:avLst/>
+            </a:prstGeom>
+            <a:noFill/>
+            <a:ln w="9525">
+              <a:solidFill>
+                <a:srgbClr val="4579B8"/>
+              </a:solidFill>
+              <a:round/>
+              <a:headEnd/>
+              <a:tailEnd/>
+            </a:ln>
+            <a:extLst>
+              <a:ext uri="{909E8E84-426E-40DD-AFC4-6F175D3DCCD1}">
+                <a14:hiddenFill xmlns:a14="http://schemas.microsoft.com/office/drawing/2010/main">
+                  <a:noFill/>
+                </a14:hiddenFill>
+              </a:ext>
+            </a:extLst>
+          </p:spPr>
+          <p:txBody>
+            <a:bodyPr vert="horz" wrap="square" lIns="91440" tIns="45720" rIns="91440" bIns="45720" numCol="1" anchor="t" anchorCtr="0" compatLnSpc="1">
+              <a:prstTxWarp prst="textNoShape">
+                <a:avLst/>
+              </a:prstTxWarp>
+            </a:bodyPr>
+            <a:lstStyle/>
+            <a:p>
+              <a:endParaRPr lang="en-US"/>
+            </a:p>
+          </p:txBody>
+        </p:sp>
+        <p:sp>
+          <p:nvSpPr>
+            <p:cNvPr id="14376" name="Straight Connector 138"/>
+            <p:cNvSpPr>
+              <a:spLocks noChangeShapeType="1"/>
+            </p:cNvSpPr>
+            <p:nvPr/>
+          </p:nvSpPr>
+          <p:spPr bwMode="auto">
+            <a:xfrm flipH="1">
+              <a:off x="3959" y="5648"/>
+              <a:ext cx="1608" cy="4754"/>
+            </a:xfrm>
+            <a:prstGeom prst="line">
+              <a:avLst/>
+            </a:prstGeom>
+            <a:noFill/>
+            <a:ln w="9525">
+              <a:solidFill>
+                <a:srgbClr val="4579B8"/>
+              </a:solidFill>
+              <a:round/>
+              <a:headEnd/>
+              <a:tailEnd/>
+            </a:ln>
+            <a:extLst>
+              <a:ext uri="{909E8E84-426E-40DD-AFC4-6F175D3DCCD1}">
+                <a14:hiddenFill xmlns:a14="http://schemas.microsoft.com/office/drawing/2010/main">
+                  <a:noFill/>
+                </a14:hiddenFill>
+              </a:ext>
+            </a:extLst>
+          </p:spPr>
+          <p:txBody>
+            <a:bodyPr vert="horz" wrap="square" lIns="91440" tIns="45720" rIns="91440" bIns="45720" numCol="1" anchor="t" anchorCtr="0" compatLnSpc="1">
+              <a:prstTxWarp prst="textNoShape">
+                <a:avLst/>
+              </a:prstTxWarp>
+            </a:bodyPr>
+            <a:lstStyle/>
+            <a:p>
+              <a:endParaRPr lang="en-US"/>
+            </a:p>
+          </p:txBody>
+        </p:sp>
+        <p:sp>
+          <p:nvSpPr>
+            <p:cNvPr id="14377" name="Straight Connector 139"/>
+            <p:cNvSpPr>
+              <a:spLocks noChangeShapeType="1"/>
+            </p:cNvSpPr>
+            <p:nvPr/>
+          </p:nvSpPr>
+          <p:spPr bwMode="auto">
+            <a:xfrm flipH="1">
+              <a:off x="4118" y="5648"/>
+              <a:ext cx="1449" cy="5719"/>
+            </a:xfrm>
+            <a:prstGeom prst="line">
+              <a:avLst/>
+            </a:prstGeom>
+            <a:noFill/>
+            <a:ln w="9525">
+              <a:solidFill>
+                <a:srgbClr val="4579B8"/>
+              </a:solidFill>
+              <a:round/>
+              <a:headEnd/>
+              <a:tailEnd/>
+            </a:ln>
+            <a:extLst>
+              <a:ext uri="{909E8E84-426E-40DD-AFC4-6F175D3DCCD1}">
+                <a14:hiddenFill xmlns:a14="http://schemas.microsoft.com/office/drawing/2010/main">
+                  <a:noFill/>
+                </a14:hiddenFill>
+              </a:ext>
+            </a:extLst>
+          </p:spPr>
+          <p:txBody>
+            <a:bodyPr vert="horz" wrap="square" lIns="91440" tIns="45720" rIns="91440" bIns="45720" numCol="1" anchor="t" anchorCtr="0" compatLnSpc="1">
+              <a:prstTxWarp prst="textNoShape">
+                <a:avLst/>
+              </a:prstTxWarp>
+            </a:bodyPr>
+            <a:lstStyle/>
+            <a:p>
+              <a:endParaRPr lang="en-US"/>
+            </a:p>
+          </p:txBody>
+        </p:sp>
+        <p:sp>
+          <p:nvSpPr>
+            <p:cNvPr id="14378" name="Straight Connector 140"/>
+            <p:cNvSpPr>
+              <a:spLocks noChangeShapeType="1"/>
+            </p:cNvSpPr>
+            <p:nvPr/>
+          </p:nvSpPr>
+          <p:spPr bwMode="auto">
+            <a:xfrm flipH="1">
+              <a:off x="4110" y="5506"/>
+              <a:ext cx="1307" cy="5371"/>
+            </a:xfrm>
+            <a:prstGeom prst="line">
+              <a:avLst/>
+            </a:prstGeom>
+            <a:noFill/>
+            <a:ln w="9525">
+              <a:solidFill>
+                <a:srgbClr val="4579B8"/>
+              </a:solidFill>
+              <a:round/>
+              <a:headEnd/>
+              <a:tailEnd/>
+            </a:ln>
+            <a:extLst>
+              <a:ext uri="{909E8E84-426E-40DD-AFC4-6F175D3DCCD1}">
+                <a14:hiddenFill xmlns:a14="http://schemas.microsoft.com/office/drawing/2010/main">
+                  <a:noFill/>
+                </a14:hiddenFill>
+              </a:ext>
+            </a:extLst>
+          </p:spPr>
+          <p:txBody>
+            <a:bodyPr vert="horz" wrap="square" lIns="91440" tIns="45720" rIns="91440" bIns="45720" numCol="1" anchor="t" anchorCtr="0" compatLnSpc="1">
+              <a:prstTxWarp prst="textNoShape">
+                <a:avLst/>
+              </a:prstTxWarp>
+            </a:bodyPr>
+            <a:lstStyle/>
+            <a:p>
+              <a:endParaRPr lang="en-US"/>
+            </a:p>
+          </p:txBody>
+        </p:sp>
+        <p:sp>
+          <p:nvSpPr>
+            <p:cNvPr id="14379" name="Straight Connector 141"/>
+            <p:cNvSpPr>
+              <a:spLocks noChangeShapeType="1"/>
+            </p:cNvSpPr>
+            <p:nvPr/>
+          </p:nvSpPr>
+          <p:spPr bwMode="auto">
+            <a:xfrm flipH="1" flipV="1">
+              <a:off x="4110" y="11019"/>
+              <a:ext cx="2550" cy="2093"/>
+            </a:xfrm>
+            <a:prstGeom prst="line">
+              <a:avLst/>
+            </a:prstGeom>
+            <a:noFill/>
+            <a:ln w="9525">
+              <a:solidFill>
+                <a:srgbClr val="4579B8"/>
+              </a:solidFill>
+              <a:round/>
+              <a:headEnd/>
+              <a:tailEnd/>
+            </a:ln>
+            <a:extLst>
+              <a:ext uri="{909E8E84-426E-40DD-AFC4-6F175D3DCCD1}">
+                <a14:hiddenFill xmlns:a14="http://schemas.microsoft.com/office/drawing/2010/main">
+                  <a:noFill/>
+                </a14:hiddenFill>
+              </a:ext>
+            </a:extLst>
+          </p:spPr>
+          <p:txBody>
+            <a:bodyPr vert="horz" wrap="square" lIns="91440" tIns="45720" rIns="91440" bIns="45720" numCol="1" anchor="t" anchorCtr="0" compatLnSpc="1">
+              <a:prstTxWarp prst="textNoShape">
+                <a:avLst/>
+              </a:prstTxWarp>
+            </a:bodyPr>
+            <a:lstStyle/>
+            <a:p>
+              <a:endParaRPr lang="en-US"/>
+            </a:p>
+          </p:txBody>
+        </p:sp>
+        <p:sp>
+          <p:nvSpPr>
+            <p:cNvPr id="14380" name="Straight Connector 142"/>
+            <p:cNvSpPr>
+              <a:spLocks noChangeShapeType="1"/>
+            </p:cNvSpPr>
+            <p:nvPr/>
+          </p:nvSpPr>
+          <p:spPr bwMode="auto">
+            <a:xfrm flipH="1" flipV="1">
+              <a:off x="4110" y="10579"/>
+              <a:ext cx="2550" cy="2533"/>
+            </a:xfrm>
+            <a:prstGeom prst="line">
+              <a:avLst/>
+            </a:prstGeom>
+            <a:noFill/>
+            <a:ln w="9525">
+              <a:solidFill>
+                <a:srgbClr val="4579B8"/>
+              </a:solidFill>
+              <a:round/>
+              <a:headEnd/>
+              <a:tailEnd/>
+            </a:ln>
+            <a:extLst>
+              <a:ext uri="{909E8E84-426E-40DD-AFC4-6F175D3DCCD1}">
+                <a14:hiddenFill xmlns:a14="http://schemas.microsoft.com/office/drawing/2010/main">
+                  <a:noFill/>
+                </a14:hiddenFill>
+              </a:ext>
+            </a:extLst>
+          </p:spPr>
+          <p:txBody>
+            <a:bodyPr vert="horz" wrap="square" lIns="91440" tIns="45720" rIns="91440" bIns="45720" numCol="1" anchor="t" anchorCtr="0" compatLnSpc="1">
+              <a:prstTxWarp prst="textNoShape">
+                <a:avLst/>
+              </a:prstTxWarp>
+            </a:bodyPr>
+            <a:lstStyle/>
+            <a:p>
+              <a:endParaRPr lang="en-US"/>
+            </a:p>
+          </p:txBody>
+        </p:sp>
+        <p:sp>
+          <p:nvSpPr>
+            <p:cNvPr id="14381" name="Straight Connector 143"/>
+            <p:cNvSpPr>
+              <a:spLocks noChangeShapeType="1"/>
+            </p:cNvSpPr>
+            <p:nvPr/>
+          </p:nvSpPr>
+          <p:spPr bwMode="auto">
+            <a:xfrm flipH="1" flipV="1">
+              <a:off x="3959" y="10075"/>
+              <a:ext cx="2777" cy="2930"/>
+            </a:xfrm>
+            <a:prstGeom prst="line">
+              <a:avLst/>
+            </a:prstGeom>
+            <a:noFill/>
+            <a:ln w="9525">
+              <a:solidFill>
+                <a:srgbClr val="4579B8"/>
+              </a:solidFill>
+              <a:round/>
+              <a:headEnd/>
+              <a:tailEnd/>
+            </a:ln>
+            <a:extLst>
+              <a:ext uri="{909E8E84-426E-40DD-AFC4-6F175D3DCCD1}">
+                <a14:hiddenFill xmlns:a14="http://schemas.microsoft.com/office/drawing/2010/main">
+                  <a:noFill/>
+                </a14:hiddenFill>
+              </a:ext>
+            </a:extLst>
+          </p:spPr>
+          <p:txBody>
+            <a:bodyPr vert="horz" wrap="square" lIns="91440" tIns="45720" rIns="91440" bIns="45720" numCol="1" anchor="t" anchorCtr="0" compatLnSpc="1">
+              <a:prstTxWarp prst="textNoShape">
+                <a:avLst/>
+              </a:prstTxWarp>
+            </a:bodyPr>
+            <a:lstStyle/>
+            <a:p>
+              <a:endParaRPr lang="en-US"/>
+            </a:p>
+          </p:txBody>
+        </p:sp>
+        <p:sp>
+          <p:nvSpPr>
+            <p:cNvPr id="14382" name="Oval 144"/>
+            <p:cNvSpPr>
+              <a:spLocks noChangeArrowheads="1"/>
+            </p:cNvSpPr>
+            <p:nvPr/>
+          </p:nvSpPr>
+          <p:spPr bwMode="auto">
+            <a:xfrm>
+              <a:off x="8388" y="5716"/>
+              <a:ext cx="2787" cy="397"/>
+            </a:xfrm>
+            <a:prstGeom prst="ellipse">
+              <a:avLst/>
+            </a:prstGeom>
+            <a:solidFill>
+              <a:srgbClr val="EAF1DD"/>
+            </a:solidFill>
+            <a:ln w="9525">
+              <a:solidFill>
+                <a:srgbClr val="000000"/>
+              </a:solidFill>
+              <a:round/>
+              <a:headEnd/>
+              <a:tailEnd/>
+            </a:ln>
+          </p:spPr>
+          <p:txBody>
+            <a:bodyPr vert="horz" wrap="square" lIns="91440" tIns="45720" rIns="91440" bIns="45720" numCol="1" anchor="t" anchorCtr="0" compatLnSpc="1">
+              <a:prstTxWarp prst="textNoShape">
+                <a:avLst/>
+              </a:prstTxWarp>
+            </a:bodyPr>
+            <a:lstStyle/>
+            <a:p>
+              <a:pPr marL="0" marR="0" lvl="0" indent="0" algn="ctr" defTabSz="914400" rtl="0" eaLnBrk="1" fontAlgn="base" latinLnBrk="0" hangingPunct="1">
+                <a:lnSpc>
+                  <a:spcPct val="100000"/>
+                </a:lnSpc>
+                <a:spcBef>
+                  <a:spcPct val="0"/>
+                </a:spcBef>
+                <a:spcAft>
+                  <a:spcPct val="0"/>
+                </a:spcAft>
+                <a:buClrTx/>
+                <a:buSzTx/>
+                <a:buFontTx/>
+                <a:buNone/>
+                <a:tabLst/>
+              </a:pPr>
+              <a:r>
+                <a:rPr kumimoji="0" lang="en-US" sz="800" b="1" i="0" u="none" strike="noStrike" cap="none" normalizeH="0" baseline="0" smtClean="0">
+                  <a:ln>
+                    <a:noFill/>
+                  </a:ln>
+                  <a:solidFill>
+                    <a:schemeClr val="tx1"/>
+                  </a:solidFill>
+                  <a:effectLst/>
+                  <a:latin typeface="Calibri" pitchFamily="34" charset="0"/>
+                  <a:ea typeface="Times New Roman" pitchFamily="18" charset="0"/>
+                  <a:cs typeface="Arial" pitchFamily="34" charset="0"/>
+                </a:rPr>
+                <a:t>View IEP student progress </a:t>
+              </a:r>
+              <a:endParaRPr kumimoji="0" lang="en-US" sz="1800" b="0" i="0" u="none" strike="noStrike" cap="none" normalizeH="0" baseline="0" smtClean="0">
+                <a:ln>
+                  <a:noFill/>
+                </a:ln>
+                <a:solidFill>
+                  <a:schemeClr val="tx1"/>
+                </a:solidFill>
+                <a:effectLst/>
+                <a:latin typeface="Arial" pitchFamily="34" charset="0"/>
+                <a:cs typeface="Arial" pitchFamily="34" charset="0"/>
+              </a:endParaRPr>
+            </a:p>
+          </p:txBody>
+        </p:sp>
+        <p:sp>
+          <p:nvSpPr>
+            <p:cNvPr id="14383" name="Oval 32"/>
+            <p:cNvSpPr>
+              <a:spLocks noChangeArrowheads="1"/>
+            </p:cNvSpPr>
+            <p:nvPr/>
+          </p:nvSpPr>
+          <p:spPr bwMode="auto">
+            <a:xfrm>
+              <a:off x="8388" y="6170"/>
+              <a:ext cx="2787" cy="431"/>
+            </a:xfrm>
+            <a:prstGeom prst="ellipse">
+              <a:avLst/>
+            </a:prstGeom>
+            <a:solidFill>
+              <a:srgbClr val="EAF1DD"/>
+            </a:solidFill>
+            <a:ln w="9525">
+              <a:solidFill>
+                <a:srgbClr val="000000"/>
+              </a:solidFill>
+              <a:round/>
+              <a:headEnd/>
+              <a:tailEnd/>
+            </a:ln>
+          </p:spPr>
+          <p:txBody>
+            <a:bodyPr vert="horz" wrap="square" lIns="91440" tIns="45720" rIns="91440" bIns="45720" numCol="1" anchor="t" anchorCtr="0" compatLnSpc="1">
+              <a:prstTxWarp prst="textNoShape">
+                <a:avLst/>
+              </a:prstTxWarp>
+            </a:bodyPr>
+            <a:lstStyle/>
+            <a:p>
+              <a:pPr marL="0" marR="0" lvl="0" indent="0" algn="ctr" defTabSz="914400" rtl="0" eaLnBrk="1" fontAlgn="base" latinLnBrk="0" hangingPunct="1">
+                <a:lnSpc>
+                  <a:spcPct val="100000"/>
+                </a:lnSpc>
+                <a:spcBef>
+                  <a:spcPct val="0"/>
+                </a:spcBef>
+                <a:spcAft>
+                  <a:spcPct val="0"/>
+                </a:spcAft>
+                <a:buClrTx/>
+                <a:buSzTx/>
+                <a:buFontTx/>
+                <a:buNone/>
+                <a:tabLst/>
+              </a:pPr>
+              <a:r>
+                <a:rPr kumimoji="0" lang="en-US" sz="800" b="1" i="0" u="none" strike="noStrike" cap="none" normalizeH="0" baseline="0" smtClean="0">
+                  <a:ln>
+                    <a:noFill/>
+                  </a:ln>
+                  <a:solidFill>
+                    <a:schemeClr val="tx1"/>
+                  </a:solidFill>
+                  <a:effectLst/>
+                  <a:latin typeface="Arial" pitchFamily="34" charset="0"/>
+                  <a:ea typeface="Times New Roman" pitchFamily="18" charset="0"/>
+                  <a:cs typeface="Times New Roman" pitchFamily="18" charset="0"/>
+                </a:rPr>
+                <a:t>View message center</a:t>
+              </a:r>
+              <a:endParaRPr kumimoji="0" lang="en-US" sz="1800" b="0" i="0" u="none" strike="noStrike" cap="none" normalizeH="0" baseline="0" smtClean="0">
+                <a:ln>
+                  <a:noFill/>
+                </a:ln>
+                <a:solidFill>
+                  <a:schemeClr val="tx1"/>
+                </a:solidFill>
+                <a:effectLst/>
+                <a:latin typeface="Arial" pitchFamily="34" charset="0"/>
+                <a:cs typeface="Arial" pitchFamily="34" charset="0"/>
+              </a:endParaRPr>
+            </a:p>
+          </p:txBody>
+        </p:sp>
+        <p:sp>
+          <p:nvSpPr>
+            <p:cNvPr id="14384" name="Oval 80"/>
+            <p:cNvSpPr>
+              <a:spLocks noChangeArrowheads="1"/>
+            </p:cNvSpPr>
+            <p:nvPr/>
+          </p:nvSpPr>
+          <p:spPr bwMode="auto">
+            <a:xfrm>
+              <a:off x="8450" y="6636"/>
+              <a:ext cx="2725" cy="998"/>
+            </a:xfrm>
+            <a:prstGeom prst="ellipse">
+              <a:avLst/>
+            </a:prstGeom>
+            <a:solidFill>
+              <a:srgbClr val="EAF1DD"/>
+            </a:solidFill>
+            <a:ln w="9525">
+              <a:solidFill>
+                <a:srgbClr val="000000"/>
+              </a:solidFill>
+              <a:round/>
+              <a:headEnd/>
+              <a:tailEnd/>
+            </a:ln>
+          </p:spPr>
+          <p:txBody>
+            <a:bodyPr vert="horz" wrap="square" lIns="91440" tIns="45720" rIns="91440" bIns="45720" numCol="1" anchor="t" anchorCtr="0" compatLnSpc="1">
+              <a:prstTxWarp prst="textNoShape">
+                <a:avLst/>
+              </a:prstTxWarp>
+            </a:bodyPr>
+            <a:lstStyle/>
+            <a:p>
+              <a:pPr marL="0" marR="0" lvl="0" indent="0" algn="ctr" defTabSz="914400" rtl="0" eaLnBrk="1" fontAlgn="base" latinLnBrk="0" hangingPunct="1">
+                <a:lnSpc>
+                  <a:spcPct val="100000"/>
+                </a:lnSpc>
+                <a:spcBef>
+                  <a:spcPct val="0"/>
+                </a:spcBef>
+                <a:spcAft>
+                  <a:spcPct val="0"/>
+                </a:spcAft>
+                <a:buClrTx/>
+                <a:buSzTx/>
+                <a:buFontTx/>
+                <a:buNone/>
+                <a:tabLst/>
+              </a:pPr>
+              <a:r>
+                <a:rPr kumimoji="0" lang="en-US" sz="800" b="1" i="0" u="none" strike="noStrike" cap="none" normalizeH="0" baseline="0" smtClean="0">
+                  <a:ln>
+                    <a:noFill/>
+                  </a:ln>
+                  <a:solidFill>
+                    <a:schemeClr val="tx1"/>
+                  </a:solidFill>
+                  <a:effectLst/>
+                  <a:latin typeface="Calibri" pitchFamily="34" charset="0"/>
+                  <a:ea typeface="Times New Roman" pitchFamily="18" charset="0"/>
+                  <a:cs typeface="Arial" pitchFamily="34" charset="0"/>
+                </a:rPr>
+                <a:t>Communicate with other users through the message center</a:t>
+              </a:r>
+              <a:endParaRPr kumimoji="0" lang="en-US" sz="1800" b="0" i="0" u="none" strike="noStrike" cap="none" normalizeH="0" baseline="0" smtClean="0">
+                <a:ln>
+                  <a:noFill/>
+                </a:ln>
+                <a:solidFill>
+                  <a:schemeClr val="tx1"/>
+                </a:solidFill>
+                <a:effectLst/>
+                <a:latin typeface="Arial" pitchFamily="34" charset="0"/>
+                <a:cs typeface="Arial" pitchFamily="34" charset="0"/>
+              </a:endParaRPr>
+            </a:p>
+          </p:txBody>
+        </p:sp>
+        <p:sp>
+          <p:nvSpPr>
+            <p:cNvPr id="14385" name="AutoShape 34"/>
+            <p:cNvSpPr>
+              <a:spLocks noChangeShapeType="1"/>
+            </p:cNvSpPr>
+            <p:nvPr/>
+          </p:nvSpPr>
+          <p:spPr bwMode="auto">
+            <a:xfrm flipV="1">
+              <a:off x="7050" y="6461"/>
+              <a:ext cx="1400" cy="581"/>
+            </a:xfrm>
+            <a:prstGeom prst="straightConnector1">
+              <a:avLst/>
+            </a:prstGeom>
+            <a:noFill/>
+            <a:ln w="9525">
+              <a:solidFill>
+                <a:srgbClr val="4579B8"/>
+              </a:solidFill>
+              <a:round/>
+              <a:headEnd/>
+              <a:tailEnd/>
+            </a:ln>
+            <a:extLst>
+              <a:ext uri="{909E8E84-426E-40DD-AFC4-6F175D3DCCD1}">
+                <a14:hiddenFill xmlns:a14="http://schemas.microsoft.com/office/drawing/2010/main">
+                  <a:noFill/>
+                </a14:hiddenFill>
+              </a:ext>
+            </a:extLst>
+          </p:spPr>
+          <p:txBody>
+            <a:bodyPr vert="horz" wrap="square" lIns="91440" tIns="45720" rIns="91440" bIns="45720" numCol="1" anchor="t" anchorCtr="0" compatLnSpc="1">
+              <a:prstTxWarp prst="textNoShape">
+                <a:avLst/>
+              </a:prstTxWarp>
+            </a:bodyPr>
+            <a:lstStyle/>
+            <a:p>
+              <a:endParaRPr lang="en-US"/>
+            </a:p>
+          </p:txBody>
+        </p:sp>
+        <p:sp>
+          <p:nvSpPr>
+            <p:cNvPr id="14386" name="AutoShape 33"/>
+            <p:cNvSpPr>
+              <a:spLocks noChangeShapeType="1"/>
+            </p:cNvSpPr>
+            <p:nvPr/>
+          </p:nvSpPr>
+          <p:spPr bwMode="auto">
+            <a:xfrm>
+              <a:off x="7050" y="7042"/>
+              <a:ext cx="1400" cy="101"/>
+            </a:xfrm>
+            <a:prstGeom prst="straightConnector1">
+              <a:avLst/>
+            </a:prstGeom>
+            <a:noFill/>
+            <a:ln w="9525">
+              <a:solidFill>
+                <a:srgbClr val="4579B8"/>
+              </a:solidFill>
+              <a:round/>
+              <a:headEnd/>
+              <a:tailEnd/>
+            </a:ln>
+            <a:extLst>
+              <a:ext uri="{909E8E84-426E-40DD-AFC4-6F175D3DCCD1}">
+                <a14:hiddenFill xmlns:a14="http://schemas.microsoft.com/office/drawing/2010/main">
+                  <a:noFill/>
+                </a14:hiddenFill>
+              </a:ext>
+            </a:extLst>
+          </p:spPr>
+          <p:txBody>
+            <a:bodyPr vert="horz" wrap="square" lIns="91440" tIns="45720" rIns="91440" bIns="45720" numCol="1" anchor="t" anchorCtr="0" compatLnSpc="1">
+              <a:prstTxWarp prst="textNoShape">
+                <a:avLst/>
+              </a:prstTxWarp>
+            </a:bodyPr>
+            <a:lstStyle/>
+            <a:p>
+              <a:endParaRPr lang="en-US"/>
+            </a:p>
+          </p:txBody>
+        </p:sp>
+        <p:sp>
+          <p:nvSpPr>
+            <p:cNvPr id="14387" name="AutoShape 32"/>
+            <p:cNvSpPr>
+              <a:spLocks noChangeShapeType="1"/>
+            </p:cNvSpPr>
+            <p:nvPr/>
+          </p:nvSpPr>
+          <p:spPr bwMode="auto">
+            <a:xfrm flipV="1">
+              <a:off x="6794" y="6461"/>
+              <a:ext cx="1594" cy="6540"/>
+            </a:xfrm>
+            <a:prstGeom prst="straightConnector1">
+              <a:avLst/>
+            </a:prstGeom>
+            <a:noFill/>
+            <a:ln w="9525">
+              <a:solidFill>
+                <a:srgbClr val="4579B8"/>
+              </a:solidFill>
+              <a:round/>
+              <a:headEnd/>
+              <a:tailEnd/>
+            </a:ln>
+            <a:extLst>
+              <a:ext uri="{909E8E84-426E-40DD-AFC4-6F175D3DCCD1}">
+                <a14:hiddenFill xmlns:a14="http://schemas.microsoft.com/office/drawing/2010/main">
+                  <a:noFill/>
+                </a14:hiddenFill>
+              </a:ext>
+            </a:extLst>
+          </p:spPr>
+          <p:txBody>
+            <a:bodyPr vert="horz" wrap="square" lIns="91440" tIns="45720" rIns="91440" bIns="45720" numCol="1" anchor="t" anchorCtr="0" compatLnSpc="1">
+              <a:prstTxWarp prst="textNoShape">
+                <a:avLst/>
+              </a:prstTxWarp>
+            </a:bodyPr>
+            <a:lstStyle/>
+            <a:p>
+              <a:endParaRPr lang="en-US"/>
+            </a:p>
+          </p:txBody>
+        </p:sp>
+        <p:sp>
+          <p:nvSpPr>
+            <p:cNvPr id="14388" name="AutoShape 31"/>
+            <p:cNvSpPr>
+              <a:spLocks noChangeShapeType="1"/>
+            </p:cNvSpPr>
+            <p:nvPr/>
+          </p:nvSpPr>
+          <p:spPr bwMode="auto">
+            <a:xfrm flipV="1">
+              <a:off x="6751" y="7349"/>
+              <a:ext cx="1797" cy="5763"/>
+            </a:xfrm>
+            <a:prstGeom prst="straightConnector1">
+              <a:avLst/>
+            </a:prstGeom>
+            <a:noFill/>
+            <a:ln w="9525">
+              <a:solidFill>
+                <a:srgbClr val="4579B8"/>
+              </a:solidFill>
+              <a:round/>
+              <a:headEnd/>
+              <a:tailEnd/>
+            </a:ln>
+            <a:extLst>
+              <a:ext uri="{909E8E84-426E-40DD-AFC4-6F175D3DCCD1}">
+                <a14:hiddenFill xmlns:a14="http://schemas.microsoft.com/office/drawing/2010/main">
+                  <a:noFill/>
+                </a14:hiddenFill>
+              </a:ext>
+            </a:extLst>
+          </p:spPr>
+          <p:txBody>
+            <a:bodyPr vert="horz" wrap="square" lIns="91440" tIns="45720" rIns="91440" bIns="45720" numCol="1" anchor="t" anchorCtr="0" compatLnSpc="1">
+              <a:prstTxWarp prst="textNoShape">
+                <a:avLst/>
+              </a:prstTxWarp>
+            </a:bodyPr>
+            <a:lstStyle/>
+            <a:p>
+              <a:endParaRPr lang="en-US"/>
+            </a:p>
+          </p:txBody>
+        </p:sp>
+        <p:sp>
+          <p:nvSpPr>
+            <p:cNvPr id="14389" name="Oval 28"/>
+            <p:cNvSpPr>
+              <a:spLocks noChangeArrowheads="1"/>
+            </p:cNvSpPr>
+            <p:nvPr/>
+          </p:nvSpPr>
+          <p:spPr bwMode="auto">
+            <a:xfrm>
+              <a:off x="1455" y="5648"/>
+              <a:ext cx="2758" cy="465"/>
+            </a:xfrm>
+            <a:prstGeom prst="ellipse">
+              <a:avLst/>
+            </a:prstGeom>
+            <a:solidFill>
+              <a:srgbClr val="EAF1DD"/>
+            </a:solidFill>
+            <a:ln w="9525">
+              <a:solidFill>
+                <a:srgbClr val="000000"/>
+              </a:solidFill>
+              <a:round/>
+              <a:headEnd/>
+              <a:tailEnd/>
+            </a:ln>
+          </p:spPr>
+          <p:txBody>
+            <a:bodyPr vert="horz" wrap="square" lIns="91440" tIns="45720" rIns="91440" bIns="45720" numCol="1" anchor="t" anchorCtr="0" compatLnSpc="1">
+              <a:prstTxWarp prst="textNoShape">
+                <a:avLst/>
+              </a:prstTxWarp>
+            </a:bodyPr>
+            <a:lstStyle/>
+            <a:p>
+              <a:pPr marL="0" marR="0" lvl="0" indent="0" algn="ctr" defTabSz="914400" rtl="0" eaLnBrk="1" fontAlgn="base" latinLnBrk="0" hangingPunct="1">
+                <a:lnSpc>
+                  <a:spcPct val="100000"/>
+                </a:lnSpc>
+                <a:spcBef>
+                  <a:spcPct val="0"/>
+                </a:spcBef>
+                <a:spcAft>
+                  <a:spcPct val="0"/>
+                </a:spcAft>
+                <a:buClrTx/>
+                <a:buSzTx/>
+                <a:buFontTx/>
+                <a:buNone/>
+                <a:tabLst/>
+              </a:pPr>
+              <a:r>
+                <a:rPr kumimoji="0" lang="en-US" sz="800" b="1" i="0" u="none" strike="noStrike" cap="none" normalizeH="0" baseline="0" smtClean="0">
+                  <a:ln>
+                    <a:noFill/>
+                  </a:ln>
+                  <a:solidFill>
+                    <a:schemeClr val="tx1"/>
+                  </a:solidFill>
+                  <a:effectLst/>
+                  <a:latin typeface="Arial" pitchFamily="34" charset="0"/>
+                  <a:ea typeface="Times New Roman" pitchFamily="18" charset="0"/>
+                  <a:cs typeface="Times New Roman" pitchFamily="18" charset="0"/>
+                </a:rPr>
+                <a:t>View teachers</a:t>
+              </a:r>
+              <a:endParaRPr kumimoji="0" lang="en-US" sz="1800" b="0" i="0" u="none" strike="noStrike" cap="none" normalizeH="0" baseline="0" smtClean="0">
+                <a:ln>
+                  <a:noFill/>
+                </a:ln>
+                <a:solidFill>
+                  <a:schemeClr val="tx1"/>
+                </a:solidFill>
+                <a:effectLst/>
+                <a:latin typeface="Arial" pitchFamily="34" charset="0"/>
+                <a:cs typeface="Arial" pitchFamily="34" charset="0"/>
+              </a:endParaRPr>
+            </a:p>
+          </p:txBody>
+        </p:sp>
+        <p:sp>
+          <p:nvSpPr>
+            <p:cNvPr id="14390" name="Oval 28"/>
+            <p:cNvSpPr>
+              <a:spLocks noChangeArrowheads="1"/>
+            </p:cNvSpPr>
+            <p:nvPr/>
+          </p:nvSpPr>
+          <p:spPr bwMode="auto">
+            <a:xfrm>
+              <a:off x="1455" y="6290"/>
+              <a:ext cx="2758" cy="465"/>
+            </a:xfrm>
+            <a:prstGeom prst="ellipse">
+              <a:avLst/>
+            </a:prstGeom>
+            <a:solidFill>
+              <a:srgbClr val="EAF1DD"/>
+            </a:solidFill>
+            <a:ln w="9525">
+              <a:solidFill>
+                <a:srgbClr val="000000"/>
+              </a:solidFill>
+              <a:round/>
+              <a:headEnd/>
+              <a:tailEnd/>
+            </a:ln>
+          </p:spPr>
+          <p:txBody>
+            <a:bodyPr vert="horz" wrap="square" lIns="91440" tIns="45720" rIns="91440" bIns="45720" numCol="1" anchor="t" anchorCtr="0" compatLnSpc="1">
+              <a:prstTxWarp prst="textNoShape">
+                <a:avLst/>
+              </a:prstTxWarp>
+            </a:bodyPr>
+            <a:lstStyle/>
+            <a:p>
+              <a:pPr marL="0" marR="0" lvl="0" indent="0" algn="ctr" defTabSz="914400" rtl="0" eaLnBrk="1" fontAlgn="base" latinLnBrk="0" hangingPunct="1">
+                <a:lnSpc>
+                  <a:spcPct val="100000"/>
+                </a:lnSpc>
+                <a:spcBef>
+                  <a:spcPct val="0"/>
+                </a:spcBef>
+                <a:spcAft>
+                  <a:spcPct val="0"/>
+                </a:spcAft>
+                <a:buClrTx/>
+                <a:buSzTx/>
+                <a:buFontTx/>
+                <a:buNone/>
+                <a:tabLst/>
+              </a:pPr>
+              <a:r>
+                <a:rPr kumimoji="0" lang="en-US" sz="800" b="1" i="0" u="none" strike="noStrike" cap="none" normalizeH="0" baseline="0" smtClean="0">
+                  <a:ln>
+                    <a:noFill/>
+                  </a:ln>
+                  <a:solidFill>
+                    <a:schemeClr val="tx1"/>
+                  </a:solidFill>
+                  <a:effectLst/>
+                  <a:latin typeface="Arial" pitchFamily="34" charset="0"/>
+                  <a:ea typeface="Times New Roman" pitchFamily="18" charset="0"/>
+                  <a:cs typeface="Times New Roman" pitchFamily="18" charset="0"/>
+                </a:rPr>
+                <a:t>Add teacher</a:t>
+              </a:r>
+              <a:endParaRPr kumimoji="0" lang="en-US" sz="1800" b="0" i="0" u="none" strike="noStrike" cap="none" normalizeH="0" baseline="0" smtClean="0">
+                <a:ln>
+                  <a:noFill/>
+                </a:ln>
+                <a:solidFill>
+                  <a:schemeClr val="tx1"/>
+                </a:solidFill>
+                <a:effectLst/>
+                <a:latin typeface="Arial" pitchFamily="34" charset="0"/>
+                <a:cs typeface="Arial" pitchFamily="34" charset="0"/>
+              </a:endParaRPr>
+            </a:p>
+          </p:txBody>
+        </p:sp>
+        <p:sp>
+          <p:nvSpPr>
+            <p:cNvPr id="14391" name="Oval 28"/>
+            <p:cNvSpPr>
+              <a:spLocks noChangeArrowheads="1"/>
+            </p:cNvSpPr>
+            <p:nvPr/>
+          </p:nvSpPr>
+          <p:spPr bwMode="auto">
+            <a:xfrm>
+              <a:off x="1455" y="6995"/>
+              <a:ext cx="2758" cy="465"/>
+            </a:xfrm>
+            <a:prstGeom prst="ellipse">
+              <a:avLst/>
+            </a:prstGeom>
+            <a:solidFill>
+              <a:srgbClr val="EAF1DD"/>
+            </a:solidFill>
+            <a:ln w="9525">
+              <a:solidFill>
+                <a:srgbClr val="000000"/>
+              </a:solidFill>
+              <a:round/>
+              <a:headEnd/>
+              <a:tailEnd/>
+            </a:ln>
+          </p:spPr>
+          <p:txBody>
+            <a:bodyPr vert="horz" wrap="square" lIns="91440" tIns="45720" rIns="91440" bIns="45720" numCol="1" anchor="t" anchorCtr="0" compatLnSpc="1">
+              <a:prstTxWarp prst="textNoShape">
+                <a:avLst/>
+              </a:prstTxWarp>
+            </a:bodyPr>
+            <a:lstStyle/>
+            <a:p>
+              <a:pPr marL="0" marR="0" lvl="0" indent="0" algn="ctr" defTabSz="914400" rtl="0" eaLnBrk="1" fontAlgn="base" latinLnBrk="0" hangingPunct="1">
+                <a:lnSpc>
+                  <a:spcPct val="100000"/>
+                </a:lnSpc>
+                <a:spcBef>
+                  <a:spcPct val="0"/>
+                </a:spcBef>
+                <a:spcAft>
+                  <a:spcPct val="0"/>
+                </a:spcAft>
+                <a:buClrTx/>
+                <a:buSzTx/>
+                <a:buFontTx/>
+                <a:buNone/>
+                <a:tabLst/>
+              </a:pPr>
+              <a:r>
+                <a:rPr kumimoji="0" lang="en-US" sz="800" b="1" i="0" u="none" strike="noStrike" cap="none" normalizeH="0" baseline="0" smtClean="0">
+                  <a:ln>
+                    <a:noFill/>
+                  </a:ln>
+                  <a:solidFill>
+                    <a:schemeClr val="tx1"/>
+                  </a:solidFill>
+                  <a:effectLst/>
+                  <a:latin typeface="Arial" pitchFamily="34" charset="0"/>
+                  <a:ea typeface="Times New Roman" pitchFamily="18" charset="0"/>
+                  <a:cs typeface="Times New Roman" pitchFamily="18" charset="0"/>
+                </a:rPr>
+                <a:t>Update teacher</a:t>
+              </a:r>
+              <a:endParaRPr kumimoji="0" lang="en-US" sz="1800" b="0" i="0" u="none" strike="noStrike" cap="none" normalizeH="0" baseline="0" smtClean="0">
+                <a:ln>
+                  <a:noFill/>
+                </a:ln>
+                <a:solidFill>
+                  <a:schemeClr val="tx1"/>
+                </a:solidFill>
+                <a:effectLst/>
+                <a:latin typeface="Arial" pitchFamily="34" charset="0"/>
+                <a:cs typeface="Arial" pitchFamily="34" charset="0"/>
+              </a:endParaRPr>
+            </a:p>
+          </p:txBody>
+        </p:sp>
+        <p:sp>
+          <p:nvSpPr>
+            <p:cNvPr id="14392" name="AutoShape 27"/>
+            <p:cNvSpPr>
+              <a:spLocks noChangeShapeType="1"/>
+            </p:cNvSpPr>
+            <p:nvPr/>
+          </p:nvSpPr>
+          <p:spPr bwMode="auto">
+            <a:xfrm flipH="1">
+              <a:off x="3809" y="5506"/>
+              <a:ext cx="1608" cy="210"/>
+            </a:xfrm>
+            <a:prstGeom prst="straightConnector1">
+              <a:avLst/>
+            </a:prstGeom>
+            <a:noFill/>
+            <a:ln w="9525">
+              <a:solidFill>
+                <a:srgbClr val="4579B8"/>
+              </a:solidFill>
+              <a:round/>
+              <a:headEnd/>
+              <a:tailEnd/>
+            </a:ln>
+            <a:extLst>
+              <a:ext uri="{909E8E84-426E-40DD-AFC4-6F175D3DCCD1}">
+                <a14:hiddenFill xmlns:a14="http://schemas.microsoft.com/office/drawing/2010/main">
+                  <a:noFill/>
+                </a14:hiddenFill>
+              </a:ext>
+            </a:extLst>
+          </p:spPr>
+          <p:txBody>
+            <a:bodyPr vert="horz" wrap="square" lIns="91440" tIns="45720" rIns="91440" bIns="45720" numCol="1" anchor="t" anchorCtr="0" compatLnSpc="1">
+              <a:prstTxWarp prst="textNoShape">
+                <a:avLst/>
+              </a:prstTxWarp>
+            </a:bodyPr>
+            <a:lstStyle/>
+            <a:p>
+              <a:endParaRPr lang="en-US"/>
+            </a:p>
+          </p:txBody>
+        </p:sp>
+        <p:sp>
+          <p:nvSpPr>
+            <p:cNvPr id="14393" name="AutoShape 26"/>
+            <p:cNvSpPr>
+              <a:spLocks noChangeShapeType="1"/>
+            </p:cNvSpPr>
+            <p:nvPr/>
+          </p:nvSpPr>
+          <p:spPr bwMode="auto">
+            <a:xfrm flipH="1">
+              <a:off x="3809" y="5506"/>
+              <a:ext cx="1608" cy="852"/>
+            </a:xfrm>
+            <a:prstGeom prst="straightConnector1">
+              <a:avLst/>
+            </a:prstGeom>
+            <a:noFill/>
+            <a:ln w="9525">
+              <a:solidFill>
+                <a:srgbClr val="4579B8"/>
+              </a:solidFill>
+              <a:round/>
+              <a:headEnd/>
+              <a:tailEnd/>
+            </a:ln>
+            <a:extLst>
+              <a:ext uri="{909E8E84-426E-40DD-AFC4-6F175D3DCCD1}">
+                <a14:hiddenFill xmlns:a14="http://schemas.microsoft.com/office/drawing/2010/main">
+                  <a:noFill/>
+                </a14:hiddenFill>
+              </a:ext>
+            </a:extLst>
+          </p:spPr>
+          <p:txBody>
+            <a:bodyPr vert="horz" wrap="square" lIns="91440" tIns="45720" rIns="91440" bIns="45720" numCol="1" anchor="t" anchorCtr="0" compatLnSpc="1">
+              <a:prstTxWarp prst="textNoShape">
+                <a:avLst/>
+              </a:prstTxWarp>
+            </a:bodyPr>
+            <a:lstStyle/>
+            <a:p>
+              <a:endParaRPr lang="en-US"/>
+            </a:p>
+          </p:txBody>
+        </p:sp>
+        <p:sp>
+          <p:nvSpPr>
+            <p:cNvPr id="14394" name="AutoShape 25"/>
+            <p:cNvSpPr>
+              <a:spLocks noChangeShapeType="1"/>
+            </p:cNvSpPr>
+            <p:nvPr/>
+          </p:nvSpPr>
+          <p:spPr bwMode="auto">
+            <a:xfrm flipH="1">
+              <a:off x="3809" y="5506"/>
+              <a:ext cx="1608" cy="1557"/>
+            </a:xfrm>
+            <a:prstGeom prst="straightConnector1">
+              <a:avLst/>
+            </a:prstGeom>
+            <a:noFill/>
+            <a:ln w="9525">
+              <a:solidFill>
+                <a:srgbClr val="4579B8"/>
+              </a:solidFill>
+              <a:round/>
+              <a:headEnd/>
+              <a:tailEnd/>
+            </a:ln>
+            <a:extLst>
+              <a:ext uri="{909E8E84-426E-40DD-AFC4-6F175D3DCCD1}">
+                <a14:hiddenFill xmlns:a14="http://schemas.microsoft.com/office/drawing/2010/main">
+                  <a:noFill/>
+                </a14:hiddenFill>
+              </a:ext>
+            </a:extLst>
+          </p:spPr>
+          <p:txBody>
+            <a:bodyPr vert="horz" wrap="square" lIns="91440" tIns="45720" rIns="91440" bIns="45720" numCol="1" anchor="t" anchorCtr="0" compatLnSpc="1">
+              <a:prstTxWarp prst="textNoShape">
+                <a:avLst/>
+              </a:prstTxWarp>
+            </a:bodyPr>
+            <a:lstStyle/>
+            <a:p>
+              <a:endParaRPr lang="en-US"/>
+            </a:p>
+          </p:txBody>
+        </p:sp>
+        <p:sp>
+          <p:nvSpPr>
+            <p:cNvPr id="14395" name="Oval 22"/>
+            <p:cNvSpPr>
+              <a:spLocks noChangeArrowheads="1"/>
+            </p:cNvSpPr>
+            <p:nvPr/>
+          </p:nvSpPr>
+          <p:spPr bwMode="auto">
+            <a:xfrm>
+              <a:off x="1455" y="12420"/>
+              <a:ext cx="2354" cy="585"/>
+            </a:xfrm>
+            <a:prstGeom prst="ellipse">
+              <a:avLst/>
+            </a:prstGeom>
+            <a:solidFill>
+              <a:srgbClr val="EAF1DD"/>
+            </a:solidFill>
+            <a:ln w="9525">
+              <a:solidFill>
+                <a:srgbClr val="000000"/>
+              </a:solidFill>
+              <a:round/>
+              <a:headEnd/>
+              <a:tailEnd/>
+            </a:ln>
+          </p:spPr>
+          <p:txBody>
+            <a:bodyPr vert="horz" wrap="square" lIns="91440" tIns="45720" rIns="91440" bIns="45720" numCol="1" anchor="t" anchorCtr="0" compatLnSpc="1">
+              <a:prstTxWarp prst="textNoShape">
+                <a:avLst/>
+              </a:prstTxWarp>
+            </a:bodyPr>
+            <a:lstStyle/>
+            <a:p>
+              <a:pPr marL="0" marR="0" lvl="0" indent="0" algn="ctr" defTabSz="914400" rtl="0" eaLnBrk="1" fontAlgn="base" latinLnBrk="0" hangingPunct="1">
+                <a:lnSpc>
+                  <a:spcPct val="100000"/>
+                </a:lnSpc>
+                <a:spcBef>
+                  <a:spcPct val="0"/>
+                </a:spcBef>
+                <a:spcAft>
+                  <a:spcPct val="0"/>
+                </a:spcAft>
+                <a:buClrTx/>
+                <a:buSzTx/>
+                <a:buFontTx/>
+                <a:buNone/>
+                <a:tabLst/>
+              </a:pPr>
+              <a:r>
+                <a:rPr kumimoji="0" lang="en-US" sz="800" b="1" i="0" u="none" strike="noStrike" cap="none" normalizeH="0" baseline="0" smtClean="0">
+                  <a:ln>
+                    <a:noFill/>
+                  </a:ln>
+                  <a:solidFill>
+                    <a:schemeClr val="tx1"/>
+                  </a:solidFill>
+                  <a:effectLst/>
+                  <a:latin typeface="Arial" pitchFamily="34" charset="0"/>
+                  <a:ea typeface="Times New Roman" pitchFamily="18" charset="0"/>
+                  <a:cs typeface="Times New Roman" pitchFamily="18" charset="0"/>
+                </a:rPr>
+                <a:t>Prospective students </a:t>
+              </a:r>
+              <a:endParaRPr kumimoji="0" lang="en-US" sz="1800" b="0" i="0" u="none" strike="noStrike" cap="none" normalizeH="0" baseline="0" smtClean="0">
+                <a:ln>
+                  <a:noFill/>
+                </a:ln>
+                <a:solidFill>
+                  <a:schemeClr val="tx1"/>
+                </a:solidFill>
+                <a:effectLst/>
+                <a:latin typeface="Arial" pitchFamily="34" charset="0"/>
+                <a:cs typeface="Arial" pitchFamily="34" charset="0"/>
+              </a:endParaRPr>
+            </a:p>
+          </p:txBody>
+        </p:sp>
+        <p:sp>
+          <p:nvSpPr>
+            <p:cNvPr id="14396" name="Straight Connector 130"/>
+            <p:cNvSpPr>
+              <a:spLocks noChangeShapeType="1"/>
+            </p:cNvSpPr>
+            <p:nvPr/>
+          </p:nvSpPr>
+          <p:spPr bwMode="auto">
+            <a:xfrm flipH="1" flipV="1">
+              <a:off x="3751" y="12730"/>
+              <a:ext cx="1406" cy="440"/>
+            </a:xfrm>
+            <a:prstGeom prst="line">
+              <a:avLst/>
+            </a:prstGeom>
+            <a:noFill/>
+            <a:ln w="9525">
+              <a:solidFill>
+                <a:srgbClr val="4579B8"/>
+              </a:solidFill>
+              <a:round/>
+              <a:headEnd/>
+              <a:tailEnd/>
+            </a:ln>
+            <a:extLst>
+              <a:ext uri="{909E8E84-426E-40DD-AFC4-6F175D3DCCD1}">
+                <a14:hiddenFill xmlns:a14="http://schemas.microsoft.com/office/drawing/2010/main">
+                  <a:noFill/>
+                </a14:hiddenFill>
+              </a:ext>
+            </a:extLst>
+          </p:spPr>
+          <p:txBody>
+            <a:bodyPr vert="horz" wrap="square" lIns="91440" tIns="45720" rIns="91440" bIns="45720" numCol="1" anchor="t" anchorCtr="0" compatLnSpc="1">
+              <a:prstTxWarp prst="textNoShape">
+                <a:avLst/>
+              </a:prstTxWarp>
+            </a:bodyPr>
+            <a:lstStyle/>
+            <a:p>
+              <a:endParaRPr lang="en-US"/>
+            </a:p>
+          </p:txBody>
+        </p:sp>
+        <p:sp>
+          <p:nvSpPr>
+            <p:cNvPr id="14397" name="AutoShape 22"/>
+            <p:cNvSpPr>
+              <a:spLocks noChangeShapeType="1"/>
+            </p:cNvSpPr>
+            <p:nvPr/>
+          </p:nvSpPr>
+          <p:spPr bwMode="auto">
+            <a:xfrm flipH="1">
+              <a:off x="3657" y="5506"/>
+              <a:ext cx="1761" cy="4456"/>
+            </a:xfrm>
+            <a:prstGeom prst="straightConnector1">
+              <a:avLst/>
+            </a:prstGeom>
+            <a:noFill/>
+            <a:ln w="9525">
+              <a:solidFill>
+                <a:srgbClr val="4F81BD"/>
+              </a:solidFill>
+              <a:round/>
+              <a:headEnd/>
+              <a:tailEnd/>
+            </a:ln>
+            <a:extLst>
+              <a:ext uri="{909E8E84-426E-40DD-AFC4-6F175D3DCCD1}">
+                <a14:hiddenFill xmlns:a14="http://schemas.microsoft.com/office/drawing/2010/main">
+                  <a:noFill/>
+                </a14:hiddenFill>
+              </a:ext>
+            </a:extLst>
+          </p:spPr>
+          <p:txBody>
+            <a:bodyPr vert="horz" wrap="square" lIns="91440" tIns="45720" rIns="91440" bIns="45720" numCol="1" anchor="t" anchorCtr="0" compatLnSpc="1">
+              <a:prstTxWarp prst="textNoShape">
+                <a:avLst/>
+              </a:prstTxWarp>
+            </a:bodyPr>
+            <a:lstStyle/>
+            <a:p>
+              <a:endParaRPr lang="en-US"/>
+            </a:p>
+          </p:txBody>
+        </p:sp>
+        <p:sp>
+          <p:nvSpPr>
+            <p:cNvPr id="14398" name="AutoShape 21"/>
+            <p:cNvSpPr>
+              <a:spLocks noChangeShapeType="1"/>
+            </p:cNvSpPr>
+            <p:nvPr/>
+          </p:nvSpPr>
+          <p:spPr bwMode="auto">
+            <a:xfrm flipV="1">
+              <a:off x="6900" y="2545"/>
+              <a:ext cx="1459" cy="4355"/>
+            </a:xfrm>
+            <a:prstGeom prst="straightConnector1">
+              <a:avLst/>
+            </a:prstGeom>
+            <a:noFill/>
+            <a:ln w="9525">
+              <a:solidFill>
+                <a:srgbClr val="4F81BD"/>
+              </a:solidFill>
+              <a:round/>
+              <a:headEnd/>
+              <a:tailEnd/>
+            </a:ln>
+            <a:extLst>
+              <a:ext uri="{909E8E84-426E-40DD-AFC4-6F175D3DCCD1}">
+                <a14:hiddenFill xmlns:a14="http://schemas.microsoft.com/office/drawing/2010/main">
+                  <a:noFill/>
+                </a14:hiddenFill>
+              </a:ext>
+            </a:extLst>
+          </p:spPr>
+          <p:txBody>
+            <a:bodyPr vert="horz" wrap="square" lIns="91440" tIns="45720" rIns="91440" bIns="45720" numCol="1" anchor="t" anchorCtr="0" compatLnSpc="1">
+              <a:prstTxWarp prst="textNoShape">
+                <a:avLst/>
+              </a:prstTxWarp>
+            </a:bodyPr>
+            <a:lstStyle/>
+            <a:p>
+              <a:endParaRPr lang="en-US"/>
+            </a:p>
+          </p:txBody>
+        </p:sp>
+        <p:sp>
+          <p:nvSpPr>
+            <p:cNvPr id="14399" name="AutoShape 20"/>
+            <p:cNvSpPr>
+              <a:spLocks noChangeShapeType="1"/>
+            </p:cNvSpPr>
+            <p:nvPr/>
+          </p:nvSpPr>
+          <p:spPr bwMode="auto">
+            <a:xfrm flipV="1">
+              <a:off x="6900" y="2104"/>
+              <a:ext cx="1299" cy="4796"/>
+            </a:xfrm>
+            <a:prstGeom prst="straightConnector1">
+              <a:avLst/>
+            </a:prstGeom>
+            <a:noFill/>
+            <a:ln w="9525">
+              <a:solidFill>
+                <a:srgbClr val="4F81BD"/>
+              </a:solidFill>
+              <a:round/>
+              <a:headEnd/>
+              <a:tailEnd/>
+            </a:ln>
+            <a:extLst>
+              <a:ext uri="{909E8E84-426E-40DD-AFC4-6F175D3DCCD1}">
+                <a14:hiddenFill xmlns:a14="http://schemas.microsoft.com/office/drawing/2010/main">
+                  <a:noFill/>
+                </a14:hiddenFill>
+              </a:ext>
+            </a:extLst>
+          </p:spPr>
+          <p:txBody>
+            <a:bodyPr vert="horz" wrap="square" lIns="91440" tIns="45720" rIns="91440" bIns="45720" numCol="1" anchor="t" anchorCtr="0" compatLnSpc="1">
+              <a:prstTxWarp prst="textNoShape">
+                <a:avLst/>
+              </a:prstTxWarp>
+            </a:bodyPr>
+            <a:lstStyle/>
+            <a:p>
+              <a:endParaRPr lang="en-US"/>
+            </a:p>
+          </p:txBody>
+        </p:sp>
+        <p:sp>
+          <p:nvSpPr>
+            <p:cNvPr id="14400" name="Oval 27"/>
+            <p:cNvSpPr>
+              <a:spLocks noChangeArrowheads="1"/>
+            </p:cNvSpPr>
+            <p:nvPr/>
+          </p:nvSpPr>
+          <p:spPr bwMode="auto">
+            <a:xfrm>
+              <a:off x="8443" y="8545"/>
+              <a:ext cx="2517" cy="421"/>
+            </a:xfrm>
+            <a:prstGeom prst="ellipse">
+              <a:avLst/>
+            </a:prstGeom>
+            <a:solidFill>
+              <a:srgbClr val="EAF1DD"/>
+            </a:solidFill>
+            <a:ln w="9525">
+              <a:solidFill>
+                <a:srgbClr val="000000"/>
+              </a:solidFill>
+              <a:round/>
+              <a:headEnd/>
+              <a:tailEnd/>
+            </a:ln>
+          </p:spPr>
+          <p:txBody>
+            <a:bodyPr vert="horz" wrap="square" lIns="91440" tIns="45720" rIns="91440" bIns="45720" numCol="1" anchor="t" anchorCtr="0" compatLnSpc="1">
+              <a:prstTxWarp prst="textNoShape">
+                <a:avLst/>
+              </a:prstTxWarp>
+            </a:bodyPr>
+            <a:lstStyle/>
+            <a:p>
+              <a:pPr marL="0" marR="0" lvl="0" indent="0" algn="ctr" defTabSz="914400" rtl="0" eaLnBrk="1" fontAlgn="base" latinLnBrk="0" hangingPunct="1">
+                <a:lnSpc>
+                  <a:spcPct val="100000"/>
+                </a:lnSpc>
+                <a:spcBef>
+                  <a:spcPct val="0"/>
+                </a:spcBef>
+                <a:spcAft>
+                  <a:spcPct val="0"/>
+                </a:spcAft>
+                <a:buClrTx/>
+                <a:buSzTx/>
+                <a:buFontTx/>
+                <a:buNone/>
+                <a:tabLst/>
+              </a:pPr>
+              <a:r>
+                <a:rPr kumimoji="0" lang="en-US" sz="800" b="1" i="0" u="none" strike="noStrike" cap="none" normalizeH="0" baseline="0" smtClean="0">
+                  <a:ln>
+                    <a:noFill/>
+                  </a:ln>
+                  <a:solidFill>
+                    <a:schemeClr val="tx1"/>
+                  </a:solidFill>
+                  <a:effectLst/>
+                  <a:latin typeface="Arial" pitchFamily="34" charset="0"/>
+                  <a:ea typeface="Times New Roman" pitchFamily="18" charset="0"/>
+                  <a:cs typeface="Times New Roman" pitchFamily="18" charset="0"/>
+                </a:rPr>
+                <a:t>Mobile Log Out</a:t>
+              </a:r>
+              <a:endParaRPr kumimoji="0" lang="en-US" sz="1800" b="0" i="0" u="none" strike="noStrike" cap="none" normalizeH="0" baseline="0" smtClean="0">
+                <a:ln>
+                  <a:noFill/>
+                </a:ln>
+                <a:solidFill>
+                  <a:schemeClr val="tx1"/>
+                </a:solidFill>
+                <a:effectLst/>
+                <a:latin typeface="Arial" pitchFamily="34" charset="0"/>
+                <a:cs typeface="Arial" pitchFamily="34" charset="0"/>
+              </a:endParaRPr>
+            </a:p>
+          </p:txBody>
+        </p:sp>
+        <p:sp>
+          <p:nvSpPr>
+            <p:cNvPr id="14401" name="Oval 105"/>
+            <p:cNvSpPr>
+              <a:spLocks noChangeArrowheads="1"/>
+            </p:cNvSpPr>
+            <p:nvPr/>
+          </p:nvSpPr>
+          <p:spPr bwMode="auto">
+            <a:xfrm>
+              <a:off x="8421" y="9846"/>
+              <a:ext cx="2568" cy="476"/>
+            </a:xfrm>
+            <a:prstGeom prst="ellipse">
+              <a:avLst/>
+            </a:prstGeom>
+            <a:solidFill>
+              <a:srgbClr val="EAF1DD"/>
+            </a:solidFill>
+            <a:ln w="9525">
+              <a:solidFill>
+                <a:srgbClr val="000000"/>
+              </a:solidFill>
+              <a:round/>
+              <a:headEnd/>
+              <a:tailEnd/>
+            </a:ln>
+          </p:spPr>
+          <p:txBody>
+            <a:bodyPr vert="horz" wrap="square" lIns="91440" tIns="45720" rIns="91440" bIns="45720" numCol="1" anchor="t" anchorCtr="0" compatLnSpc="1">
+              <a:prstTxWarp prst="textNoShape">
+                <a:avLst/>
+              </a:prstTxWarp>
+            </a:bodyPr>
+            <a:lstStyle/>
+            <a:p>
+              <a:pPr marL="0" marR="0" lvl="0" indent="0" algn="ctr" defTabSz="914400" rtl="0" eaLnBrk="1" fontAlgn="base" latinLnBrk="0" hangingPunct="1">
+                <a:lnSpc>
+                  <a:spcPct val="100000"/>
+                </a:lnSpc>
+                <a:spcBef>
+                  <a:spcPct val="0"/>
+                </a:spcBef>
+                <a:spcAft>
+                  <a:spcPct val="0"/>
+                </a:spcAft>
+                <a:buClrTx/>
+                <a:buSzTx/>
+                <a:buFontTx/>
+                <a:buNone/>
+                <a:tabLst/>
+              </a:pPr>
+              <a:r>
+                <a:rPr kumimoji="0" lang="en-US" sz="800" b="1" i="0" u="none" strike="noStrike" cap="none" normalizeH="0" baseline="0" smtClean="0">
+                  <a:ln>
+                    <a:noFill/>
+                  </a:ln>
+                  <a:solidFill>
+                    <a:schemeClr val="tx1"/>
+                  </a:solidFill>
+                  <a:effectLst/>
+                  <a:latin typeface="Calibri" pitchFamily="34" charset="0"/>
+                  <a:ea typeface="Times New Roman" pitchFamily="18" charset="0"/>
+                  <a:cs typeface="Arial" pitchFamily="34" charset="0"/>
+                </a:rPr>
+                <a:t>Mobile Message center</a:t>
+              </a:r>
+              <a:endParaRPr kumimoji="0" lang="en-US" sz="1800" b="0" i="0" u="none" strike="noStrike" cap="none" normalizeH="0" baseline="0" smtClean="0">
+                <a:ln>
+                  <a:noFill/>
+                </a:ln>
+                <a:solidFill>
+                  <a:schemeClr val="tx1"/>
+                </a:solidFill>
+                <a:effectLst/>
+                <a:latin typeface="Arial" pitchFamily="34" charset="0"/>
+                <a:cs typeface="Arial" pitchFamily="34" charset="0"/>
+              </a:endParaRPr>
+            </a:p>
+          </p:txBody>
+        </p:sp>
+        <p:sp>
+          <p:nvSpPr>
+            <p:cNvPr id="14402" name="Oval 107"/>
+            <p:cNvSpPr>
+              <a:spLocks noChangeArrowheads="1"/>
+            </p:cNvSpPr>
+            <p:nvPr/>
+          </p:nvSpPr>
+          <p:spPr bwMode="auto">
+            <a:xfrm>
+              <a:off x="8450" y="8012"/>
+              <a:ext cx="2360" cy="458"/>
+            </a:xfrm>
+            <a:prstGeom prst="ellipse">
+              <a:avLst/>
+            </a:prstGeom>
+            <a:solidFill>
+              <a:srgbClr val="EAF1DD"/>
+            </a:solidFill>
+            <a:ln w="9525">
+              <a:solidFill>
+                <a:srgbClr val="000000"/>
+              </a:solidFill>
+              <a:round/>
+              <a:headEnd/>
+              <a:tailEnd/>
+            </a:ln>
+          </p:spPr>
+          <p:txBody>
+            <a:bodyPr vert="horz" wrap="square" lIns="91440" tIns="45720" rIns="91440" bIns="45720" numCol="1" anchor="t" anchorCtr="0" compatLnSpc="1">
+              <a:prstTxWarp prst="textNoShape">
+                <a:avLst/>
+              </a:prstTxWarp>
+            </a:bodyPr>
+            <a:lstStyle/>
+            <a:p>
+              <a:pPr marL="0" marR="0" lvl="0" indent="0" algn="ctr" defTabSz="914400" rtl="0" eaLnBrk="1" fontAlgn="base" latinLnBrk="0" hangingPunct="1">
+                <a:lnSpc>
+                  <a:spcPct val="100000"/>
+                </a:lnSpc>
+                <a:spcBef>
+                  <a:spcPct val="0"/>
+                </a:spcBef>
+                <a:spcAft>
+                  <a:spcPct val="0"/>
+                </a:spcAft>
+                <a:buClrTx/>
+                <a:buSzTx/>
+                <a:buFontTx/>
+                <a:buNone/>
+                <a:tabLst/>
+              </a:pPr>
+              <a:r>
+                <a:rPr kumimoji="0" lang="en-US" sz="800" b="1" i="0" u="none" strike="noStrike" cap="none" normalizeH="0" baseline="0" smtClean="0">
+                  <a:ln>
+                    <a:noFill/>
+                  </a:ln>
+                  <a:solidFill>
+                    <a:schemeClr val="tx1"/>
+                  </a:solidFill>
+                  <a:effectLst/>
+                  <a:latin typeface="Calibri" pitchFamily="34" charset="0"/>
+                  <a:ea typeface="Times New Roman" pitchFamily="18" charset="0"/>
+                  <a:cs typeface="Arial" pitchFamily="34" charset="0"/>
+                </a:rPr>
+                <a:t>Mobile Log In</a:t>
+              </a:r>
+              <a:endParaRPr kumimoji="0" lang="en-US" sz="1800" b="0" i="0" u="none" strike="noStrike" cap="none" normalizeH="0" baseline="0" smtClean="0">
+                <a:ln>
+                  <a:noFill/>
+                </a:ln>
+                <a:solidFill>
+                  <a:schemeClr val="tx1"/>
+                </a:solidFill>
+                <a:effectLst/>
+                <a:latin typeface="Arial" pitchFamily="34" charset="0"/>
+                <a:cs typeface="Arial" pitchFamily="34" charset="0"/>
+              </a:endParaRPr>
+            </a:p>
+          </p:txBody>
+        </p:sp>
+        <p:sp>
+          <p:nvSpPr>
+            <p:cNvPr id="14403" name="Oval 108"/>
+            <p:cNvSpPr>
+              <a:spLocks noChangeArrowheads="1"/>
+            </p:cNvSpPr>
+            <p:nvPr/>
+          </p:nvSpPr>
+          <p:spPr bwMode="auto">
+            <a:xfrm>
+              <a:off x="8477" y="10404"/>
+              <a:ext cx="2627" cy="453"/>
+            </a:xfrm>
+            <a:prstGeom prst="ellipse">
+              <a:avLst/>
+            </a:prstGeom>
+            <a:solidFill>
+              <a:srgbClr val="EAF1DD"/>
+            </a:solidFill>
+            <a:ln w="9525">
+              <a:solidFill>
+                <a:srgbClr val="000000"/>
+              </a:solidFill>
+              <a:round/>
+              <a:headEnd/>
+              <a:tailEnd/>
+            </a:ln>
+          </p:spPr>
+          <p:txBody>
+            <a:bodyPr vert="horz" wrap="square" lIns="91440" tIns="45720" rIns="91440" bIns="45720" numCol="1" anchor="t" anchorCtr="0" compatLnSpc="1">
+              <a:prstTxWarp prst="textNoShape">
+                <a:avLst/>
+              </a:prstTxWarp>
+            </a:bodyPr>
+            <a:lstStyle/>
+            <a:p>
+              <a:pPr marL="0" marR="0" lvl="0" indent="0" algn="ctr" defTabSz="914400" rtl="0" eaLnBrk="1" fontAlgn="base" latinLnBrk="0" hangingPunct="1">
+                <a:lnSpc>
+                  <a:spcPct val="100000"/>
+                </a:lnSpc>
+                <a:spcBef>
+                  <a:spcPct val="0"/>
+                </a:spcBef>
+                <a:spcAft>
+                  <a:spcPct val="0"/>
+                </a:spcAft>
+                <a:buClrTx/>
+                <a:buSzTx/>
+                <a:buFontTx/>
+                <a:buNone/>
+                <a:tabLst/>
+              </a:pPr>
+              <a:r>
+                <a:rPr kumimoji="0" lang="en-US" sz="800" b="1" i="0" u="none" strike="noStrike" cap="none" normalizeH="0" baseline="0" smtClean="0">
+                  <a:ln>
+                    <a:noFill/>
+                  </a:ln>
+                  <a:solidFill>
+                    <a:schemeClr val="tx1"/>
+                  </a:solidFill>
+                  <a:effectLst/>
+                  <a:latin typeface="Calibri" pitchFamily="34" charset="0"/>
+                  <a:ea typeface="Times New Roman" pitchFamily="18" charset="0"/>
+                  <a:cs typeface="Arial" pitchFamily="34" charset="0"/>
+                </a:rPr>
+                <a:t>Mobile view schedules</a:t>
+              </a:r>
+              <a:endParaRPr kumimoji="0" lang="en-US" sz="1800" b="0" i="0" u="none" strike="noStrike" cap="none" normalizeH="0" baseline="0" smtClean="0">
+                <a:ln>
+                  <a:noFill/>
+                </a:ln>
+                <a:solidFill>
+                  <a:schemeClr val="tx1"/>
+                </a:solidFill>
+                <a:effectLst/>
+                <a:latin typeface="Arial" pitchFamily="34" charset="0"/>
+                <a:cs typeface="Arial" pitchFamily="34" charset="0"/>
+              </a:endParaRPr>
+            </a:p>
+          </p:txBody>
+        </p:sp>
+        <p:sp>
+          <p:nvSpPr>
+            <p:cNvPr id="14404" name="Oval 108"/>
+            <p:cNvSpPr>
+              <a:spLocks noChangeArrowheads="1"/>
+            </p:cNvSpPr>
+            <p:nvPr/>
+          </p:nvSpPr>
+          <p:spPr bwMode="auto">
+            <a:xfrm>
+              <a:off x="8519" y="10923"/>
+              <a:ext cx="2627" cy="453"/>
+            </a:xfrm>
+            <a:prstGeom prst="ellipse">
+              <a:avLst/>
+            </a:prstGeom>
+            <a:solidFill>
+              <a:srgbClr val="EAF1DD"/>
+            </a:solidFill>
+            <a:ln w="9525">
+              <a:solidFill>
+                <a:srgbClr val="000000"/>
+              </a:solidFill>
+              <a:round/>
+              <a:headEnd/>
+              <a:tailEnd/>
+            </a:ln>
+          </p:spPr>
+          <p:txBody>
+            <a:bodyPr vert="horz" wrap="square" lIns="91440" tIns="45720" rIns="91440" bIns="45720" numCol="1" anchor="t" anchorCtr="0" compatLnSpc="1">
+              <a:prstTxWarp prst="textNoShape">
+                <a:avLst/>
+              </a:prstTxWarp>
+            </a:bodyPr>
+            <a:lstStyle/>
+            <a:p>
+              <a:pPr marL="0" marR="0" lvl="0" indent="0" algn="ctr" defTabSz="914400" rtl="0" eaLnBrk="1" fontAlgn="base" latinLnBrk="0" hangingPunct="1">
+                <a:lnSpc>
+                  <a:spcPct val="100000"/>
+                </a:lnSpc>
+                <a:spcBef>
+                  <a:spcPct val="0"/>
+                </a:spcBef>
+                <a:spcAft>
+                  <a:spcPct val="0"/>
+                </a:spcAft>
+                <a:buClrTx/>
+                <a:buSzTx/>
+                <a:buFontTx/>
+                <a:buNone/>
+                <a:tabLst/>
+              </a:pPr>
+              <a:r>
+                <a:rPr kumimoji="0" lang="en-US" sz="800" b="1" i="0" u="none" strike="noStrike" cap="none" normalizeH="0" baseline="0" smtClean="0">
+                  <a:ln>
+                    <a:noFill/>
+                  </a:ln>
+                  <a:solidFill>
+                    <a:schemeClr val="tx1"/>
+                  </a:solidFill>
+                  <a:effectLst/>
+                  <a:latin typeface="Calibri" pitchFamily="34" charset="0"/>
+                  <a:ea typeface="Times New Roman" pitchFamily="18" charset="0"/>
+                  <a:cs typeface="Arial" pitchFamily="34" charset="0"/>
+                </a:rPr>
+                <a:t>Mobile view score card</a:t>
+              </a:r>
+              <a:endParaRPr kumimoji="0" lang="en-US" sz="1800" b="0" i="0" u="none" strike="noStrike" cap="none" normalizeH="0" baseline="0" smtClean="0">
+                <a:ln>
+                  <a:noFill/>
+                </a:ln>
+                <a:solidFill>
+                  <a:schemeClr val="tx1"/>
+                </a:solidFill>
+                <a:effectLst/>
+                <a:latin typeface="Arial" pitchFamily="34" charset="0"/>
+                <a:cs typeface="Arial" pitchFamily="34" charset="0"/>
+              </a:endParaRPr>
+            </a:p>
+          </p:txBody>
+        </p:sp>
+        <p:sp>
+          <p:nvSpPr>
+            <p:cNvPr id="14405" name="AutoShape 14"/>
+            <p:cNvSpPr>
+              <a:spLocks noChangeShapeType="1"/>
+            </p:cNvSpPr>
+            <p:nvPr/>
+          </p:nvSpPr>
+          <p:spPr bwMode="auto">
+            <a:xfrm flipV="1">
+              <a:off x="6810" y="8241"/>
+              <a:ext cx="1640" cy="4764"/>
+            </a:xfrm>
+            <a:prstGeom prst="straightConnector1">
+              <a:avLst/>
+            </a:prstGeom>
+            <a:noFill/>
+            <a:ln w="9525">
+              <a:solidFill>
+                <a:srgbClr val="4F81BD"/>
+              </a:solidFill>
+              <a:round/>
+              <a:headEnd/>
+              <a:tailEnd/>
+            </a:ln>
+            <a:extLst>
+              <a:ext uri="{909E8E84-426E-40DD-AFC4-6F175D3DCCD1}">
+                <a14:hiddenFill xmlns:a14="http://schemas.microsoft.com/office/drawing/2010/main">
+                  <a:noFill/>
+                </a14:hiddenFill>
+              </a:ext>
+            </a:extLst>
+          </p:spPr>
+          <p:txBody>
+            <a:bodyPr vert="horz" wrap="square" lIns="91440" tIns="45720" rIns="91440" bIns="45720" numCol="1" anchor="t" anchorCtr="0" compatLnSpc="1">
+              <a:prstTxWarp prst="textNoShape">
+                <a:avLst/>
+              </a:prstTxWarp>
+            </a:bodyPr>
+            <a:lstStyle/>
+            <a:p>
+              <a:endParaRPr lang="en-US"/>
+            </a:p>
+          </p:txBody>
+        </p:sp>
+        <p:sp>
+          <p:nvSpPr>
+            <p:cNvPr id="14406" name="AutoShape 13"/>
+            <p:cNvSpPr>
+              <a:spLocks noChangeShapeType="1"/>
+            </p:cNvSpPr>
+            <p:nvPr/>
+          </p:nvSpPr>
+          <p:spPr bwMode="auto">
+            <a:xfrm flipV="1">
+              <a:off x="6915" y="8756"/>
+              <a:ext cx="1528" cy="4291"/>
+            </a:xfrm>
+            <a:prstGeom prst="straightConnector1">
+              <a:avLst/>
+            </a:prstGeom>
+            <a:noFill/>
+            <a:ln w="9525">
+              <a:solidFill>
+                <a:srgbClr val="4F81BD"/>
+              </a:solidFill>
+              <a:round/>
+              <a:headEnd/>
+              <a:tailEnd/>
+            </a:ln>
+            <a:extLst>
+              <a:ext uri="{909E8E84-426E-40DD-AFC4-6F175D3DCCD1}">
+                <a14:hiddenFill xmlns:a14="http://schemas.microsoft.com/office/drawing/2010/main">
+                  <a:noFill/>
+                </a14:hiddenFill>
+              </a:ext>
+            </a:extLst>
+          </p:spPr>
+          <p:txBody>
+            <a:bodyPr vert="horz" wrap="square" lIns="91440" tIns="45720" rIns="91440" bIns="45720" numCol="1" anchor="t" anchorCtr="0" compatLnSpc="1">
+              <a:prstTxWarp prst="textNoShape">
+                <a:avLst/>
+              </a:prstTxWarp>
+            </a:bodyPr>
+            <a:lstStyle/>
+            <a:p>
+              <a:endParaRPr lang="en-US"/>
+            </a:p>
+          </p:txBody>
+        </p:sp>
+        <p:sp>
+          <p:nvSpPr>
+            <p:cNvPr id="14407" name="AutoShape 12"/>
+            <p:cNvSpPr>
+              <a:spLocks noChangeShapeType="1"/>
+            </p:cNvSpPr>
+            <p:nvPr/>
+          </p:nvSpPr>
+          <p:spPr bwMode="auto">
+            <a:xfrm flipV="1">
+              <a:off x="6915" y="10084"/>
+              <a:ext cx="1506" cy="2963"/>
+            </a:xfrm>
+            <a:prstGeom prst="straightConnector1">
+              <a:avLst/>
+            </a:prstGeom>
+            <a:noFill/>
+            <a:ln w="9525">
+              <a:solidFill>
+                <a:srgbClr val="4F81BD"/>
+              </a:solidFill>
+              <a:round/>
+              <a:headEnd/>
+              <a:tailEnd/>
+            </a:ln>
+            <a:extLst>
+              <a:ext uri="{909E8E84-426E-40DD-AFC4-6F175D3DCCD1}">
+                <a14:hiddenFill xmlns:a14="http://schemas.microsoft.com/office/drawing/2010/main">
+                  <a:noFill/>
+                </a14:hiddenFill>
+              </a:ext>
+            </a:extLst>
+          </p:spPr>
+          <p:txBody>
+            <a:bodyPr vert="horz" wrap="square" lIns="91440" tIns="45720" rIns="91440" bIns="45720" numCol="1" anchor="t" anchorCtr="0" compatLnSpc="1">
+              <a:prstTxWarp prst="textNoShape">
+                <a:avLst/>
+              </a:prstTxWarp>
+            </a:bodyPr>
+            <a:lstStyle/>
+            <a:p>
+              <a:endParaRPr lang="en-US"/>
+            </a:p>
+          </p:txBody>
+        </p:sp>
+        <p:sp>
+          <p:nvSpPr>
+            <p:cNvPr id="14408" name="AutoShape 11"/>
+            <p:cNvSpPr>
+              <a:spLocks noChangeShapeType="1"/>
+            </p:cNvSpPr>
+            <p:nvPr/>
+          </p:nvSpPr>
+          <p:spPr bwMode="auto">
+            <a:xfrm flipV="1">
+              <a:off x="6918" y="11310"/>
+              <a:ext cx="1986" cy="1915"/>
+            </a:xfrm>
+            <a:prstGeom prst="straightConnector1">
+              <a:avLst/>
+            </a:prstGeom>
+            <a:noFill/>
+            <a:ln w="9525">
+              <a:solidFill>
+                <a:srgbClr val="4F81BD"/>
+              </a:solidFill>
+              <a:round/>
+              <a:headEnd/>
+              <a:tailEnd/>
+            </a:ln>
+            <a:extLst>
+              <a:ext uri="{909E8E84-426E-40DD-AFC4-6F175D3DCCD1}">
+                <a14:hiddenFill xmlns:a14="http://schemas.microsoft.com/office/drawing/2010/main">
+                  <a:noFill/>
+                </a14:hiddenFill>
+              </a:ext>
+            </a:extLst>
+          </p:spPr>
+          <p:txBody>
+            <a:bodyPr vert="horz" wrap="square" lIns="91440" tIns="45720" rIns="91440" bIns="45720" numCol="1" anchor="t" anchorCtr="0" compatLnSpc="1">
+              <a:prstTxWarp prst="textNoShape">
+                <a:avLst/>
+              </a:prstTxWarp>
+            </a:bodyPr>
+            <a:lstStyle/>
+            <a:p>
+              <a:endParaRPr lang="en-US"/>
+            </a:p>
+          </p:txBody>
+        </p:sp>
+        <p:sp>
+          <p:nvSpPr>
+            <p:cNvPr id="14409" name="AutoShape 10"/>
+            <p:cNvSpPr>
+              <a:spLocks noChangeShapeType="1"/>
+            </p:cNvSpPr>
+            <p:nvPr/>
+          </p:nvSpPr>
+          <p:spPr bwMode="auto">
+            <a:xfrm>
+              <a:off x="6900" y="6900"/>
+              <a:ext cx="1896" cy="1179"/>
+            </a:xfrm>
+            <a:prstGeom prst="straightConnector1">
+              <a:avLst/>
+            </a:prstGeom>
+            <a:noFill/>
+            <a:ln w="9525">
+              <a:solidFill>
+                <a:srgbClr val="4F81BD"/>
+              </a:solidFill>
+              <a:round/>
+              <a:headEnd/>
+              <a:tailEnd/>
+            </a:ln>
+            <a:extLst>
+              <a:ext uri="{909E8E84-426E-40DD-AFC4-6F175D3DCCD1}">
+                <a14:hiddenFill xmlns:a14="http://schemas.microsoft.com/office/drawing/2010/main">
+                  <a:noFill/>
+                </a14:hiddenFill>
+              </a:ext>
+            </a:extLst>
+          </p:spPr>
+          <p:txBody>
+            <a:bodyPr vert="horz" wrap="square" lIns="91440" tIns="45720" rIns="91440" bIns="45720" numCol="1" anchor="t" anchorCtr="0" compatLnSpc="1">
+              <a:prstTxWarp prst="textNoShape">
+                <a:avLst/>
+              </a:prstTxWarp>
+            </a:bodyPr>
+            <a:lstStyle/>
+            <a:p>
+              <a:endParaRPr lang="en-US"/>
+            </a:p>
+          </p:txBody>
+        </p:sp>
+        <p:sp>
+          <p:nvSpPr>
+            <p:cNvPr id="14410" name="AutoShape 9"/>
+            <p:cNvSpPr>
+              <a:spLocks noChangeShapeType="1"/>
+            </p:cNvSpPr>
+            <p:nvPr/>
+          </p:nvSpPr>
+          <p:spPr bwMode="auto">
+            <a:xfrm>
+              <a:off x="7050" y="7042"/>
+              <a:ext cx="1393" cy="1714"/>
+            </a:xfrm>
+            <a:prstGeom prst="straightConnector1">
+              <a:avLst/>
+            </a:prstGeom>
+            <a:noFill/>
+            <a:ln w="9525">
+              <a:solidFill>
+                <a:srgbClr val="4F81BD"/>
+              </a:solidFill>
+              <a:round/>
+              <a:headEnd/>
+              <a:tailEnd/>
+            </a:ln>
+            <a:extLst>
+              <a:ext uri="{909E8E84-426E-40DD-AFC4-6F175D3DCCD1}">
+                <a14:hiddenFill xmlns:a14="http://schemas.microsoft.com/office/drawing/2010/main">
+                  <a:noFill/>
+                </a14:hiddenFill>
+              </a:ext>
+            </a:extLst>
+          </p:spPr>
+          <p:txBody>
+            <a:bodyPr vert="horz" wrap="square" lIns="91440" tIns="45720" rIns="91440" bIns="45720" numCol="1" anchor="t" anchorCtr="0" compatLnSpc="1">
+              <a:prstTxWarp prst="textNoShape">
+                <a:avLst/>
+              </a:prstTxWarp>
+            </a:bodyPr>
+            <a:lstStyle/>
+            <a:p>
+              <a:endParaRPr lang="en-US"/>
+            </a:p>
+          </p:txBody>
+        </p:sp>
+        <p:sp>
+          <p:nvSpPr>
+            <p:cNvPr id="14411" name="AutoShape 8"/>
+            <p:cNvSpPr>
+              <a:spLocks noChangeShapeType="1"/>
+            </p:cNvSpPr>
+            <p:nvPr/>
+          </p:nvSpPr>
+          <p:spPr bwMode="auto">
+            <a:xfrm>
+              <a:off x="7006" y="7142"/>
+              <a:ext cx="1415" cy="2942"/>
+            </a:xfrm>
+            <a:prstGeom prst="straightConnector1">
+              <a:avLst/>
+            </a:prstGeom>
+            <a:noFill/>
+            <a:ln w="9525">
+              <a:solidFill>
+                <a:srgbClr val="4F81BD"/>
+              </a:solidFill>
+              <a:round/>
+              <a:headEnd/>
+              <a:tailEnd/>
+            </a:ln>
+            <a:extLst>
+              <a:ext uri="{909E8E84-426E-40DD-AFC4-6F175D3DCCD1}">
+                <a14:hiddenFill xmlns:a14="http://schemas.microsoft.com/office/drawing/2010/main">
+                  <a:noFill/>
+                </a14:hiddenFill>
+              </a:ext>
+            </a:extLst>
+          </p:spPr>
+          <p:txBody>
+            <a:bodyPr vert="horz" wrap="square" lIns="91440" tIns="45720" rIns="91440" bIns="45720" numCol="1" anchor="t" anchorCtr="0" compatLnSpc="1">
+              <a:prstTxWarp prst="textNoShape">
+                <a:avLst/>
+              </a:prstTxWarp>
+            </a:bodyPr>
+            <a:lstStyle/>
+            <a:p>
+              <a:endParaRPr lang="en-US"/>
+            </a:p>
+          </p:txBody>
+        </p:sp>
+        <p:sp>
+          <p:nvSpPr>
+            <p:cNvPr id="14412" name="AutoShape 7"/>
+            <p:cNvSpPr>
+              <a:spLocks noChangeShapeType="1"/>
+            </p:cNvSpPr>
+            <p:nvPr/>
+          </p:nvSpPr>
+          <p:spPr bwMode="auto">
+            <a:xfrm>
+              <a:off x="7006" y="7142"/>
+              <a:ext cx="1471" cy="3489"/>
+            </a:xfrm>
+            <a:prstGeom prst="straightConnector1">
+              <a:avLst/>
+            </a:prstGeom>
+            <a:noFill/>
+            <a:ln w="9525">
+              <a:solidFill>
+                <a:srgbClr val="4F81BD"/>
+              </a:solidFill>
+              <a:round/>
+              <a:headEnd/>
+              <a:tailEnd/>
+            </a:ln>
+            <a:extLst>
+              <a:ext uri="{909E8E84-426E-40DD-AFC4-6F175D3DCCD1}">
+                <a14:hiddenFill xmlns:a14="http://schemas.microsoft.com/office/drawing/2010/main">
+                  <a:noFill/>
+                </a14:hiddenFill>
+              </a:ext>
+            </a:extLst>
+          </p:spPr>
+          <p:txBody>
+            <a:bodyPr vert="horz" wrap="square" lIns="91440" tIns="45720" rIns="91440" bIns="45720" numCol="1" anchor="t" anchorCtr="0" compatLnSpc="1">
+              <a:prstTxWarp prst="textNoShape">
+                <a:avLst/>
+              </a:prstTxWarp>
+            </a:bodyPr>
+            <a:lstStyle/>
+            <a:p>
+              <a:endParaRPr lang="en-US"/>
+            </a:p>
+          </p:txBody>
+        </p:sp>
+        <p:sp>
+          <p:nvSpPr>
+            <p:cNvPr id="14413" name="Oval 105"/>
+            <p:cNvSpPr>
+              <a:spLocks noChangeArrowheads="1"/>
+            </p:cNvSpPr>
+            <p:nvPr/>
+          </p:nvSpPr>
+          <p:spPr bwMode="auto">
+            <a:xfrm>
+              <a:off x="8438" y="9017"/>
+              <a:ext cx="2568" cy="665"/>
+            </a:xfrm>
+            <a:prstGeom prst="ellipse">
+              <a:avLst/>
+            </a:prstGeom>
+            <a:solidFill>
+              <a:srgbClr val="EAF1DD"/>
+            </a:solidFill>
+            <a:ln w="9525">
+              <a:solidFill>
+                <a:srgbClr val="000000"/>
+              </a:solidFill>
+              <a:round/>
+              <a:headEnd/>
+              <a:tailEnd/>
+            </a:ln>
+          </p:spPr>
+          <p:txBody>
+            <a:bodyPr vert="horz" wrap="square" lIns="91440" tIns="45720" rIns="91440" bIns="45720" numCol="1" anchor="t" anchorCtr="0" compatLnSpc="1">
+              <a:prstTxWarp prst="textNoShape">
+                <a:avLst/>
+              </a:prstTxWarp>
+            </a:bodyPr>
+            <a:lstStyle/>
+            <a:p>
+              <a:pPr marL="0" marR="0" lvl="0" indent="0" algn="ctr" defTabSz="914400" rtl="0" eaLnBrk="1" fontAlgn="base" latinLnBrk="0" hangingPunct="1">
+                <a:lnSpc>
+                  <a:spcPct val="100000"/>
+                </a:lnSpc>
+                <a:spcBef>
+                  <a:spcPct val="0"/>
+                </a:spcBef>
+                <a:spcAft>
+                  <a:spcPct val="0"/>
+                </a:spcAft>
+                <a:buClrTx/>
+                <a:buSzTx/>
+                <a:buFontTx/>
+                <a:buNone/>
+                <a:tabLst/>
+              </a:pPr>
+              <a:r>
+                <a:rPr kumimoji="0" lang="en-US" sz="800" b="1" i="0" u="none" strike="noStrike" cap="none" normalizeH="0" baseline="0" smtClean="0">
+                  <a:ln>
+                    <a:noFill/>
+                  </a:ln>
+                  <a:solidFill>
+                    <a:schemeClr val="tx1"/>
+                  </a:solidFill>
+                  <a:effectLst/>
+                  <a:latin typeface="Calibri" pitchFamily="34" charset="0"/>
+                  <a:ea typeface="Times New Roman" pitchFamily="18" charset="0"/>
+                  <a:cs typeface="Arial" pitchFamily="34" charset="0"/>
+                </a:rPr>
+                <a:t>Mobile menu options screen</a:t>
+              </a:r>
+              <a:endParaRPr kumimoji="0" lang="en-US" sz="1800" b="0" i="0" u="none" strike="noStrike" cap="none" normalizeH="0" baseline="0" smtClean="0">
+                <a:ln>
+                  <a:noFill/>
+                </a:ln>
+                <a:solidFill>
+                  <a:schemeClr val="tx1"/>
+                </a:solidFill>
+                <a:effectLst/>
+                <a:latin typeface="Arial" pitchFamily="34" charset="0"/>
+                <a:cs typeface="Arial" pitchFamily="34" charset="0"/>
+              </a:endParaRPr>
+            </a:p>
+          </p:txBody>
+        </p:sp>
+        <p:sp>
+          <p:nvSpPr>
+            <p:cNvPr id="14414" name="AutoShape 5"/>
+            <p:cNvSpPr>
+              <a:spLocks noChangeShapeType="1"/>
+            </p:cNvSpPr>
+            <p:nvPr/>
+          </p:nvSpPr>
+          <p:spPr bwMode="auto">
+            <a:xfrm>
+              <a:off x="7050" y="7042"/>
+              <a:ext cx="1388" cy="2308"/>
+            </a:xfrm>
+            <a:prstGeom prst="straightConnector1">
+              <a:avLst/>
+            </a:prstGeom>
+            <a:noFill/>
+            <a:ln w="9525">
+              <a:solidFill>
+                <a:srgbClr val="4F81BD"/>
+              </a:solidFill>
+              <a:round/>
+              <a:headEnd/>
+              <a:tailEnd/>
+            </a:ln>
+            <a:extLst>
+              <a:ext uri="{909E8E84-426E-40DD-AFC4-6F175D3DCCD1}">
+                <a14:hiddenFill xmlns:a14="http://schemas.microsoft.com/office/drawing/2010/main">
+                  <a:noFill/>
+                </a14:hiddenFill>
+              </a:ext>
+            </a:extLst>
+          </p:spPr>
+          <p:txBody>
+            <a:bodyPr vert="horz" wrap="square" lIns="91440" tIns="45720" rIns="91440" bIns="45720" numCol="1" anchor="t" anchorCtr="0" compatLnSpc="1">
+              <a:prstTxWarp prst="textNoShape">
+                <a:avLst/>
+              </a:prstTxWarp>
+            </a:bodyPr>
+            <a:lstStyle/>
+            <a:p>
+              <a:endParaRPr lang="en-US"/>
+            </a:p>
+          </p:txBody>
+        </p:sp>
+        <p:sp>
+          <p:nvSpPr>
+            <p:cNvPr id="14415" name="AutoShape 4"/>
+            <p:cNvSpPr>
+              <a:spLocks noChangeShapeType="1"/>
+            </p:cNvSpPr>
+            <p:nvPr/>
+          </p:nvSpPr>
+          <p:spPr bwMode="auto">
+            <a:xfrm flipV="1">
+              <a:off x="6810" y="9350"/>
+              <a:ext cx="1628" cy="3655"/>
+            </a:xfrm>
+            <a:prstGeom prst="straightConnector1">
+              <a:avLst/>
+            </a:prstGeom>
+            <a:noFill/>
+            <a:ln w="9525">
+              <a:solidFill>
+                <a:srgbClr val="4F81BD"/>
+              </a:solidFill>
+              <a:round/>
+              <a:headEnd/>
+              <a:tailEnd/>
+            </a:ln>
+            <a:extLst>
+              <a:ext uri="{909E8E84-426E-40DD-AFC4-6F175D3DCCD1}">
+                <a14:hiddenFill xmlns:a14="http://schemas.microsoft.com/office/drawing/2010/main">
+                  <a:noFill/>
+                </a14:hiddenFill>
+              </a:ext>
+            </a:extLst>
+          </p:spPr>
+          <p:txBody>
+            <a:bodyPr vert="horz" wrap="square" lIns="91440" tIns="45720" rIns="91440" bIns="45720" numCol="1" anchor="t" anchorCtr="0" compatLnSpc="1">
+              <a:prstTxWarp prst="textNoShape">
+                <a:avLst/>
+              </a:prstTxWarp>
+            </a:bodyPr>
+            <a:lstStyle/>
+            <a:p>
+              <a:endParaRPr lang="en-US"/>
+            </a:p>
+          </p:txBody>
+        </p:sp>
+      </p:grpSp>
+    </p:spTree>
+    <p:extLst>
+      <p:ext uri="{BB962C8B-B14F-4D97-AF65-F5344CB8AC3E}">
+        <p14:creationId xmlns:p14="http://schemas.microsoft.com/office/powerpoint/2010/main" val="2164426768"/>
+      </p:ext>
+    </p:extLst>
+  </p:cSld>
+  <p:clrMapOvr>
+    <a:masterClrMapping/>
+  </p:clrMapOvr>
+  <p:timing>
+    <p:tnLst>
+      <p:par>
+        <p:cTn id="1" dur="indefinite" restart="never" nodeType="tmRoot"/>
+      </p:par>
+    </p:tnLst>
+  </p:timing>
+</p:sld>
+</file>
+
+<file path=ppt/slides/slide5.xml><?xml version="1.0" encoding="utf-8"?>
+<p:sld xmlns:a="http://schemas.openxmlformats.org/drawingml/2006/main" xmlns:r="http://schemas.openxmlformats.org/officeDocument/2006/relationships" xmlns:p="http://schemas.openxmlformats.org/presentationml/2006/main">
+  <p:cSld>
+    <p:spTree>
+      <p:nvGrpSpPr>
+        <p:cNvPr id="1" name=""/>
+        <p:cNvGrpSpPr/>
+        <p:nvPr/>
+      </p:nvGrpSpPr>
+      <p:grpSpPr>
+        <a:xfrm>
+          <a:off x="0" y="0"/>
+          <a:ext cx="0" cy="0"/>
+          <a:chOff x="0" y="0"/>
+          <a:chExt cx="0" cy="0"/>
+        </a:xfrm>
+      </p:grpSpPr>
+      <p:sp>
+        <p:nvSpPr>
+          <p:cNvPr id="2" name="Title 1"/>
+          <p:cNvSpPr>
+            <a:spLocks noGrp="1"/>
+          </p:cNvSpPr>
+          <p:nvPr>
+            <p:ph type="title"/>
+          </p:nvPr>
+        </p:nvSpPr>
+        <p:spPr>
+          <a:xfrm>
+            <a:off x="1435608" y="274638"/>
+            <a:ext cx="7498080" cy="639762"/>
+          </a:xfrm>
+        </p:spPr>
+        <p:txBody>
+          <a:bodyPr>
+            <a:normAutofit fontScale="90000"/>
+          </a:bodyPr>
+          <a:lstStyle/>
+          <a:p>
+            <a:pPr fontAlgn="auto">
+              <a:spcAft>
+                <a:spcPts val="0"/>
+              </a:spcAft>
+              <a:defRPr/>
+            </a:pPr>
+            <a:r>
+              <a:rPr lang="en-US" dirty="0" smtClean="0">
+                <a:solidFill>
+                  <a:schemeClr val="tx2">
+                    <a:satMod val="130000"/>
+                  </a:schemeClr>
+                </a:solidFill>
+              </a:rPr>
               <a:t>Why SIS?</a:t>
             </a:r>
             <a:endParaRPr lang="en-US" dirty="0">
@@ -5731,7 +14802,7 @@
 </p:sld>
 </file>
 
-<file path=ppt/slides/slide5.xml><?xml version="1.0" encoding="utf-8"?>
+<file path=ppt/slides/slide6.xml><?xml version="1.0" encoding="utf-8"?>
 <p:sld xmlns:a="http://schemas.openxmlformats.org/drawingml/2006/main" xmlns:r="http://schemas.openxmlformats.org/officeDocument/2006/relationships" xmlns:p="http://schemas.openxmlformats.org/presentationml/2006/main">
   <p:cSld>
     <p:spTree>
@@ -5984,161 +15055,6 @@
     <p:extLst>
       <p:ext uri="{BB962C8B-B14F-4D97-AF65-F5344CB8AC3E}">
         <p14:creationId xmlns:p14="http://schemas.microsoft.com/office/powerpoint/2010/main" val="1500028482"/>
-      </p:ext>
-    </p:extLst>
-  </p:cSld>
-  <p:clrMapOvr>
-    <a:masterClrMapping/>
-  </p:clrMapOvr>
-  <p:timing>
-    <p:tnLst>
-      <p:par>
-        <p:cTn id="1" dur="indefinite" restart="never" nodeType="tmRoot"/>
-      </p:par>
-    </p:tnLst>
-  </p:timing>
-</p:sld>
-</file>
-
-<file path=ppt/slides/slide6.xml><?xml version="1.0" encoding="utf-8"?>
-<p:sld xmlns:a="http://schemas.openxmlformats.org/drawingml/2006/main" xmlns:r="http://schemas.openxmlformats.org/officeDocument/2006/relationships" xmlns:p="http://schemas.openxmlformats.org/presentationml/2006/main">
-  <p:cSld>
-    <p:spTree>
-      <p:nvGrpSpPr>
-        <p:cNvPr id="1" name=""/>
-        <p:cNvGrpSpPr/>
-        <p:nvPr/>
-      </p:nvGrpSpPr>
-      <p:grpSpPr>
-        <a:xfrm>
-          <a:off x="0" y="0"/>
-          <a:ext cx="0" cy="0"/>
-          <a:chOff x="0" y="0"/>
-          <a:chExt cx="0" cy="0"/>
-        </a:xfrm>
-      </p:grpSpPr>
-      <p:sp>
-        <p:nvSpPr>
-          <p:cNvPr id="2" name="Title 1"/>
-          <p:cNvSpPr>
-            <a:spLocks noGrp="1"/>
-          </p:cNvSpPr>
-          <p:nvPr>
-            <p:ph type="title"/>
-          </p:nvPr>
-        </p:nvSpPr>
-        <p:spPr>
-          <a:xfrm>
-            <a:off x="1435608" y="274638"/>
-            <a:ext cx="7498080" cy="639762"/>
-          </a:xfrm>
-        </p:spPr>
-        <p:txBody>
-          <a:bodyPr>
-            <a:normAutofit fontScale="90000"/>
-          </a:bodyPr>
-          <a:lstStyle/>
-          <a:p>
-            <a:pPr fontAlgn="auto">
-              <a:spcAft>
-                <a:spcPts val="0"/>
-              </a:spcAft>
-              <a:defRPr/>
-            </a:pPr>
-            <a:r>
-              <a:rPr lang="en-US" dirty="0" smtClean="0">
-                <a:solidFill>
-                  <a:schemeClr val="tx2">
-                    <a:satMod val="130000"/>
-                  </a:schemeClr>
-                </a:solidFill>
-              </a:rPr>
-              <a:t>SIS Features</a:t>
-            </a:r>
-            <a:endParaRPr lang="en-US" dirty="0">
-              <a:solidFill>
-                <a:schemeClr val="tx2">
-                  <a:satMod val="130000"/>
-                </a:schemeClr>
-              </a:solidFill>
-            </a:endParaRPr>
-          </a:p>
-        </p:txBody>
-      </p:sp>
-      <p:sp>
-        <p:nvSpPr>
-          <p:cNvPr id="14338" name="Content Placeholder 2"/>
-          <p:cNvSpPr>
-            <a:spLocks noGrp="1"/>
-          </p:cNvSpPr>
-          <p:nvPr>
-            <p:ph idx="1"/>
-          </p:nvPr>
-        </p:nvSpPr>
-        <p:spPr>
-          <a:xfrm>
-            <a:off x="1435608" y="1143000"/>
-            <a:ext cx="7498080" cy="5105400"/>
-          </a:xfrm>
-        </p:spPr>
-        <p:txBody>
-          <a:bodyPr/>
-          <a:lstStyle/>
-          <a:p>
-            <a:r>
-              <a:rPr lang="en-US" dirty="0" smtClean="0"/>
-              <a:t>SIS is </a:t>
-            </a:r>
-          </a:p>
-          <a:p>
-            <a:endParaRPr lang="en-US" sz="3200" dirty="0" smtClean="0"/>
-          </a:p>
-          <a:p>
-            <a:endParaRPr lang="en-US" sz="1200" dirty="0" smtClean="0"/>
-          </a:p>
-        </p:txBody>
-      </p:sp>
-      <p:cxnSp>
-        <p:nvCxnSpPr>
-          <p:cNvPr id="4" name="Straight Connector 3"/>
-          <p:cNvCxnSpPr/>
-          <p:nvPr/>
-        </p:nvCxnSpPr>
-        <p:spPr>
-          <a:xfrm>
-            <a:off x="1295400" y="990600"/>
-            <a:ext cx="7498080" cy="0"/>
-          </a:xfrm>
-          <a:prstGeom prst="line">
-            <a:avLst/>
-          </a:prstGeom>
-          <a:ln w="63500" cmpd="thickThin">
-            <a:solidFill>
-              <a:schemeClr val="accent5">
-                <a:lumMod val="75000"/>
-              </a:schemeClr>
-            </a:solidFill>
-          </a:ln>
-        </p:spPr>
-        <p:style>
-          <a:lnRef idx="1">
-            <a:schemeClr val="accent1"/>
-          </a:lnRef>
-          <a:fillRef idx="0">
-            <a:schemeClr val="accent1"/>
-          </a:fillRef>
-          <a:effectRef idx="0">
-            <a:schemeClr val="accent1"/>
-          </a:effectRef>
-          <a:fontRef idx="minor">
-            <a:schemeClr val="tx1"/>
-          </a:fontRef>
-        </p:style>
-      </p:cxnSp>
-    </p:spTree>
-    <p:extLst>
-      <p:ext uri="{BB962C8B-B14F-4D97-AF65-F5344CB8AC3E}">
-        <p14:creationId xmlns:p14="http://schemas.microsoft.com/office/powerpoint/2010/main" val="1391169260"/>
       </p:ext>
     </p:extLst>
   </p:cSld>
@@ -6433,17 +15349,7 @@
                   </a:schemeClr>
                 </a:solidFill>
               </a:rPr>
-              <a:t>Administrator </a:t>
-            </a:r>
-            <a:r>
-              <a:rPr lang="en-US" dirty="0" smtClean="0">
-                <a:solidFill>
-                  <a:schemeClr val="tx2">
-                    <a:satMod val="130000"/>
-                  </a:schemeClr>
-                </a:solidFill>
-              </a:rPr>
-              <a:t>Modules – </a:t>
+              <a:t>Administrator Modules – </a:t>
             </a:r>
             <a:r>
               <a:rPr lang="en-US" dirty="0" err="1" smtClean="0">
@@ -6488,76 +15394,26 @@
         <p:spPr>
           <a:xfrm>
             <a:off x="1435608" y="1143000"/>
-            <a:ext cx="7498080" cy="3048000"/>
+            <a:ext cx="7498080" cy="1143000"/>
           </a:xfrm>
         </p:spPr>
         <p:txBody>
           <a:bodyPr>
-            <a:normAutofit fontScale="85000" lnSpcReduction="20000"/>
+            <a:normAutofit/>
           </a:bodyPr>
           <a:lstStyle/>
           <a:p>
             <a:r>
+              <a:rPr lang="en-US" dirty="0"/>
+              <a:t>SIS System Management</a:t>
+            </a:r>
+          </a:p>
+          <a:p>
+            <a:pPr lvl="1"/>
+            <a:r>
               <a:rPr lang="en-US" dirty="0" smtClean="0"/>
-              <a:t>Admission Management</a:t>
-            </a:r>
-          </a:p>
-          <a:p>
-            <a:pPr lvl="1"/>
-            <a:r>
-              <a:rPr lang="en-US" dirty="0"/>
-              <a:t>Edits submitted online application</a:t>
-            </a:r>
-            <a:r>
-              <a:rPr lang="en-US" dirty="0" smtClean="0"/>
-              <a:t>.</a:t>
-            </a:r>
-          </a:p>
-          <a:p>
-            <a:pPr lvl="1"/>
-            <a:r>
-              <a:rPr lang="en-US" dirty="0" smtClean="0"/>
-              <a:t>Creates new admission workflow.</a:t>
-            </a:r>
-          </a:p>
-          <a:p>
-            <a:pPr lvl="1"/>
-            <a:r>
-              <a:rPr lang="en-US" dirty="0" smtClean="0"/>
-              <a:t>Manages admission workflow process into various stages including:</a:t>
-            </a:r>
-          </a:p>
-          <a:p>
-            <a:pPr lvl="2"/>
-            <a:r>
-              <a:rPr lang="en-US" dirty="0" smtClean="0"/>
-              <a:t>Initial Review</a:t>
-            </a:r>
-          </a:p>
-          <a:p>
-            <a:pPr lvl="2"/>
-            <a:r>
-              <a:rPr lang="en-US" dirty="0" smtClean="0"/>
-              <a:t>Interview Requested</a:t>
-            </a:r>
-          </a:p>
-          <a:p>
-            <a:pPr lvl="2"/>
-            <a:r>
-              <a:rPr lang="en-US" dirty="0" smtClean="0"/>
-              <a:t>Approved</a:t>
-            </a:r>
-          </a:p>
-          <a:p>
-            <a:pPr lvl="2"/>
-            <a:r>
-              <a:rPr lang="en-US" dirty="0" smtClean="0"/>
-              <a:t>Rejected.</a:t>
-            </a:r>
-            <a:endParaRPr lang="en-US" dirty="0" smtClean="0"/>
-          </a:p>
-          <a:p>
-            <a:pPr lvl="1"/>
+              <a:t>Teacher/subject schedule maintenance</a:t>
+            </a:r>
             <a:endParaRPr lang="en-US" dirty="0" smtClean="0"/>
           </a:p>
           <a:p>
@@ -6605,10 +15461,64 @@
           </a:fontRef>
         </p:style>
       </p:cxnSp>
+      <p:pic>
+        <p:nvPicPr>
+          <p:cNvPr id="1027" name="Picture 3"/>
+          <p:cNvPicPr>
+            <a:picLocks noChangeAspect="1" noChangeArrowheads="1"/>
+          </p:cNvPicPr>
+          <p:nvPr/>
+        </p:nvPicPr>
+        <p:blipFill>
+          <a:blip r:embed="rId2">
+            <a:extLst>
+              <a:ext uri="{28A0092B-C50C-407E-A947-70E740481C1C}">
+                <a14:useLocalDpi xmlns:a14="http://schemas.microsoft.com/office/drawing/2010/main" val="0"/>
+              </a:ext>
+            </a:extLst>
+          </a:blip>
+          <a:srcRect/>
+          <a:stretch>
+            <a:fillRect/>
+          </a:stretch>
+        </p:blipFill>
+        <p:spPr bwMode="auto">
+          <a:xfrm>
+            <a:off x="1447801" y="2514600"/>
+            <a:ext cx="7467600" cy="3810000"/>
+          </a:xfrm>
+          <a:prstGeom prst="rect">
+            <a:avLst/>
+          </a:prstGeom>
+          <a:noFill/>
+          <a:ln>
+            <a:noFill/>
+          </a:ln>
+          <a:extLst>
+            <a:ext uri="{909E8E84-426E-40DD-AFC4-6F175D3DCCD1}">
+              <a14:hiddenFill xmlns:a14="http://schemas.microsoft.com/office/drawing/2010/main">
+                <a:solidFill>
+                  <a:schemeClr val="accent1"/>
+                </a:solidFill>
+              </a14:hiddenFill>
+            </a:ext>
+            <a:ext uri="{91240B29-F687-4F45-9708-019B960494DF}">
+              <a14:hiddenLine xmlns:a14="http://schemas.microsoft.com/office/drawing/2010/main" w="9525">
+                <a:solidFill>
+                  <a:schemeClr val="tx1"/>
+                </a:solidFill>
+                <a:miter lim="800000"/>
+                <a:headEnd/>
+                <a:tailEnd/>
+              </a14:hiddenLine>
+            </a:ext>
+          </a:extLst>
+        </p:spPr>
+      </p:pic>
     </p:spTree>
     <p:extLst>
       <p:ext uri="{BB962C8B-B14F-4D97-AF65-F5344CB8AC3E}">
-        <p14:creationId xmlns:p14="http://schemas.microsoft.com/office/powerpoint/2010/main" val="2114783404"/>
+        <p14:creationId xmlns:p14="http://schemas.microsoft.com/office/powerpoint/2010/main" val="2776446225"/>
       </p:ext>
     </p:extLst>
   </p:cSld>
@@ -6678,7 +15588,27 @@
                   </a:schemeClr>
                 </a:solidFill>
               </a:rPr>
-              <a:t>Teacher Modules</a:t>
+              <a:t>Administrator Modules – </a:t>
+            </a:r>
+            <a:r>
+              <a:rPr lang="en-US" dirty="0" err="1" smtClean="0">
+                <a:solidFill>
+                  <a:schemeClr val="tx2">
+                    <a:satMod val="130000"/>
+                  </a:schemeClr>
+                </a:solidFill>
+              </a:rPr>
+              <a:t>contd</a:t>
+            </a:r>
+            <a:r>
+              <a:rPr lang="en-US" dirty="0" smtClean="0">
+                <a:solidFill>
+                  <a:schemeClr val="tx2">
+                    <a:satMod val="130000"/>
+                  </a:schemeClr>
+                </a:solidFill>
+              </a:rPr>
+              <a:t>…</a:t>
             </a:r>
             <a:endParaRPr lang="en-US" dirty="0">
               <a:solidFill>
@@ -6703,17 +15633,76 @@
         <p:spPr>
           <a:xfrm>
             <a:off x="1435608" y="1143000"/>
-            <a:ext cx="7498080" cy="5105400"/>
+            <a:ext cx="7498080" cy="3048000"/>
           </a:xfrm>
         </p:spPr>
         <p:txBody>
-          <a:bodyPr/>
+          <a:bodyPr>
+            <a:normAutofit fontScale="85000" lnSpcReduction="20000"/>
+          </a:bodyPr>
           <a:lstStyle/>
           <a:p>
             <a:r>
               <a:rPr lang="en-US" dirty="0" smtClean="0"/>
-              <a:t>SIS is </a:t>
-            </a:r>
+              <a:t>Admission Management</a:t>
+            </a:r>
+          </a:p>
+          <a:p>
+            <a:pPr lvl="1"/>
+            <a:r>
+              <a:rPr lang="en-US" dirty="0"/>
+              <a:t>Edits submitted online application</a:t>
+            </a:r>
+            <a:r>
+              <a:rPr lang="en-US" dirty="0" smtClean="0"/>
+              <a:t>.</a:t>
+            </a:r>
+          </a:p>
+          <a:p>
+            <a:pPr lvl="1"/>
+            <a:r>
+              <a:rPr lang="en-US" dirty="0" smtClean="0"/>
+              <a:t>Creates new admission workflow.</a:t>
+            </a:r>
+          </a:p>
+          <a:p>
+            <a:pPr lvl="1"/>
+            <a:r>
+              <a:rPr lang="en-US" dirty="0" smtClean="0"/>
+              <a:t>Manages admission workflow process into various stages including:</a:t>
+            </a:r>
+          </a:p>
+          <a:p>
+            <a:pPr lvl="2"/>
+            <a:r>
+              <a:rPr lang="en-US" dirty="0" smtClean="0"/>
+              <a:t>Initial Review</a:t>
+            </a:r>
+          </a:p>
+          <a:p>
+            <a:pPr lvl="2"/>
+            <a:r>
+              <a:rPr lang="en-US" dirty="0" smtClean="0"/>
+              <a:t>Interview Requested</a:t>
+            </a:r>
+          </a:p>
+          <a:p>
+            <a:pPr lvl="2"/>
+            <a:r>
+              <a:rPr lang="en-US" dirty="0" smtClean="0"/>
+              <a:t>Approved</a:t>
+            </a:r>
+          </a:p>
+          <a:p>
+            <a:pPr lvl="2"/>
+            <a:r>
+              <a:rPr lang="en-US" dirty="0" smtClean="0"/>
+              <a:t>Rejected.</a:t>
+            </a:r>
+          </a:p>
+          <a:p>
+            <a:pPr lvl="1"/>
+            <a:endParaRPr lang="en-US" dirty="0" smtClean="0"/>
           </a:p>
           <a:p>
             <a:endParaRPr lang="en-US" sz="3200" dirty="0" smtClean="0"/>
@@ -6763,7 +15752,7 @@
     </p:spTree>
     <p:extLst>
       <p:ext uri="{BB962C8B-B14F-4D97-AF65-F5344CB8AC3E}">
-        <p14:creationId xmlns:p14="http://schemas.microsoft.com/office/powerpoint/2010/main" val="1160537021"/>
+        <p14:creationId xmlns:p14="http://schemas.microsoft.com/office/powerpoint/2010/main" val="2114783404"/>
       </p:ext>
     </p:extLst>
   </p:cSld>
